--- a/Dokumente/Kühlschrank-Koch.pptx
+++ b/Dokumente/Kühlschrank-Koch.pptx
@@ -8,7 +8,10 @@
     <p:sldId id="256" r:id="rId2"/>
     <p:sldId id="257" r:id="rId3"/>
     <p:sldId id="258" r:id="rId4"/>
-    <p:sldId id="259" r:id="rId5"/>
+    <p:sldId id="262" r:id="rId5"/>
+    <p:sldId id="259" r:id="rId6"/>
+    <p:sldId id="260" r:id="rId7"/>
+    <p:sldId id="261" r:id="rId8"/>
   </p:sldIdLst>
   <p:sldSz cx="12192000" cy="6858000"/>
   <p:notesSz cx="6858000" cy="9144000"/>
@@ -107,32 +110,681 @@
       </a:defRPr>
     </a:lvl9pPr>
   </p:defaultTextStyle>
+  <p:extLst>
+    <p:ext uri="{EFAFB233-063F-42B5-8137-9DF3F51BA10A}">
+      <p15:sldGuideLst xmlns:p15="http://schemas.microsoft.com/office/powerpoint/2012/main"/>
+    </p:ext>
+  </p:extLst>
 </p:presentation>
+</file>
+
+<file path=ppt/revisionInfo.xml><?xml version="1.0" encoding="utf-8"?>
+<p1510:revInfo xmlns:a="http://schemas.openxmlformats.org/drawingml/2006/main" xmlns:r="http://schemas.openxmlformats.org/officeDocument/2006/relationships" xmlns:p1510="http://schemas.microsoft.com/office/powerpoint/2015/10/main">
+  <p1510:revLst>
+    <p1510:client id="{C6FFFDE2-64AD-43EE-A858-9F427B57EF1B}" v="14" dt="2024-12-10T07:59:02.760"/>
+  </p1510:revLst>
+</p1510:revInfo>
 </file>
 
 <file path=ppt/changesInfos/changesInfo1.xml><?xml version="1.0" encoding="utf-8"?>
 <pc:chgInfo xmlns:a="http://schemas.openxmlformats.org/drawingml/2006/main" xmlns:r="http://schemas.openxmlformats.org/officeDocument/2006/relationships" xmlns:ac="http://schemas.microsoft.com/office/drawing/2013/main/command" xmlns:pc="http://schemas.microsoft.com/office/powerpoint/2013/main/command">
   <pc:docChgLst>
     <pc:chgData name="Gideon Rüscher" userId="965a1de94ad46dde" providerId="LiveId" clId="{C6FFFDE2-64AD-43EE-A858-9F427B57EF1B}"/>
-    <pc:docChg chg="addSld modSld">
-      <pc:chgData name="Gideon Rüscher" userId="965a1de94ad46dde" providerId="LiveId" clId="{C6FFFDE2-64AD-43EE-A858-9F427B57EF1B}" dt="2024-12-10T07:33:12.130" v="14" actId="20577"/>
+    <pc:docChg chg="undo custSel addSld modSld">
+      <pc:chgData name="Gideon Rüscher" userId="965a1de94ad46dde" providerId="LiveId" clId="{C6FFFDE2-64AD-43EE-A858-9F427B57EF1B}" dt="2024-12-10T08:09:26.343" v="270" actId="26606"/>
       <pc:docMkLst>
         <pc:docMk/>
       </pc:docMkLst>
-      <pc:sldChg chg="modSp new mod">
-        <pc:chgData name="Gideon Rüscher" userId="965a1de94ad46dde" providerId="LiveId" clId="{C6FFFDE2-64AD-43EE-A858-9F427B57EF1B}" dt="2024-12-10T07:33:12.130" v="14" actId="20577"/>
+      <pc:sldChg chg="addSp delSp modSp mod">
+        <pc:chgData name="Gideon Rüscher" userId="965a1de94ad46dde" providerId="LiveId" clId="{C6FFFDE2-64AD-43EE-A858-9F427B57EF1B}" dt="2024-12-10T08:09:26.343" v="270" actId="26606"/>
+        <pc:sldMkLst>
+          <pc:docMk/>
+          <pc:sldMk cId="2879372637" sldId="258"/>
+        </pc:sldMkLst>
+        <pc:spChg chg="mod">
+          <ac:chgData name="Gideon Rüscher" userId="965a1de94ad46dde" providerId="LiveId" clId="{C6FFFDE2-64AD-43EE-A858-9F427B57EF1B}" dt="2024-12-10T08:09:26.343" v="270" actId="26606"/>
+          <ac:spMkLst>
+            <pc:docMk/>
+            <pc:sldMk cId="2879372637" sldId="258"/>
+            <ac:spMk id="2" creationId="{84E594DA-644F-A743-B930-10E124DCA05C}"/>
+          </ac:spMkLst>
+        </pc:spChg>
+        <pc:spChg chg="mod ord">
+          <ac:chgData name="Gideon Rüscher" userId="965a1de94ad46dde" providerId="LiveId" clId="{C6FFFDE2-64AD-43EE-A858-9F427B57EF1B}" dt="2024-12-10T08:09:26.343" v="270" actId="26606"/>
+          <ac:spMkLst>
+            <pc:docMk/>
+            <pc:sldMk cId="2879372637" sldId="258"/>
+            <ac:spMk id="3" creationId="{0B42695D-D2A6-989C-8D35-FFF7651F09FE}"/>
+          </ac:spMkLst>
+        </pc:spChg>
+        <pc:spChg chg="del">
+          <ac:chgData name="Gideon Rüscher" userId="965a1de94ad46dde" providerId="LiveId" clId="{C6FFFDE2-64AD-43EE-A858-9F427B57EF1B}" dt="2024-12-10T07:44:17.338" v="147" actId="26606"/>
+          <ac:spMkLst>
+            <pc:docMk/>
+            <pc:sldMk cId="2879372637" sldId="258"/>
+            <ac:spMk id="23" creationId="{5FDDA4BF-98A9-4AD2-B563-1050D4040720}"/>
+          </ac:spMkLst>
+        </pc:spChg>
+        <pc:spChg chg="del">
+          <ac:chgData name="Gideon Rüscher" userId="965a1de94ad46dde" providerId="LiveId" clId="{C6FFFDE2-64AD-43EE-A858-9F427B57EF1B}" dt="2024-12-10T07:44:17.338" v="147" actId="26606"/>
+          <ac:spMkLst>
+            <pc:docMk/>
+            <pc:sldMk cId="2879372637" sldId="258"/>
+            <ac:spMk id="25" creationId="{AB47DD37-2326-421B-8396-2065D72A454F}"/>
+          </ac:spMkLst>
+        </pc:spChg>
+        <pc:spChg chg="del">
+          <ac:chgData name="Gideon Rüscher" userId="965a1de94ad46dde" providerId="LiveId" clId="{C6FFFDE2-64AD-43EE-A858-9F427B57EF1B}" dt="2024-12-10T07:44:17.338" v="147" actId="26606"/>
+          <ac:spMkLst>
+            <pc:docMk/>
+            <pc:sldMk cId="2879372637" sldId="258"/>
+            <ac:spMk id="27" creationId="{85306E64-E868-4378-9486-393C92BC8B71}"/>
+          </ac:spMkLst>
+        </pc:spChg>
+        <pc:spChg chg="del">
+          <ac:chgData name="Gideon Rüscher" userId="965a1de94ad46dde" providerId="LiveId" clId="{C6FFFDE2-64AD-43EE-A858-9F427B57EF1B}" dt="2024-12-10T07:44:17.338" v="147" actId="26606"/>
+          <ac:spMkLst>
+            <pc:docMk/>
+            <pc:sldMk cId="2879372637" sldId="258"/>
+            <ac:spMk id="29" creationId="{01A5FD61-AF28-4544-AF3E-7193BDDDCF43}"/>
+          </ac:spMkLst>
+        </pc:spChg>
+        <pc:spChg chg="add del">
+          <ac:chgData name="Gideon Rüscher" userId="965a1de94ad46dde" providerId="LiveId" clId="{C6FFFDE2-64AD-43EE-A858-9F427B57EF1B}" dt="2024-12-10T07:45:10.541" v="161" actId="26606"/>
+          <ac:spMkLst>
+            <pc:docMk/>
+            <pc:sldMk cId="2879372637" sldId="258"/>
+            <ac:spMk id="34" creationId="{C5F44963-F78F-4F17-86B4-4EAA3536BDA1}"/>
+          </ac:spMkLst>
+        </pc:spChg>
+        <pc:spChg chg="add del">
+          <ac:chgData name="Gideon Rüscher" userId="965a1de94ad46dde" providerId="LiveId" clId="{C6FFFDE2-64AD-43EE-A858-9F427B57EF1B}" dt="2024-12-10T07:45:10.541" v="161" actId="26606"/>
+          <ac:spMkLst>
+            <pc:docMk/>
+            <pc:sldMk cId="2879372637" sldId="258"/>
+            <ac:spMk id="36" creationId="{4D63F924-6A39-4651-B0CC-2CA8EE89D612}"/>
+          </ac:spMkLst>
+        </pc:spChg>
+        <pc:spChg chg="add del">
+          <ac:chgData name="Gideon Rüscher" userId="965a1de94ad46dde" providerId="LiveId" clId="{C6FFFDE2-64AD-43EE-A858-9F427B57EF1B}" dt="2024-12-10T07:45:10.541" v="161" actId="26606"/>
+          <ac:spMkLst>
+            <pc:docMk/>
+            <pc:sldMk cId="2879372637" sldId="258"/>
+            <ac:spMk id="38" creationId="{539D42F6-B160-4C00-A3D6-19ACF1CB1014}"/>
+          </ac:spMkLst>
+        </pc:spChg>
+        <pc:spChg chg="add del">
+          <ac:chgData name="Gideon Rüscher" userId="965a1de94ad46dde" providerId="LiveId" clId="{C6FFFDE2-64AD-43EE-A858-9F427B57EF1B}" dt="2024-12-10T07:45:10.541" v="161" actId="26606"/>
+          <ac:spMkLst>
+            <pc:docMk/>
+            <pc:sldMk cId="2879372637" sldId="258"/>
+            <ac:spMk id="40" creationId="{0119BBBB-309A-47CC-902A-8F81582E07D1}"/>
+          </ac:spMkLst>
+        </pc:spChg>
+        <pc:spChg chg="add del">
+          <ac:chgData name="Gideon Rüscher" userId="965a1de94ad46dde" providerId="LiveId" clId="{C6FFFDE2-64AD-43EE-A858-9F427B57EF1B}" dt="2024-12-10T07:47:04.345" v="178" actId="26606"/>
+          <ac:spMkLst>
+            <pc:docMk/>
+            <pc:sldMk cId="2879372637" sldId="258"/>
+            <ac:spMk id="45" creationId="{5FDDA4BF-98A9-4AD2-B563-1050D4040720}"/>
+          </ac:spMkLst>
+        </pc:spChg>
+        <pc:spChg chg="add del">
+          <ac:chgData name="Gideon Rüscher" userId="965a1de94ad46dde" providerId="LiveId" clId="{C6FFFDE2-64AD-43EE-A858-9F427B57EF1B}" dt="2024-12-10T07:47:04.345" v="178" actId="26606"/>
+          <ac:spMkLst>
+            <pc:docMk/>
+            <pc:sldMk cId="2879372637" sldId="258"/>
+            <ac:spMk id="47" creationId="{4C39EC7E-FD33-48FE-B06A-8636B46332BF}"/>
+          </ac:spMkLst>
+        </pc:spChg>
+        <pc:spChg chg="add del">
+          <ac:chgData name="Gideon Rüscher" userId="965a1de94ad46dde" providerId="LiveId" clId="{C6FFFDE2-64AD-43EE-A858-9F427B57EF1B}" dt="2024-12-10T07:47:04.345" v="178" actId="26606"/>
+          <ac:spMkLst>
+            <pc:docMk/>
+            <pc:sldMk cId="2879372637" sldId="258"/>
+            <ac:spMk id="49" creationId="{85306E64-E868-4378-9486-393C92BC8B71}"/>
+          </ac:spMkLst>
+        </pc:spChg>
+        <pc:spChg chg="add del">
+          <ac:chgData name="Gideon Rüscher" userId="965a1de94ad46dde" providerId="LiveId" clId="{C6FFFDE2-64AD-43EE-A858-9F427B57EF1B}" dt="2024-12-10T07:47:04.345" v="178" actId="26606"/>
+          <ac:spMkLst>
+            <pc:docMk/>
+            <pc:sldMk cId="2879372637" sldId="258"/>
+            <ac:spMk id="51" creationId="{01A5FD61-AF28-4544-AF3E-7193BDDDCF43}"/>
+          </ac:spMkLst>
+        </pc:spChg>
+        <pc:spChg chg="add del">
+          <ac:chgData name="Gideon Rüscher" userId="965a1de94ad46dde" providerId="LiveId" clId="{C6FFFDE2-64AD-43EE-A858-9F427B57EF1B}" dt="2024-12-10T08:09:26.343" v="270" actId="26606"/>
+          <ac:spMkLst>
+            <pc:docMk/>
+            <pc:sldMk cId="2879372637" sldId="258"/>
+            <ac:spMk id="56" creationId="{F08304E7-27B9-4B32-B734-39819455AB99}"/>
+          </ac:spMkLst>
+        </pc:spChg>
+        <pc:spChg chg="add del">
+          <ac:chgData name="Gideon Rüscher" userId="965a1de94ad46dde" providerId="LiveId" clId="{C6FFFDE2-64AD-43EE-A858-9F427B57EF1B}" dt="2024-12-10T08:09:26.343" v="270" actId="26606"/>
+          <ac:spMkLst>
+            <pc:docMk/>
+            <pc:sldMk cId="2879372637" sldId="258"/>
+            <ac:spMk id="58" creationId="{B6D278F6-3BB7-495D-ACAC-035E55A3FA31}"/>
+          </ac:spMkLst>
+        </pc:spChg>
+        <pc:spChg chg="add">
+          <ac:chgData name="Gideon Rüscher" userId="965a1de94ad46dde" providerId="LiveId" clId="{C6FFFDE2-64AD-43EE-A858-9F427B57EF1B}" dt="2024-12-10T08:09:26.343" v="270" actId="26606"/>
+          <ac:spMkLst>
+            <pc:docMk/>
+            <pc:sldMk cId="2879372637" sldId="258"/>
+            <ac:spMk id="60" creationId="{D042ABB9-BD49-431C-99F4-7B7A2F0942A5}"/>
+          </ac:spMkLst>
+        </pc:spChg>
+        <pc:spChg chg="add">
+          <ac:chgData name="Gideon Rüscher" userId="965a1de94ad46dde" providerId="LiveId" clId="{C6FFFDE2-64AD-43EE-A858-9F427B57EF1B}" dt="2024-12-10T08:09:26.343" v="270" actId="26606"/>
+          <ac:spMkLst>
+            <pc:docMk/>
+            <pc:sldMk cId="2879372637" sldId="258"/>
+            <ac:spMk id="61" creationId="{52542CA9-1282-466C-9192-C3FE8D5BFDB4}"/>
+          </ac:spMkLst>
+        </pc:spChg>
+        <pc:spChg chg="add">
+          <ac:chgData name="Gideon Rüscher" userId="965a1de94ad46dde" providerId="LiveId" clId="{C6FFFDE2-64AD-43EE-A858-9F427B57EF1B}" dt="2024-12-10T08:09:26.343" v="270" actId="26606"/>
+          <ac:spMkLst>
+            <pc:docMk/>
+            <pc:sldMk cId="2879372637" sldId="258"/>
+            <ac:spMk id="62" creationId="{2ECF5810-3246-4AA4-A219-1D18C812F5F7}"/>
+          </ac:spMkLst>
+        </pc:spChg>
+        <pc:spChg chg="add del">
+          <ac:chgData name="Gideon Rüscher" userId="965a1de94ad46dde" providerId="LiveId" clId="{C6FFFDE2-64AD-43EE-A858-9F427B57EF1B}" dt="2024-12-10T07:47:18.554" v="183" actId="26606"/>
+          <ac:spMkLst>
+            <pc:docMk/>
+            <pc:sldMk cId="2879372637" sldId="258"/>
+            <ac:spMk id="63" creationId="{9ADB6B36-6D23-4279-BF08-86CFF703E395}"/>
+          </ac:spMkLst>
+        </pc:spChg>
+        <pc:spChg chg="add">
+          <ac:chgData name="Gideon Rüscher" userId="965a1de94ad46dde" providerId="LiveId" clId="{C6FFFDE2-64AD-43EE-A858-9F427B57EF1B}" dt="2024-12-10T08:09:26.343" v="270" actId="26606"/>
+          <ac:spMkLst>
+            <pc:docMk/>
+            <pc:sldMk cId="2879372637" sldId="258"/>
+            <ac:spMk id="64" creationId="{33D43766-4C35-45A4-9138-E34E92C7CEDA}"/>
+          </ac:spMkLst>
+        </pc:spChg>
+        <pc:spChg chg="add del">
+          <ac:chgData name="Gideon Rüscher" userId="965a1de94ad46dde" providerId="LiveId" clId="{C6FFFDE2-64AD-43EE-A858-9F427B57EF1B}" dt="2024-12-10T07:47:18.554" v="183" actId="26606"/>
+          <ac:spMkLst>
+            <pc:docMk/>
+            <pc:sldMk cId="2879372637" sldId="258"/>
+            <ac:spMk id="65" creationId="{AEF4CD48-9281-4131-995B-E3B17C8544AF}"/>
+          </ac:spMkLst>
+        </pc:spChg>
+        <pc:spChg chg="add">
+          <ac:chgData name="Gideon Rüscher" userId="965a1de94ad46dde" providerId="LiveId" clId="{C6FFFDE2-64AD-43EE-A858-9F427B57EF1B}" dt="2024-12-10T08:09:26.343" v="270" actId="26606"/>
+          <ac:spMkLst>
+            <pc:docMk/>
+            <pc:sldMk cId="2879372637" sldId="258"/>
+            <ac:spMk id="66" creationId="{B0166477-D41F-48C4-BB80-E1917DB71805}"/>
+          </ac:spMkLst>
+        </pc:spChg>
+        <pc:spChg chg="add del">
+          <ac:chgData name="Gideon Rüscher" userId="965a1de94ad46dde" providerId="LiveId" clId="{C6FFFDE2-64AD-43EE-A858-9F427B57EF1B}" dt="2024-12-10T07:47:18.554" v="183" actId="26606"/>
+          <ac:spMkLst>
+            <pc:docMk/>
+            <pc:sldMk cId="2879372637" sldId="258"/>
+            <ac:spMk id="67" creationId="{5ABDA325-4B50-4FFB-81B9-95576831FB06}"/>
+          </ac:spMkLst>
+        </pc:spChg>
+        <pc:spChg chg="add del">
+          <ac:chgData name="Gideon Rüscher" userId="965a1de94ad46dde" providerId="LiveId" clId="{C6FFFDE2-64AD-43EE-A858-9F427B57EF1B}" dt="2024-12-10T07:47:18.554" v="183" actId="26606"/>
+          <ac:spMkLst>
+            <pc:docMk/>
+            <pc:sldMk cId="2879372637" sldId="258"/>
+            <ac:spMk id="69" creationId="{F2A49241-8E10-49A1-B30C-2A0230F6ABEC}"/>
+          </ac:spMkLst>
+        </pc:spChg>
+        <pc:spChg chg="add del">
+          <ac:chgData name="Gideon Rüscher" userId="965a1de94ad46dde" providerId="LiveId" clId="{C6FFFDE2-64AD-43EE-A858-9F427B57EF1B}" dt="2024-12-10T07:52:29.459" v="214" actId="26606"/>
+          <ac:spMkLst>
+            <pc:docMk/>
+            <pc:sldMk cId="2879372637" sldId="258"/>
+            <ac:spMk id="71" creationId="{F821940F-7A1D-4ACC-85B4-A932898ABB37}"/>
+          </ac:spMkLst>
+        </pc:spChg>
+        <pc:spChg chg="add del">
+          <ac:chgData name="Gideon Rüscher" userId="965a1de94ad46dde" providerId="LiveId" clId="{C6FFFDE2-64AD-43EE-A858-9F427B57EF1B}" dt="2024-12-10T07:52:29.459" v="214" actId="26606"/>
+          <ac:spMkLst>
+            <pc:docMk/>
+            <pc:sldMk cId="2879372637" sldId="258"/>
+            <ac:spMk id="72" creationId="{BAB0BC72-1C3A-421F-AB0A-D480DA93F959}"/>
+          </ac:spMkLst>
+        </pc:spChg>
+        <pc:spChg chg="add del">
+          <ac:chgData name="Gideon Rüscher" userId="965a1de94ad46dde" providerId="LiveId" clId="{C6FFFDE2-64AD-43EE-A858-9F427B57EF1B}" dt="2024-12-10T07:52:25.909" v="203" actId="26606"/>
+          <ac:spMkLst>
+            <pc:docMk/>
+            <pc:sldMk cId="2879372637" sldId="258"/>
+            <ac:spMk id="77" creationId="{5FDDA4BF-98A9-4AD2-B563-1050D4040720}"/>
+          </ac:spMkLst>
+        </pc:spChg>
+        <pc:spChg chg="add del">
+          <ac:chgData name="Gideon Rüscher" userId="965a1de94ad46dde" providerId="LiveId" clId="{C6FFFDE2-64AD-43EE-A858-9F427B57EF1B}" dt="2024-12-10T07:52:25.909" v="203" actId="26606"/>
+          <ac:spMkLst>
+            <pc:docMk/>
+            <pc:sldMk cId="2879372637" sldId="258"/>
+            <ac:spMk id="79" creationId="{AB47DD37-2326-421B-8396-2065D72A454F}"/>
+          </ac:spMkLst>
+        </pc:spChg>
+        <pc:spChg chg="add del">
+          <ac:chgData name="Gideon Rüscher" userId="965a1de94ad46dde" providerId="LiveId" clId="{C6FFFDE2-64AD-43EE-A858-9F427B57EF1B}" dt="2024-12-10T07:52:25.909" v="203" actId="26606"/>
+          <ac:spMkLst>
+            <pc:docMk/>
+            <pc:sldMk cId="2879372637" sldId="258"/>
+            <ac:spMk id="81" creationId="{85306E64-E868-4378-9486-393C92BC8B71}"/>
+          </ac:spMkLst>
+        </pc:spChg>
+        <pc:spChg chg="add del">
+          <ac:chgData name="Gideon Rüscher" userId="965a1de94ad46dde" providerId="LiveId" clId="{C6FFFDE2-64AD-43EE-A858-9F427B57EF1B}" dt="2024-12-10T07:52:25.909" v="203" actId="26606"/>
+          <ac:spMkLst>
+            <pc:docMk/>
+            <pc:sldMk cId="2879372637" sldId="258"/>
+            <ac:spMk id="83" creationId="{01A5FD61-AF28-4544-AF3E-7193BDDDCF43}"/>
+          </ac:spMkLst>
+        </pc:spChg>
+        <pc:spChg chg="add del">
+          <ac:chgData name="Gideon Rüscher" userId="965a1de94ad46dde" providerId="LiveId" clId="{C6FFFDE2-64AD-43EE-A858-9F427B57EF1B}" dt="2024-12-10T07:52:24.468" v="200" actId="26606"/>
+          <ac:spMkLst>
+            <pc:docMk/>
+            <pc:sldMk cId="2879372637" sldId="258"/>
+            <ac:spMk id="88" creationId="{31AA1E1C-DA67-488F-A983-F3ABD792C3BE}"/>
+          </ac:spMkLst>
+        </pc:spChg>
+        <pc:spChg chg="add del">
+          <ac:chgData name="Gideon Rüscher" userId="965a1de94ad46dde" providerId="LiveId" clId="{C6FFFDE2-64AD-43EE-A858-9F427B57EF1B}" dt="2024-12-10T07:52:24.468" v="200" actId="26606"/>
+          <ac:spMkLst>
+            <pc:docMk/>
+            <pc:sldMk cId="2879372637" sldId="258"/>
+            <ac:spMk id="90" creationId="{DC46DA5A-CECD-42F0-A57E-8D5BAE36270E}"/>
+          </ac:spMkLst>
+        </pc:spChg>
+        <pc:spChg chg="add del">
+          <ac:chgData name="Gideon Rüscher" userId="965a1de94ad46dde" providerId="LiveId" clId="{C6FFFDE2-64AD-43EE-A858-9F427B57EF1B}" dt="2024-12-10T07:52:24.468" v="200" actId="26606"/>
+          <ac:spMkLst>
+            <pc:docMk/>
+            <pc:sldMk cId="2879372637" sldId="258"/>
+            <ac:spMk id="92" creationId="{1BBFDD63-AD5F-4E42-979B-2FBDE3450982}"/>
+          </ac:spMkLst>
+        </pc:spChg>
+        <pc:spChg chg="add del">
+          <ac:chgData name="Gideon Rüscher" userId="965a1de94ad46dde" providerId="LiveId" clId="{C6FFFDE2-64AD-43EE-A858-9F427B57EF1B}" dt="2024-12-10T07:52:24.468" v="200" actId="26606"/>
+          <ac:spMkLst>
+            <pc:docMk/>
+            <pc:sldMk cId="2879372637" sldId="258"/>
+            <ac:spMk id="94" creationId="{AABDB02C-700D-4121-B1D1-CCB58F4BE5E0}"/>
+          </ac:spMkLst>
+        </pc:spChg>
+        <pc:picChg chg="del mod">
+          <ac:chgData name="Gideon Rüscher" userId="965a1de94ad46dde" providerId="LiveId" clId="{C6FFFDE2-64AD-43EE-A858-9F427B57EF1B}" dt="2024-12-10T07:46:58.987" v="177" actId="478"/>
+          <ac:picMkLst>
+            <pc:docMk/>
+            <pc:sldMk cId="2879372637" sldId="258"/>
+            <ac:picMk id="5" creationId="{0F1C9339-73FA-F31B-B383-0BF741012A16}"/>
+          </ac:picMkLst>
+        </pc:picChg>
+        <pc:picChg chg="add mod ord modCrop">
+          <ac:chgData name="Gideon Rüscher" userId="965a1de94ad46dde" providerId="LiveId" clId="{C6FFFDE2-64AD-43EE-A858-9F427B57EF1B}" dt="2024-12-10T07:52:30.440" v="216"/>
+          <ac:picMkLst>
+            <pc:docMk/>
+            <pc:sldMk cId="2879372637" sldId="258"/>
+            <ac:picMk id="6" creationId="{C4D9EC1B-55AB-5E9B-A9BD-08FEC080BA7C}"/>
+          </ac:picMkLst>
+        </pc:picChg>
+        <pc:picChg chg="del mod ord">
+          <ac:chgData name="Gideon Rüscher" userId="965a1de94ad46dde" providerId="LiveId" clId="{C6FFFDE2-64AD-43EE-A858-9F427B57EF1B}" dt="2024-12-10T07:46:41.831" v="176" actId="478"/>
+          <ac:picMkLst>
+            <pc:docMk/>
+            <pc:sldMk cId="2879372637" sldId="258"/>
+            <ac:picMk id="7" creationId="{4FDA1A0D-B867-2864-D4E6-86BADD550BC8}"/>
+          </ac:picMkLst>
+        </pc:picChg>
+        <pc:picChg chg="add mod modCrop">
+          <ac:chgData name="Gideon Rüscher" userId="965a1de94ad46dde" providerId="LiveId" clId="{C6FFFDE2-64AD-43EE-A858-9F427B57EF1B}" dt="2024-12-10T07:52:28.172" v="211"/>
+          <ac:picMkLst>
+            <pc:docMk/>
+            <pc:sldMk cId="2879372637" sldId="258"/>
+            <ac:picMk id="9" creationId="{3633D94A-B0D8-1B8D-7F97-E6A7414AD0C9}"/>
+          </ac:picMkLst>
+        </pc:picChg>
+        <pc:picChg chg="add mod ord modCrop">
+          <ac:chgData name="Gideon Rüscher" userId="965a1de94ad46dde" providerId="LiveId" clId="{C6FFFDE2-64AD-43EE-A858-9F427B57EF1B}" dt="2024-12-10T08:09:26.343" v="270" actId="26606"/>
+          <ac:picMkLst>
+            <pc:docMk/>
+            <pc:sldMk cId="2879372637" sldId="258"/>
+            <ac:picMk id="11" creationId="{7C631F89-8369-741E-B616-15F92C08B34B}"/>
+          </ac:picMkLst>
+        </pc:picChg>
+        <pc:picChg chg="add mod ord">
+          <ac:chgData name="Gideon Rüscher" userId="965a1de94ad46dde" providerId="LiveId" clId="{C6FFFDE2-64AD-43EE-A858-9F427B57EF1B}" dt="2024-12-10T08:09:26.343" v="270" actId="26606"/>
+          <ac:picMkLst>
+            <pc:docMk/>
+            <pc:sldMk cId="2879372637" sldId="258"/>
+            <ac:picMk id="13" creationId="{421F06E3-7B39-DF62-2507-DF12D4CAC3C5}"/>
+          </ac:picMkLst>
+        </pc:picChg>
+        <pc:picChg chg="add mod">
+          <ac:chgData name="Gideon Rüscher" userId="965a1de94ad46dde" providerId="LiveId" clId="{C6FFFDE2-64AD-43EE-A858-9F427B57EF1B}" dt="2024-12-10T08:09:26.343" v="270" actId="26606"/>
+          <ac:picMkLst>
+            <pc:docMk/>
+            <pc:sldMk cId="2879372637" sldId="258"/>
+            <ac:picMk id="15" creationId="{73A2BDB6-8117-776C-492D-8E7C478F52F6}"/>
+          </ac:picMkLst>
+        </pc:picChg>
+        <pc:picChg chg="add del mod">
+          <ac:chgData name="Gideon Rüscher" userId="965a1de94ad46dde" providerId="LiveId" clId="{C6FFFDE2-64AD-43EE-A858-9F427B57EF1B}" dt="2024-12-10T07:58:47.507" v="245" actId="478"/>
+          <ac:picMkLst>
+            <pc:docMk/>
+            <pc:sldMk cId="2879372637" sldId="258"/>
+            <ac:picMk id="17" creationId="{F0680287-2BF4-E18E-56F6-C229E74F4EFD}"/>
+          </ac:picMkLst>
+        </pc:picChg>
+        <pc:picChg chg="add del mod">
+          <ac:chgData name="Gideon Rüscher" userId="965a1de94ad46dde" providerId="LiveId" clId="{C6FFFDE2-64AD-43EE-A858-9F427B57EF1B}" dt="2024-12-10T07:58:57.460" v="249" actId="478"/>
+          <ac:picMkLst>
+            <pc:docMk/>
+            <pc:sldMk cId="2879372637" sldId="258"/>
+            <ac:picMk id="19" creationId="{2BFD0542-99DF-B3CD-0282-C377737D3CCF}"/>
+          </ac:picMkLst>
+        </pc:picChg>
+      </pc:sldChg>
+      <pc:sldChg chg="addSp delSp modSp new mod setBg">
+        <pc:chgData name="Gideon Rüscher" userId="965a1de94ad46dde" providerId="LiveId" clId="{C6FFFDE2-64AD-43EE-A858-9F427B57EF1B}" dt="2024-12-10T07:37:33.832" v="48" actId="20577"/>
         <pc:sldMkLst>
           <pc:docMk/>
           <pc:sldMk cId="3120912799" sldId="259"/>
         </pc:sldMkLst>
         <pc:spChg chg="mod">
-          <ac:chgData name="Gideon Rüscher" userId="965a1de94ad46dde" providerId="LiveId" clId="{C6FFFDE2-64AD-43EE-A858-9F427B57EF1B}" dt="2024-12-10T07:33:12.130" v="14" actId="20577"/>
+          <ac:chgData name="Gideon Rüscher" userId="965a1de94ad46dde" providerId="LiveId" clId="{C6FFFDE2-64AD-43EE-A858-9F427B57EF1B}" dt="2024-12-10T07:36:38.974" v="16" actId="26606"/>
           <ac:spMkLst>
             <pc:docMk/>
             <pc:sldMk cId="3120912799" sldId="259"/>
             <ac:spMk id="2" creationId="{642134CC-BDE5-47A8-31E3-E48FAA0AB63C}"/>
           </ac:spMkLst>
         </pc:spChg>
+        <pc:spChg chg="del">
+          <ac:chgData name="Gideon Rüscher" userId="965a1de94ad46dde" providerId="LiveId" clId="{C6FFFDE2-64AD-43EE-A858-9F427B57EF1B}" dt="2024-12-10T07:36:31.033" v="15" actId="22"/>
+          <ac:spMkLst>
+            <pc:docMk/>
+            <pc:sldMk cId="3120912799" sldId="259"/>
+            <ac:spMk id="3" creationId="{66120AAD-94A9-BF66-26B7-3722F7099C63}"/>
+          </ac:spMkLst>
+        </pc:spChg>
+        <pc:spChg chg="add mod">
+          <ac:chgData name="Gideon Rüscher" userId="965a1de94ad46dde" providerId="LiveId" clId="{C6FFFDE2-64AD-43EE-A858-9F427B57EF1B}" dt="2024-12-10T07:37:33.832" v="48" actId="20577"/>
+          <ac:spMkLst>
+            <pc:docMk/>
+            <pc:sldMk cId="3120912799" sldId="259"/>
+            <ac:spMk id="9" creationId="{38B50D3F-90E4-E4B2-F381-344E282C52CE}"/>
+          </ac:spMkLst>
+        </pc:spChg>
+        <pc:spChg chg="add">
+          <ac:chgData name="Gideon Rüscher" userId="965a1de94ad46dde" providerId="LiveId" clId="{C6FFFDE2-64AD-43EE-A858-9F427B57EF1B}" dt="2024-12-10T07:36:38.974" v="16" actId="26606"/>
+          <ac:spMkLst>
+            <pc:docMk/>
+            <pc:sldMk cId="3120912799" sldId="259"/>
+            <ac:spMk id="12" creationId="{F821940F-7A1D-4ACC-85B4-A932898ABB37}"/>
+          </ac:spMkLst>
+        </pc:spChg>
+        <pc:spChg chg="add">
+          <ac:chgData name="Gideon Rüscher" userId="965a1de94ad46dde" providerId="LiveId" clId="{C6FFFDE2-64AD-43EE-A858-9F427B57EF1B}" dt="2024-12-10T07:36:38.974" v="16" actId="26606"/>
+          <ac:spMkLst>
+            <pc:docMk/>
+            <pc:sldMk cId="3120912799" sldId="259"/>
+            <ac:spMk id="14" creationId="{BAB0BC72-1C3A-421F-AB0A-D480DA93F959}"/>
+          </ac:spMkLst>
+        </pc:spChg>
+        <pc:picChg chg="add mod ord">
+          <ac:chgData name="Gideon Rüscher" userId="965a1de94ad46dde" providerId="LiveId" clId="{C6FFFDE2-64AD-43EE-A858-9F427B57EF1B}" dt="2024-12-10T07:36:58.588" v="18" actId="27614"/>
+          <ac:picMkLst>
+            <pc:docMk/>
+            <pc:sldMk cId="3120912799" sldId="259"/>
+            <ac:picMk id="5" creationId="{99A58386-DA6C-1BEA-9EDC-9159DB69B739}"/>
+          </ac:picMkLst>
+        </pc:picChg>
+      </pc:sldChg>
+      <pc:sldChg chg="addSp delSp modSp new mod setBg">
+        <pc:chgData name="Gideon Rüscher" userId="965a1de94ad46dde" providerId="LiveId" clId="{C6FFFDE2-64AD-43EE-A858-9F427B57EF1B}" dt="2024-12-10T07:42:09.158" v="141" actId="26606"/>
+        <pc:sldMkLst>
+          <pc:docMk/>
+          <pc:sldMk cId="691884223" sldId="260"/>
+        </pc:sldMkLst>
+        <pc:spChg chg="mod">
+          <ac:chgData name="Gideon Rüscher" userId="965a1de94ad46dde" providerId="LiveId" clId="{C6FFFDE2-64AD-43EE-A858-9F427B57EF1B}" dt="2024-12-10T07:42:09.158" v="141" actId="26606"/>
+          <ac:spMkLst>
+            <pc:docMk/>
+            <pc:sldMk cId="691884223" sldId="260"/>
+            <ac:spMk id="2" creationId="{5EBB44C9-DADD-C92D-5543-9FC66993A8A0}"/>
+          </ac:spMkLst>
+        </pc:spChg>
+        <pc:spChg chg="add del mod">
+          <ac:chgData name="Gideon Rüscher" userId="965a1de94ad46dde" providerId="LiveId" clId="{C6FFFDE2-64AD-43EE-A858-9F427B57EF1B}" dt="2024-12-10T07:42:09.158" v="141" actId="26606"/>
+          <ac:spMkLst>
+            <pc:docMk/>
+            <pc:sldMk cId="691884223" sldId="260"/>
+            <ac:spMk id="3" creationId="{B85D11DE-E5B7-9C2D-2685-ABD13DF4EB77}"/>
+          </ac:spMkLst>
+        </pc:spChg>
+        <pc:spChg chg="add">
+          <ac:chgData name="Gideon Rüscher" userId="965a1de94ad46dde" providerId="LiveId" clId="{C6FFFDE2-64AD-43EE-A858-9F427B57EF1B}" dt="2024-12-10T07:38:02.343" v="50"/>
+          <ac:spMkLst>
+            <pc:docMk/>
+            <pc:sldMk cId="691884223" sldId="260"/>
+            <ac:spMk id="4" creationId="{2787E3BD-7F2F-A4E1-17DA-B2E3997BACD9}"/>
+          </ac:spMkLst>
+        </pc:spChg>
+        <pc:spChg chg="add">
+          <ac:chgData name="Gideon Rüscher" userId="965a1de94ad46dde" providerId="LiveId" clId="{C6FFFDE2-64AD-43EE-A858-9F427B57EF1B}" dt="2024-12-10T07:38:02.343" v="50"/>
+          <ac:spMkLst>
+            <pc:docMk/>
+            <pc:sldMk cId="691884223" sldId="260"/>
+            <ac:spMk id="5" creationId="{A04C7B9A-BC76-4A8C-4715-C24F07C1CBA2}"/>
+          </ac:spMkLst>
+        </pc:spChg>
+        <pc:spChg chg="add">
+          <ac:chgData name="Gideon Rüscher" userId="965a1de94ad46dde" providerId="LiveId" clId="{C6FFFDE2-64AD-43EE-A858-9F427B57EF1B}" dt="2024-12-10T07:38:02.343" v="50"/>
+          <ac:spMkLst>
+            <pc:docMk/>
+            <pc:sldMk cId="691884223" sldId="260"/>
+            <ac:spMk id="6" creationId="{127DA699-20E0-3EA4-6993-E9D5233335D5}"/>
+          </ac:spMkLst>
+        </pc:spChg>
+        <pc:spChg chg="add">
+          <ac:chgData name="Gideon Rüscher" userId="965a1de94ad46dde" providerId="LiveId" clId="{C6FFFDE2-64AD-43EE-A858-9F427B57EF1B}" dt="2024-12-10T07:38:02.343" v="50"/>
+          <ac:spMkLst>
+            <pc:docMk/>
+            <pc:sldMk cId="691884223" sldId="260"/>
+            <ac:spMk id="7" creationId="{8504E686-EE7D-FB83-A7F6-C0D77A6F2692}"/>
+          </ac:spMkLst>
+        </pc:spChg>
+        <pc:spChg chg="add">
+          <ac:chgData name="Gideon Rüscher" userId="965a1de94ad46dde" providerId="LiveId" clId="{C6FFFDE2-64AD-43EE-A858-9F427B57EF1B}" dt="2024-12-10T07:38:02.343" v="50"/>
+          <ac:spMkLst>
+            <pc:docMk/>
+            <pc:sldMk cId="691884223" sldId="260"/>
+            <ac:spMk id="8" creationId="{1BDB7CCF-FC2E-8D3B-6F29-17C59B422080}"/>
+          </ac:spMkLst>
+        </pc:spChg>
+        <pc:spChg chg="add">
+          <ac:chgData name="Gideon Rüscher" userId="965a1de94ad46dde" providerId="LiveId" clId="{C6FFFDE2-64AD-43EE-A858-9F427B57EF1B}" dt="2024-12-10T07:38:02.343" v="50"/>
+          <ac:spMkLst>
+            <pc:docMk/>
+            <pc:sldMk cId="691884223" sldId="260"/>
+            <ac:spMk id="9" creationId="{5AB1918D-7D71-7C94-E9F3-C5E2FF5BDD0D}"/>
+          </ac:spMkLst>
+        </pc:spChg>
+        <pc:spChg chg="add">
+          <ac:chgData name="Gideon Rüscher" userId="965a1de94ad46dde" providerId="LiveId" clId="{C6FFFDE2-64AD-43EE-A858-9F427B57EF1B}" dt="2024-12-10T07:38:02.343" v="50"/>
+          <ac:spMkLst>
+            <pc:docMk/>
+            <pc:sldMk cId="691884223" sldId="260"/>
+            <ac:spMk id="10" creationId="{CFD88257-73E7-2441-EEB8-96E15E18117F}"/>
+          </ac:spMkLst>
+        </pc:spChg>
+        <pc:spChg chg="add">
+          <ac:chgData name="Gideon Rüscher" userId="965a1de94ad46dde" providerId="LiveId" clId="{C6FFFDE2-64AD-43EE-A858-9F427B57EF1B}" dt="2024-12-10T07:38:02.343" v="50"/>
+          <ac:spMkLst>
+            <pc:docMk/>
+            <pc:sldMk cId="691884223" sldId="260"/>
+            <ac:spMk id="11" creationId="{CAA8AD20-E90E-3499-A5D6-56AA79B9BE41}"/>
+          </ac:spMkLst>
+        </pc:spChg>
+        <pc:spChg chg="add">
+          <ac:chgData name="Gideon Rüscher" userId="965a1de94ad46dde" providerId="LiveId" clId="{C6FFFDE2-64AD-43EE-A858-9F427B57EF1B}" dt="2024-12-10T07:38:02.343" v="50"/>
+          <ac:spMkLst>
+            <pc:docMk/>
+            <pc:sldMk cId="691884223" sldId="260"/>
+            <ac:spMk id="12" creationId="{5FD35BFA-30D5-28DD-E5BF-FDB8DFA4844F}"/>
+          </ac:spMkLst>
+        </pc:spChg>
+        <pc:spChg chg="add">
+          <ac:chgData name="Gideon Rüscher" userId="965a1de94ad46dde" providerId="LiveId" clId="{C6FFFDE2-64AD-43EE-A858-9F427B57EF1B}" dt="2024-12-10T07:38:02.343" v="50"/>
+          <ac:spMkLst>
+            <pc:docMk/>
+            <pc:sldMk cId="691884223" sldId="260"/>
+            <ac:spMk id="13" creationId="{0032B508-5330-850B-95B6-63DC217A2605}"/>
+          </ac:spMkLst>
+        </pc:spChg>
+        <pc:spChg chg="add">
+          <ac:chgData name="Gideon Rüscher" userId="965a1de94ad46dde" providerId="LiveId" clId="{C6FFFDE2-64AD-43EE-A858-9F427B57EF1B}" dt="2024-12-10T07:38:02.343" v="50"/>
+          <ac:spMkLst>
+            <pc:docMk/>
+            <pc:sldMk cId="691884223" sldId="260"/>
+            <ac:spMk id="14" creationId="{2A8B77F1-13D6-C786-00F1-23B87038BAFF}"/>
+          </ac:spMkLst>
+        </pc:spChg>
+        <pc:spChg chg="add mod">
+          <ac:chgData name="Gideon Rüscher" userId="965a1de94ad46dde" providerId="LiveId" clId="{C6FFFDE2-64AD-43EE-A858-9F427B57EF1B}" dt="2024-12-10T07:38:44.889" v="65"/>
+          <ac:spMkLst>
+            <pc:docMk/>
+            <pc:sldMk cId="691884223" sldId="260"/>
+            <ac:spMk id="15" creationId="{C5355938-FF7B-79FC-0E67-4396C5FF41FD}"/>
+          </ac:spMkLst>
+        </pc:spChg>
+        <pc:spChg chg="add del mod">
+          <ac:chgData name="Gideon Rüscher" userId="965a1de94ad46dde" providerId="LiveId" clId="{C6FFFDE2-64AD-43EE-A858-9F427B57EF1B}" dt="2024-12-10T07:40:21.404" v="115"/>
+          <ac:spMkLst>
+            <pc:docMk/>
+            <pc:sldMk cId="691884223" sldId="260"/>
+            <ac:spMk id="16" creationId="{C76A4A60-DD12-D132-51C5-6F4D1F2FDC3C}"/>
+          </ac:spMkLst>
+        </pc:spChg>
+        <pc:spChg chg="add">
+          <ac:chgData name="Gideon Rüscher" userId="965a1de94ad46dde" providerId="LiveId" clId="{C6FFFDE2-64AD-43EE-A858-9F427B57EF1B}" dt="2024-12-10T07:42:09.158" v="141" actId="26606"/>
+          <ac:spMkLst>
+            <pc:docMk/>
+            <pc:sldMk cId="691884223" sldId="260"/>
+            <ac:spMk id="17" creationId="{00A0D747-F38B-4A99-9985-62CE8C24765F}"/>
+          </ac:spMkLst>
+        </pc:spChg>
+        <pc:spChg chg="add">
+          <ac:chgData name="Gideon Rüscher" userId="965a1de94ad46dde" providerId="LiveId" clId="{C6FFFDE2-64AD-43EE-A858-9F427B57EF1B}" dt="2024-12-10T07:42:09.158" v="141" actId="26606"/>
+          <ac:spMkLst>
+            <pc:docMk/>
+            <pc:sldMk cId="691884223" sldId="260"/>
+            <ac:spMk id="18" creationId="{3D1BF32B-6CA3-4695-8A0C-1AC789B58D94}"/>
+          </ac:spMkLst>
+        </pc:spChg>
+      </pc:sldChg>
+      <pc:sldChg chg="addSp delSp modSp new mod setBg">
+        <pc:chgData name="Gideon Rüscher" userId="965a1de94ad46dde" providerId="LiveId" clId="{C6FFFDE2-64AD-43EE-A858-9F427B57EF1B}" dt="2024-12-10T07:42:42.871" v="146" actId="20577"/>
+        <pc:sldMkLst>
+          <pc:docMk/>
+          <pc:sldMk cId="4282427279" sldId="261"/>
+        </pc:sldMkLst>
+        <pc:spChg chg="mod">
+          <ac:chgData name="Gideon Rüscher" userId="965a1de94ad46dde" providerId="LiveId" clId="{C6FFFDE2-64AD-43EE-A858-9F427B57EF1B}" dt="2024-12-10T07:42:30.645" v="142" actId="26606"/>
+          <ac:spMkLst>
+            <pc:docMk/>
+            <pc:sldMk cId="4282427279" sldId="261"/>
+            <ac:spMk id="2" creationId="{1965495C-DB64-2C5B-387C-AB72A15C2FE6}"/>
+          </ac:spMkLst>
+        </pc:spChg>
+        <pc:spChg chg="add del mod">
+          <ac:chgData name="Gideon Rüscher" userId="965a1de94ad46dde" providerId="LiveId" clId="{C6FFFDE2-64AD-43EE-A858-9F427B57EF1B}" dt="2024-12-10T07:42:42.871" v="146" actId="20577"/>
+          <ac:spMkLst>
+            <pc:docMk/>
+            <pc:sldMk cId="4282427279" sldId="261"/>
+            <ac:spMk id="3" creationId="{781671A5-BF48-42B2-26E2-10043C0F1C06}"/>
+          </ac:spMkLst>
+        </pc:spChg>
+        <pc:spChg chg="add mod">
+          <ac:chgData name="Gideon Rüscher" userId="965a1de94ad46dde" providerId="LiveId" clId="{C6FFFDE2-64AD-43EE-A858-9F427B57EF1B}" dt="2024-12-10T07:41:29.629" v="127"/>
+          <ac:spMkLst>
+            <pc:docMk/>
+            <pc:sldMk cId="4282427279" sldId="261"/>
+            <ac:spMk id="4" creationId="{2B9A51C2-4C59-46A4-1DBB-822D14CD82D6}"/>
+          </ac:spMkLst>
+        </pc:spChg>
+        <pc:spChg chg="add del mod">
+          <ac:chgData name="Gideon Rüscher" userId="965a1de94ad46dde" providerId="LiveId" clId="{C6FFFDE2-64AD-43EE-A858-9F427B57EF1B}" dt="2024-12-10T07:41:47.198" v="140"/>
+          <ac:spMkLst>
+            <pc:docMk/>
+            <pc:sldMk cId="4282427279" sldId="261"/>
+            <ac:spMk id="5" creationId="{9F8DDC5F-75D4-B2B8-DFE0-83C5BD4A038D}"/>
+          </ac:spMkLst>
+        </pc:spChg>
+        <pc:spChg chg="add">
+          <ac:chgData name="Gideon Rüscher" userId="965a1de94ad46dde" providerId="LiveId" clId="{C6FFFDE2-64AD-43EE-A858-9F427B57EF1B}" dt="2024-12-10T07:42:30.645" v="142" actId="26606"/>
+          <ac:spMkLst>
+            <pc:docMk/>
+            <pc:sldMk cId="4282427279" sldId="261"/>
+            <ac:spMk id="9" creationId="{5D13CC36-B950-4F02-9BAF-9A7EB267398C}"/>
+          </ac:spMkLst>
+        </pc:spChg>
+        <pc:spChg chg="add">
+          <ac:chgData name="Gideon Rüscher" userId="965a1de94ad46dde" providerId="LiveId" clId="{C6FFFDE2-64AD-43EE-A858-9F427B57EF1B}" dt="2024-12-10T07:42:30.645" v="142" actId="26606"/>
+          <ac:spMkLst>
+            <pc:docMk/>
+            <pc:sldMk cId="4282427279" sldId="261"/>
+            <ac:spMk id="11" creationId="{D1BDED99-B35B-4FEE-A274-8E8DB6FEEECF}"/>
+          </ac:spMkLst>
+        </pc:spChg>
+        <pc:picChg chg="add">
+          <ac:chgData name="Gideon Rüscher" userId="965a1de94ad46dde" providerId="LiveId" clId="{C6FFFDE2-64AD-43EE-A858-9F427B57EF1B}" dt="2024-12-10T07:42:30.645" v="142" actId="26606"/>
+          <ac:picMkLst>
+            <pc:docMk/>
+            <pc:sldMk cId="4282427279" sldId="261"/>
+            <ac:picMk id="6" creationId="{1E9AF271-822B-88F1-EFBB-8BCF43943CF5}"/>
+          </ac:picMkLst>
+        </pc:picChg>
+      </pc:sldChg>
+      <pc:sldChg chg="addSp delSp modSp new mod">
+        <pc:chgData name="Gideon Rüscher" userId="965a1de94ad46dde" providerId="LiveId" clId="{C6FFFDE2-64AD-43EE-A858-9F427B57EF1B}" dt="2024-12-10T07:59:06.410" v="252" actId="1076"/>
+        <pc:sldMkLst>
+          <pc:docMk/>
+          <pc:sldMk cId="1925472369" sldId="262"/>
+        </pc:sldMkLst>
+        <pc:spChg chg="del">
+          <ac:chgData name="Gideon Rüscher" userId="965a1de94ad46dde" providerId="LiveId" clId="{C6FFFDE2-64AD-43EE-A858-9F427B57EF1B}" dt="2024-12-10T07:58:49.977" v="246"/>
+          <ac:spMkLst>
+            <pc:docMk/>
+            <pc:sldMk cId="1925472369" sldId="262"/>
+            <ac:spMk id="3" creationId="{E1AB72BE-ADBC-C19A-B035-2A99A33A48D5}"/>
+          </ac:spMkLst>
+        </pc:spChg>
+        <pc:picChg chg="add mod">
+          <ac:chgData name="Gideon Rüscher" userId="965a1de94ad46dde" providerId="LiveId" clId="{C6FFFDE2-64AD-43EE-A858-9F427B57EF1B}" dt="2024-12-10T07:58:54.690" v="248" actId="1076"/>
+          <ac:picMkLst>
+            <pc:docMk/>
+            <pc:sldMk cId="1925472369" sldId="262"/>
+            <ac:picMk id="4" creationId="{F63B8D46-2BB1-CDB0-09CA-7A8B4ABE2395}"/>
+          </ac:picMkLst>
+        </pc:picChg>
+        <pc:picChg chg="add mod">
+          <ac:chgData name="Gideon Rüscher" userId="965a1de94ad46dde" providerId="LiveId" clId="{C6FFFDE2-64AD-43EE-A858-9F427B57EF1B}" dt="2024-12-10T07:59:06.410" v="252" actId="1076"/>
+          <ac:picMkLst>
+            <pc:docMk/>
+            <pc:sldMk cId="1925472369" sldId="262"/>
+            <ac:picMk id="5" creationId="{2C043798-1B5F-C446-5323-A562A59CE68E}"/>
+          </ac:picMkLst>
+        </pc:picChg>
       </pc:sldChg>
     </pc:docChg>
   </pc:docChgLst>
@@ -3212,8 +3864,8 @@
           </a:p>
         </p:txBody>
       </p:sp>
-      <mc:AlternateContent xmlns:mc="http://schemas.openxmlformats.org/markup-compatibility/2006">
-        <mc:Choice xmlns:p14="http://schemas.microsoft.com/office/powerpoint/2010/main" Requires="p14">
+      <mc:AlternateContent xmlns:mc="http://schemas.openxmlformats.org/markup-compatibility/2006" xmlns:p14="http://schemas.microsoft.com/office/powerpoint/2010/main">
+        <mc:Choice Requires="p14">
           <p:contentPart p14:bwMode="auto" r:id="rId14">
             <p14:nvContentPartPr>
               <p14:cNvPr id="18" name="Ink 17">
@@ -3232,7 +3884,7 @@
             </p14:xfrm>
           </p:contentPart>
         </mc:Choice>
-        <mc:Fallback>
+        <mc:Fallback xmlns="">
           <p:pic>
             <p:nvPicPr>
               <p:cNvPr id="18" name="Ink 17">
@@ -5441,7 +6093,7 @@
           <a:lstStyle/>
           <a:p>
             <a:r>
-              <a:rPr lang="de-AT"/>
+              <a:rPr lang="de-AT" dirty="0"/>
               <a:t>Simon Rapp (Projektleiter):</a:t>
             </a:r>
           </a:p>
@@ -5456,11 +6108,11 @@
               <a:tabLst/>
             </a:pPr>
             <a:r>
-              <a:rPr lang="de-DE" altLang="de-DE" b="1" i="1"/>
+              <a:rPr lang="de-DE" altLang="de-DE" b="1" i="1" dirty="0"/>
               <a:t>API-Entwicklung: </a:t>
             </a:r>
             <a:r>
-              <a:rPr lang="de-DE" altLang="de-DE"/>
+              <a:rPr lang="de-DE" altLang="de-DE" dirty="0"/>
               <a:t>Entwicklung einer eigenen Rezeptdatenbank und Filterlogik.</a:t>
             </a:r>
           </a:p>
@@ -5475,11 +6127,11 @@
               <a:tabLst/>
             </a:pPr>
             <a:r>
-              <a:rPr lang="de-DE" altLang="de-DE" b="1" i="1"/>
+              <a:rPr lang="de-DE" altLang="de-DE" b="1" i="1" dirty="0"/>
               <a:t>Frontend-Design: </a:t>
             </a:r>
             <a:r>
-              <a:rPr lang="de-DE" altLang="de-DE"/>
+              <a:rPr lang="de-DE" altLang="de-DE" dirty="0"/>
               <a:t>Mockups und User Interface </a:t>
             </a:r>
           </a:p>
@@ -5487,14 +6139,14 @@
             <a:pPr marL="0" indent="0">
               <a:buNone/>
             </a:pPr>
-            <a:endParaRPr lang="de-AT"/>
-          </a:p>
-          <a:p>
-            <a:endParaRPr lang="de-AT"/>
+            <a:endParaRPr lang="de-AT" dirty="0"/>
+          </a:p>
+          <a:p>
+            <a:endParaRPr lang="de-AT" dirty="0"/>
           </a:p>
           <a:p>
             <a:r>
-              <a:rPr lang="de-AT"/>
+              <a:rPr lang="de-AT" dirty="0"/>
               <a:t>Gideon Rüscher (Mitglied)</a:t>
             </a:r>
           </a:p>
@@ -5504,11 +6156,11 @@
               <a:buChar char="-"/>
             </a:pPr>
             <a:r>
-              <a:rPr lang="de-DE" b="1"/>
+              <a:rPr lang="de-DE" b="1" dirty="0" err="1"/>
               <a:t>Testing</a:t>
             </a:r>
             <a:r>
-              <a:rPr lang="de-DE"/>
+              <a:rPr lang="de-DE" dirty="0"/>
               <a:t>: Sicherstellung der Funktionalität und Fehlerbehebung.</a:t>
             </a:r>
           </a:p>
@@ -5518,12 +6170,20 @@
               <a:buChar char="-"/>
             </a:pPr>
             <a:r>
-              <a:rPr lang="de-DE" b="1"/>
+              <a:rPr lang="de-DE" b="1" dirty="0"/>
               <a:t>GitHub-Verwaltung</a:t>
             </a:r>
             <a:r>
-              <a:rPr lang="de-DE"/>
-              <a:t>: Code-Commit-History und Versionskontrolle.</a:t>
+              <a:rPr lang="de-DE" dirty="0"/>
+              <a:t>: Code-Commit-</a:t>
+            </a:r>
+            <a:r>
+              <a:rPr lang="de-DE" dirty="0" err="1"/>
+              <a:t>History</a:t>
+            </a:r>
+            <a:r>
+              <a:rPr lang="de-DE" dirty="0"/>
+              <a:t> und Versionskontrolle.</a:t>
             </a:r>
           </a:p>
           <a:p>
@@ -5574,10 +6234,10 @@
       </p:grpSpPr>
       <p:sp useBgFill="1">
         <p:nvSpPr>
-          <p:cNvPr id="23" name="Rectangle 22">
+          <p:cNvPr id="60" name="Rectangle 62">
             <a:extLst>
               <a:ext uri="{FF2B5EF4-FFF2-40B4-BE49-F238E27FC236}">
-                <a16:creationId xmlns:a16="http://schemas.microsoft.com/office/drawing/2014/main" id="{5FDDA4BF-98A9-4AD2-B563-1050D4040720}"/>
+                <a16:creationId xmlns:a16="http://schemas.microsoft.com/office/drawing/2014/main" id="{D042ABB9-BD49-431C-99F4-7B7A2F0942A5}"/>
               </a:ext>
               <a:ext uri="{C183D7F6-B498-43B3-948B-1728B52AA6E4}">
                 <adec:decorative xmlns:adec="http://schemas.microsoft.com/office/drawing/2017/decorative" val="1"/>
@@ -5597,7 +6257,7 @@
         </p:nvSpPr>
         <p:spPr>
           <a:xfrm>
-            <a:off x="0" y="17632"/>
+            <a:off x="0" y="0"/>
             <a:ext cx="12192000" cy="6858000"/>
           </a:xfrm>
           <a:prstGeom prst="rect">
@@ -5666,8 +6326,8 @@
         </p:nvSpPr>
         <p:spPr>
           <a:xfrm>
-            <a:off x="1050879" y="603623"/>
-            <a:ext cx="4996350" cy="2355659"/>
+            <a:off x="1050880" y="609601"/>
+            <a:ext cx="4867210" cy="2819398"/>
           </a:xfrm>
         </p:spPr>
         <p:txBody>
@@ -5684,7 +6344,7 @@
               <a:rPr lang="de-AT" dirty="0" err="1"/>
               <a:t>Projekstand</a:t>
             </a:r>
-            <a:endParaRPr lang="de-AT"/>
+            <a:endParaRPr lang="de-AT" dirty="0"/>
           </a:p>
         </p:txBody>
       </p:sp>
@@ -5706,8 +6366,8 @@
         </p:nvSpPr>
         <p:spPr>
           <a:xfrm>
-            <a:off x="6219825" y="609601"/>
-            <a:ext cx="5099610" cy="2646362"/>
+            <a:off x="6257964" y="609602"/>
+            <a:ext cx="4603518" cy="2819398"/>
           </a:xfrm>
         </p:spPr>
         <p:txBody>
@@ -5720,19 +6380,18 @@
               <a:rPr lang="de-AT" dirty="0"/>
               <a:t>Mockup:</a:t>
             </a:r>
-            <a:endParaRPr lang="de-AT"/>
-          </a:p>
-          <a:p>
-            <a:endParaRPr lang="de-AT"/>
+          </a:p>
+          <a:p>
+            <a:endParaRPr lang="de-AT" dirty="0"/>
           </a:p>
         </p:txBody>
       </p:sp>
       <p:sp>
         <p:nvSpPr>
-          <p:cNvPr id="25" name="Freeform: Shape 24">
+          <p:cNvPr id="61" name="Freeform: Shape 64">
             <a:extLst>
               <a:ext uri="{FF2B5EF4-FFF2-40B4-BE49-F238E27FC236}">
-                <a16:creationId xmlns:a16="http://schemas.microsoft.com/office/drawing/2014/main" id="{AB47DD37-2326-421B-8396-2065D72A454F}"/>
+                <a16:creationId xmlns:a16="http://schemas.microsoft.com/office/drawing/2014/main" id="{52542CA9-1282-466C-9192-C3FE8D5BFDB4}"/>
               </a:ext>
               <a:ext uri="{C183D7F6-B498-43B3-948B-1728B52AA6E4}">
                 <adec:decorative xmlns:adec="http://schemas.microsoft.com/office/drawing/2017/decorative" val="1"/>
@@ -5752,7 +6411,7 @@
         </p:nvSpPr>
         <p:spPr>
           <a:xfrm>
-            <a:off x="0" y="4183550"/>
+            <a:off x="0" y="4160830"/>
             <a:ext cx="12192002" cy="2697170"/>
           </a:xfrm>
           <a:custGeom>
@@ -6575,10 +7234,10 @@
       </p:sp>
       <p:sp>
         <p:nvSpPr>
-          <p:cNvPr id="27" name="Freeform: Shape 26">
+          <p:cNvPr id="62" name="Freeform: Shape 66">
             <a:extLst>
               <a:ext uri="{FF2B5EF4-FFF2-40B4-BE49-F238E27FC236}">
-                <a16:creationId xmlns:a16="http://schemas.microsoft.com/office/drawing/2014/main" id="{85306E64-E868-4378-9486-393C92BC8B71}"/>
+                <a16:creationId xmlns:a16="http://schemas.microsoft.com/office/drawing/2014/main" id="{2ECF5810-3246-4AA4-A219-1D18C812F5F7}"/>
               </a:ext>
               <a:ext uri="{C183D7F6-B498-43B3-948B-1728B52AA6E4}">
                 <adec:decorative xmlns:adec="http://schemas.microsoft.com/office/drawing/2017/decorative" val="1"/>
@@ -6598,8 +7257,8 @@
         </p:nvSpPr>
         <p:spPr>
           <a:xfrm>
-            <a:off x="1180038" y="3652343"/>
-            <a:ext cx="4738051" cy="2766089"/>
+            <a:off x="1050881" y="3828981"/>
+            <a:ext cx="3261348" cy="2571818"/>
           </a:xfrm>
           <a:custGeom>
             <a:avLst/>
@@ -6654,7 +7313,7 @@
             <a:noFill/>
           </a:ln>
           <a:effectLst>
-            <a:outerShdw blurRad="25400" dist="12700" dir="3000000" algn="tl" rotWithShape="0">
+            <a:outerShdw blurRad="38100" dist="12700" dir="3000000" algn="tl" rotWithShape="0">
               <a:prstClr val="black">
                 <a:alpha val="27000"/>
               </a:prstClr>
@@ -6684,16 +7343,46 @@
           <a:lstStyle/>
           <a:p>
             <a:pPr algn="ctr"/>
-            <a:endParaRPr lang="en-US"/>
+            <a:endParaRPr lang="en-US" dirty="0"/>
           </a:p>
         </p:txBody>
       </p:sp>
+      <p:pic>
+        <p:nvPicPr>
+          <p:cNvPr id="15" name="Grafik 14">
+            <a:extLst>
+              <a:ext uri="{FF2B5EF4-FFF2-40B4-BE49-F238E27FC236}">
+                <a16:creationId xmlns:a16="http://schemas.microsoft.com/office/drawing/2014/main" id="{73A2BDB6-8117-776C-492D-8E7C478F52F6}"/>
+              </a:ext>
+            </a:extLst>
+          </p:cNvPr>
+          <p:cNvPicPr>
+            <a:picLocks noChangeAspect="1"/>
+          </p:cNvPicPr>
+          <p:nvPr/>
+        </p:nvPicPr>
+        <p:blipFill>
+          <a:blip r:embed="rId2"/>
+          <a:stretch>
+            <a:fillRect/>
+          </a:stretch>
+        </p:blipFill>
+        <p:spPr>
+          <a:xfrm>
+            <a:off x="1212234" y="4140598"/>
+            <a:ext cx="2963626" cy="1948584"/>
+          </a:xfrm>
+          <a:prstGeom prst="rect">
+            <a:avLst/>
+          </a:prstGeom>
+        </p:spPr>
+      </p:pic>
       <p:sp>
         <p:nvSpPr>
-          <p:cNvPr id="29" name="Freeform: Shape 28">
+          <p:cNvPr id="64" name="Freeform: Shape 68">
             <a:extLst>
               <a:ext uri="{FF2B5EF4-FFF2-40B4-BE49-F238E27FC236}">
-                <a16:creationId xmlns:a16="http://schemas.microsoft.com/office/drawing/2014/main" id="{01A5FD61-AF28-4544-AF3E-7193BDDDCF43}"/>
+                <a16:creationId xmlns:a16="http://schemas.microsoft.com/office/drawing/2014/main" id="{33D43766-4C35-45A4-9138-E34E92C7CEDA}"/>
               </a:ext>
               <a:ext uri="{C183D7F6-B498-43B3-948B-1728B52AA6E4}">
                 <adec:decorative xmlns:adec="http://schemas.microsoft.com/office/drawing/2017/decorative" val="1"/>
@@ -6713,8 +7402,8 @@
         </p:nvSpPr>
         <p:spPr>
           <a:xfrm>
-            <a:off x="6257964" y="3634711"/>
-            <a:ext cx="4738051" cy="2766088"/>
+            <a:off x="4514773" y="3828982"/>
+            <a:ext cx="3152167" cy="2571817"/>
           </a:xfrm>
           <a:custGeom>
             <a:avLst/>
@@ -6769,7 +7458,7 @@
             <a:noFill/>
           </a:ln>
           <a:effectLst>
-            <a:outerShdw blurRad="25400" dist="12700" dir="3000000" algn="tl" rotWithShape="0">
+            <a:outerShdw blurRad="38100" dist="12700" dir="3000000" algn="tl" rotWithShape="0">
               <a:prstClr val="black">
                 <a:alpha val="27000"/>
               </a:prstClr>
@@ -6799,16 +7488,16 @@
           <a:lstStyle/>
           <a:p>
             <a:pPr algn="ctr"/>
-            <a:endParaRPr lang="en-US"/>
+            <a:endParaRPr lang="en-US" dirty="0"/>
           </a:p>
         </p:txBody>
       </p:sp>
       <p:pic>
         <p:nvPicPr>
-          <p:cNvPr id="7" name="Grafik 6" descr="Ein Bild, das Text, Screenshot, Design enthält.&#10;&#10;Automatisch generierte Beschreibung">
+          <p:cNvPr id="13" name="Grafik 12">
             <a:extLst>
               <a:ext uri="{FF2B5EF4-FFF2-40B4-BE49-F238E27FC236}">
-                <a16:creationId xmlns:a16="http://schemas.microsoft.com/office/drawing/2014/main" id="{4FDA1A0D-B867-2864-D4E6-86BADD550BC8}"/>
+                <a16:creationId xmlns:a16="http://schemas.microsoft.com/office/drawing/2014/main" id="{421F06E3-7B39-DF62-2507-DF12D4CAC3C5}"/>
               </a:ext>
             </a:extLst>
           </p:cNvPr>
@@ -6818,32 +7507,142 @@
           <p:nvPr/>
         </p:nvPicPr>
         <p:blipFill>
-          <a:blip r:embed="rId2">
-            <a:extLst>
-              <a:ext uri="{28A0092B-C50C-407E-A947-70E740481C1C}">
-                <a14:useLocalDpi xmlns:a14="http://schemas.microsoft.com/office/drawing/2010/main" val="0"/>
-              </a:ext>
-            </a:extLst>
-          </a:blip>
-          <a:srcRect t="50000"/>
-          <a:stretch/>
+          <a:blip r:embed="rId3"/>
+          <a:stretch>
+            <a:fillRect/>
+          </a:stretch>
         </p:blipFill>
         <p:spPr>
           <a:xfrm>
-            <a:off x="1685709" y="3760846"/>
-            <a:ext cx="3726709" cy="2526583"/>
+            <a:off x="4669551" y="4180383"/>
+            <a:ext cx="2842609" cy="1869015"/>
           </a:xfrm>
           <a:prstGeom prst="rect">
             <a:avLst/>
           </a:prstGeom>
         </p:spPr>
       </p:pic>
+      <p:sp>
+        <p:nvSpPr>
+          <p:cNvPr id="66" name="Freeform: Shape 70">
+            <a:extLst>
+              <a:ext uri="{FF2B5EF4-FFF2-40B4-BE49-F238E27FC236}">
+                <a16:creationId xmlns:a16="http://schemas.microsoft.com/office/drawing/2014/main" id="{B0166477-D41F-48C4-BB80-E1917DB71805}"/>
+              </a:ext>
+              <a:ext uri="{C183D7F6-B498-43B3-948B-1728B52AA6E4}">
+                <adec:decorative xmlns:adec="http://schemas.microsoft.com/office/drawing/2017/decorative" val="1"/>
+              </a:ext>
+            </a:extLst>
+          </p:cNvPr>
+          <p:cNvSpPr>
+            <a:spLocks noGrp="1" noRot="1" noChangeAspect="1" noMove="1" noResize="1" noEditPoints="1" noAdjustHandles="1" noChangeArrowheads="1" noChangeShapeType="1" noTextEdit="1"/>
+          </p:cNvSpPr>
+          <p:nvPr>
+            <p:extLst>
+              <p:ext uri="{386F3935-93C4-4BCD-93E2-E3B085C9AB24}">
+                <p16:designElem xmlns:p16="http://schemas.microsoft.com/office/powerpoint/2015/main" val="1"/>
+              </p:ext>
+            </p:extLst>
+          </p:nvPr>
+        </p:nvSpPr>
+        <p:spPr>
+          <a:xfrm>
+            <a:off x="7859795" y="3828982"/>
+            <a:ext cx="3152167" cy="2571817"/>
+          </a:xfrm>
+          <a:custGeom>
+            <a:avLst/>
+            <a:gdLst>
+              <a:gd name="connsiteX0" fmla="*/ 0 w 2400300"/>
+              <a:gd name="connsiteY0" fmla="*/ 0 h 2400300"/>
+              <a:gd name="connsiteX1" fmla="*/ 2400300 w 2400300"/>
+              <a:gd name="connsiteY1" fmla="*/ 0 h 2400300"/>
+              <a:gd name="connsiteX2" fmla="*/ 2400300 w 2400300"/>
+              <a:gd name="connsiteY2" fmla="*/ 2400300 h 2400300"/>
+              <a:gd name="connsiteX3" fmla="*/ 0 w 2400300"/>
+              <a:gd name="connsiteY3" fmla="*/ 2400300 h 2400300"/>
+            </a:gdLst>
+            <a:ahLst/>
+            <a:cxnLst>
+              <a:cxn ang="0">
+                <a:pos x="connsiteX0" y="connsiteY0"/>
+              </a:cxn>
+              <a:cxn ang="0">
+                <a:pos x="connsiteX1" y="connsiteY1"/>
+              </a:cxn>
+              <a:cxn ang="0">
+                <a:pos x="connsiteX2" y="connsiteY2"/>
+              </a:cxn>
+              <a:cxn ang="0">
+                <a:pos x="connsiteX3" y="connsiteY3"/>
+              </a:cxn>
+            </a:cxnLst>
+            <a:rect l="l" t="t" r="r" b="b"/>
+            <a:pathLst>
+              <a:path w="2400300" h="2400300">
+                <a:moveTo>
+                  <a:pt x="0" y="0"/>
+                </a:moveTo>
+                <a:lnTo>
+                  <a:pt x="2400300" y="0"/>
+                </a:lnTo>
+                <a:lnTo>
+                  <a:pt x="2400300" y="2400300"/>
+                </a:lnTo>
+                <a:lnTo>
+                  <a:pt x="0" y="2400300"/>
+                </a:lnTo>
+                <a:close/>
+              </a:path>
+            </a:pathLst>
+          </a:custGeom>
+          <a:solidFill>
+            <a:srgbClr val="FFFFFF"/>
+          </a:solidFill>
+          <a:ln>
+            <a:noFill/>
+          </a:ln>
+          <a:effectLst>
+            <a:outerShdw blurRad="38100" dist="12700" dir="3000000" algn="tl" rotWithShape="0">
+              <a:prstClr val="black">
+                <a:alpha val="27000"/>
+              </a:prstClr>
+            </a:outerShdw>
+          </a:effectLst>
+        </p:spPr>
+        <p:style>
+          <a:lnRef idx="2">
+            <a:schemeClr val="accent1">
+              <a:shade val="50000"/>
+            </a:schemeClr>
+          </a:lnRef>
+          <a:fillRef idx="1">
+            <a:schemeClr val="accent1"/>
+          </a:fillRef>
+          <a:effectRef idx="0">
+            <a:schemeClr val="accent1"/>
+          </a:effectRef>
+          <a:fontRef idx="minor">
+            <a:schemeClr val="lt1"/>
+          </a:fontRef>
+        </p:style>
+        <p:txBody>
+          <a:bodyPr wrap="square" rtlCol="0" anchor="ctr">
+            <a:noAutofit/>
+          </a:bodyPr>
+          <a:lstStyle/>
+          <a:p>
+            <a:pPr algn="ctr"/>
+            <a:endParaRPr lang="en-US" dirty="0"/>
+          </a:p>
+        </p:txBody>
+      </p:sp>
       <p:pic>
         <p:nvPicPr>
-          <p:cNvPr id="5" name="Grafik 4" descr="Ein Bild, das Text, Screenshot, Design enthält.&#10;&#10;Automatisch generierte Beschreibung">
+          <p:cNvPr id="11" name="Grafik 10">
             <a:extLst>
               <a:ext uri="{FF2B5EF4-FFF2-40B4-BE49-F238E27FC236}">
-                <a16:creationId xmlns:a16="http://schemas.microsoft.com/office/drawing/2014/main" id="{0F1C9339-73FA-F31B-B383-0BF741012A16}"/>
+                <a16:creationId xmlns:a16="http://schemas.microsoft.com/office/drawing/2014/main" id="{7C631F89-8369-741E-B616-15F92C08B34B}"/>
               </a:ext>
             </a:extLst>
           </p:cNvPr>
@@ -6853,20 +7652,14 @@
           <p:nvPr/>
         </p:nvPicPr>
         <p:blipFill>
-          <a:blip r:embed="rId2">
-            <a:extLst>
-              <a:ext uri="{28A0092B-C50C-407E-A947-70E740481C1C}">
-                <a14:useLocalDpi xmlns:a14="http://schemas.microsoft.com/office/drawing/2010/main" val="0"/>
-              </a:ext>
-            </a:extLst>
-          </a:blip>
-          <a:srcRect b="50000"/>
+          <a:blip r:embed="rId4"/>
+          <a:srcRect r="1282"/>
           <a:stretch/>
         </p:blipFill>
         <p:spPr>
           <a:xfrm>
-            <a:off x="6698483" y="3722746"/>
-            <a:ext cx="3725338" cy="2525653"/>
+            <a:off x="8014573" y="4168246"/>
+            <a:ext cx="2842609" cy="1893288"/>
           </a:xfrm>
           <a:prstGeom prst="rect">
             <a:avLst/>
@@ -6908,7 +7701,7 @@
           <p:cNvPr id="2" name="Titel 1">
             <a:extLst>
               <a:ext uri="{FF2B5EF4-FFF2-40B4-BE49-F238E27FC236}">
-                <a16:creationId xmlns:a16="http://schemas.microsoft.com/office/drawing/2014/main" id="{642134CC-BDE5-47A8-31E3-E48FAA0AB63C}"/>
+                <a16:creationId xmlns:a16="http://schemas.microsoft.com/office/drawing/2014/main" id="{6DA22718-660F-81DD-EDE1-7B65BBEADFEC}"/>
               </a:ext>
             </a:extLst>
           </p:cNvPr>
@@ -6924,6 +7717,1588 @@
           <a:bodyPr/>
           <a:lstStyle/>
           <a:p>
+            <a:endParaRPr lang="de-AT"/>
+          </a:p>
+        </p:txBody>
+      </p:sp>
+      <p:pic>
+        <p:nvPicPr>
+          <p:cNvPr id="4" name="Inhaltsplatzhalter 3">
+            <a:extLst>
+              <a:ext uri="{FF2B5EF4-FFF2-40B4-BE49-F238E27FC236}">
+                <a16:creationId xmlns:a16="http://schemas.microsoft.com/office/drawing/2014/main" id="{F63B8D46-2BB1-CDB0-09CA-7A8B4ABE2395}"/>
+              </a:ext>
+            </a:extLst>
+          </p:cNvPr>
+          <p:cNvPicPr>
+            <a:picLocks noGrp="1" noChangeAspect="1"/>
+          </p:cNvPicPr>
+          <p:nvPr>
+            <p:ph idx="1"/>
+          </p:nvPr>
+        </p:nvPicPr>
+        <p:blipFill>
+          <a:blip r:embed="rId2"/>
+          <a:stretch>
+            <a:fillRect/>
+          </a:stretch>
+        </p:blipFill>
+        <p:spPr>
+          <a:xfrm>
+            <a:off x="838623" y="2564460"/>
+            <a:ext cx="5001775" cy="3280385"/>
+          </a:xfrm>
+          <a:prstGeom prst="rect">
+            <a:avLst/>
+          </a:prstGeom>
+        </p:spPr>
+      </p:pic>
+      <p:pic>
+        <p:nvPicPr>
+          <p:cNvPr id="5" name="Grafik 4">
+            <a:extLst>
+              <a:ext uri="{FF2B5EF4-FFF2-40B4-BE49-F238E27FC236}">
+                <a16:creationId xmlns:a16="http://schemas.microsoft.com/office/drawing/2014/main" id="{2C043798-1B5F-C446-5323-A562A59CE68E}"/>
+              </a:ext>
+            </a:extLst>
+          </p:cNvPr>
+          <p:cNvPicPr>
+            <a:picLocks noChangeAspect="1"/>
+          </p:cNvPicPr>
+          <p:nvPr/>
+        </p:nvPicPr>
+        <p:blipFill>
+          <a:blip r:embed="rId3"/>
+          <a:stretch>
+            <a:fillRect/>
+          </a:stretch>
+        </p:blipFill>
+        <p:spPr>
+          <a:xfrm>
+            <a:off x="6397662" y="2564460"/>
+            <a:ext cx="4844426" cy="3185053"/>
+          </a:xfrm>
+          <a:prstGeom prst="rect">
+            <a:avLst/>
+          </a:prstGeom>
+        </p:spPr>
+      </p:pic>
+    </p:spTree>
+    <p:extLst>
+      <p:ext uri="{BB962C8B-B14F-4D97-AF65-F5344CB8AC3E}">
+        <p14:creationId xmlns:p14="http://schemas.microsoft.com/office/powerpoint/2010/main" val="1925472369"/>
+      </p:ext>
+    </p:extLst>
+  </p:cSld>
+  <p:clrMapOvr>
+    <a:masterClrMapping/>
+  </p:clrMapOvr>
+</p:sld>
+</file>
+
+<file path=ppt/slides/slide5.xml><?xml version="1.0" encoding="utf-8"?>
+<p:sld xmlns:a="http://schemas.openxmlformats.org/drawingml/2006/main" xmlns:r="http://schemas.openxmlformats.org/officeDocument/2006/relationships" xmlns:p="http://schemas.openxmlformats.org/presentationml/2006/main">
+  <p:cSld>
+    <p:bg>
+      <p:bgPr>
+        <a:solidFill>
+          <a:schemeClr val="bg1"/>
+        </a:solidFill>
+        <a:effectLst/>
+      </p:bgPr>
+    </p:bg>
+    <p:spTree>
+      <p:nvGrpSpPr>
+        <p:cNvPr id="1" name=""/>
+        <p:cNvGrpSpPr/>
+        <p:nvPr/>
+      </p:nvGrpSpPr>
+      <p:grpSpPr>
+        <a:xfrm>
+          <a:off x="0" y="0"/>
+          <a:ext cx="0" cy="0"/>
+          <a:chOff x="0" y="0"/>
+          <a:chExt cx="0" cy="0"/>
+        </a:xfrm>
+      </p:grpSpPr>
+      <p:sp useBgFill="1">
+        <p:nvSpPr>
+          <p:cNvPr id="12" name="Rectangle 11">
+            <a:extLst>
+              <a:ext uri="{FF2B5EF4-FFF2-40B4-BE49-F238E27FC236}">
+                <a16:creationId xmlns:a16="http://schemas.microsoft.com/office/drawing/2014/main" id="{F821940F-7A1D-4ACC-85B4-A932898ABB37}"/>
+              </a:ext>
+              <a:ext uri="{C183D7F6-B498-43B3-948B-1728B52AA6E4}">
+                <adec:decorative xmlns:adec="http://schemas.microsoft.com/office/drawing/2017/decorative" val="1"/>
+              </a:ext>
+            </a:extLst>
+          </p:cNvPr>
+          <p:cNvSpPr>
+            <a:spLocks noGrp="1" noRot="1" noChangeAspect="1" noMove="1" noResize="1" noEditPoints="1" noAdjustHandles="1" noChangeArrowheads="1" noChangeShapeType="1" noTextEdit="1"/>
+          </p:cNvSpPr>
+          <p:nvPr>
+            <p:extLst>
+              <p:ext uri="{386F3935-93C4-4BCD-93E2-E3B085C9AB24}">
+                <p16:designElem xmlns:p16="http://schemas.microsoft.com/office/powerpoint/2015/main" val="1"/>
+              </p:ext>
+            </p:extLst>
+          </p:nvPr>
+        </p:nvSpPr>
+        <p:spPr>
+          <a:xfrm>
+            <a:off x="0" y="0"/>
+            <a:ext cx="12192000" cy="6858000"/>
+          </a:xfrm>
+          <a:prstGeom prst="rect">
+            <a:avLst/>
+          </a:prstGeom>
+          <a:ln w="12700" cap="flat" cmpd="sng" algn="ctr">
+            <a:noFill/>
+            <a:prstDash val="solid"/>
+            <a:miter lim="800000"/>
+          </a:ln>
+          <a:effectLst/>
+          <a:extLst>
+            <a:ext uri="{91240B29-F687-4F45-9708-019B960494DF}">
+              <a14:hiddenLine xmlns:a14="http://schemas.microsoft.com/office/drawing/2010/main" w="12700" cap="flat" cmpd="sng" algn="ctr">
+                <a:solidFill>
+                  <a:schemeClr val="accent1">
+                    <a:shade val="50000"/>
+                  </a:schemeClr>
+                </a:solidFill>
+                <a:prstDash val="solid"/>
+                <a:miter lim="800000"/>
+              </a14:hiddenLine>
+            </a:ext>
+          </a:extLst>
+        </p:spPr>
+        <p:style>
+          <a:lnRef idx="2">
+            <a:schemeClr val="accent1">
+              <a:shade val="50000"/>
+            </a:schemeClr>
+          </a:lnRef>
+          <a:fillRef idx="1">
+            <a:schemeClr val="accent1"/>
+          </a:fillRef>
+          <a:effectRef idx="0">
+            <a:schemeClr val="accent1"/>
+          </a:effectRef>
+          <a:fontRef idx="minor">
+            <a:schemeClr val="lt1"/>
+          </a:fontRef>
+        </p:style>
+        <p:txBody>
+          <a:bodyPr rtlCol="0" anchor="ctr"/>
+          <a:lstStyle/>
+          <a:p>
+            <a:pPr algn="ctr"/>
+            <a:endParaRPr lang="en-US"/>
+          </a:p>
+        </p:txBody>
+      </p:sp>
+      <p:sp>
+        <p:nvSpPr>
+          <p:cNvPr id="14" name="Freeform: Shape 13">
+            <a:extLst>
+              <a:ext uri="{FF2B5EF4-FFF2-40B4-BE49-F238E27FC236}">
+                <a16:creationId xmlns:a16="http://schemas.microsoft.com/office/drawing/2014/main" id="{BAB0BC72-1C3A-421F-AB0A-D480DA93F959}"/>
+              </a:ext>
+              <a:ext uri="{C183D7F6-B498-43B3-948B-1728B52AA6E4}">
+                <adec:decorative xmlns:adec="http://schemas.microsoft.com/office/drawing/2017/decorative" val="1"/>
+              </a:ext>
+            </a:extLst>
+          </p:cNvPr>
+          <p:cNvSpPr>
+            <a:spLocks noGrp="1" noRot="1" noChangeAspect="1" noMove="1" noResize="1" noEditPoints="1" noAdjustHandles="1" noChangeArrowheads="1" noChangeShapeType="1" noTextEdit="1"/>
+          </p:cNvSpPr>
+          <p:nvPr>
+            <p:extLst>
+              <p:ext uri="{386F3935-93C4-4BCD-93E2-E3B085C9AB24}">
+                <p16:designElem xmlns:p16="http://schemas.microsoft.com/office/powerpoint/2015/main" val="1"/>
+              </p:ext>
+            </p:extLst>
+          </p:nvPr>
+        </p:nvSpPr>
+        <p:spPr>
+          <a:xfrm>
+            <a:off x="0" y="0"/>
+            <a:ext cx="7228763" cy="6858000"/>
+          </a:xfrm>
+          <a:custGeom>
+            <a:avLst/>
+            <a:gdLst>
+              <a:gd name="connsiteX0" fmla="*/ 0 w 7228763"/>
+              <a:gd name="connsiteY0" fmla="*/ 0 h 6858000"/>
+              <a:gd name="connsiteX1" fmla="*/ 501961 w 7228763"/>
+              <a:gd name="connsiteY1" fmla="*/ 0 h 6858000"/>
+              <a:gd name="connsiteX2" fmla="*/ 723901 w 7228763"/>
+              <a:gd name="connsiteY2" fmla="*/ 0 h 6858000"/>
+              <a:gd name="connsiteX3" fmla="*/ 7228583 w 7228763"/>
+              <a:gd name="connsiteY3" fmla="*/ 0 h 6858000"/>
+              <a:gd name="connsiteX4" fmla="*/ 7228763 w 7228763"/>
+              <a:gd name="connsiteY4" fmla="*/ 1 h 6858000"/>
+              <a:gd name="connsiteX5" fmla="*/ 7221350 w 7228763"/>
+              <a:gd name="connsiteY5" fmla="*/ 30700 h 6858000"/>
+              <a:gd name="connsiteX6" fmla="*/ 7199900 w 7228763"/>
+              <a:gd name="connsiteY6" fmla="*/ 310025 h 6858000"/>
+              <a:gd name="connsiteX7" fmla="*/ 7214938 w 7228763"/>
+              <a:gd name="connsiteY7" fmla="*/ 443960 h 6858000"/>
+              <a:gd name="connsiteX8" fmla="*/ 7174238 w 7228763"/>
+              <a:gd name="connsiteY8" fmla="*/ 642659 h 6858000"/>
+              <a:gd name="connsiteX9" fmla="*/ 7166213 w 7228763"/>
+              <a:gd name="connsiteY9" fmla="*/ 673307 h 6858000"/>
+              <a:gd name="connsiteX10" fmla="*/ 7128963 w 7228763"/>
+              <a:gd name="connsiteY10" fmla="*/ 839641 h 6858000"/>
+              <a:gd name="connsiteX11" fmla="*/ 7066183 w 7228763"/>
+              <a:gd name="connsiteY11" fmla="*/ 958357 h 6858000"/>
+              <a:gd name="connsiteX12" fmla="*/ 7070620 w 7228763"/>
+              <a:gd name="connsiteY12" fmla="*/ 963398 h 6858000"/>
+              <a:gd name="connsiteX13" fmla="*/ 7022851 w 7228763"/>
+              <a:gd name="connsiteY13" fmla="*/ 1117169 h 6858000"/>
+              <a:gd name="connsiteX14" fmla="*/ 7019920 w 7228763"/>
+              <a:gd name="connsiteY14" fmla="*/ 1144352 h 6858000"/>
+              <a:gd name="connsiteX15" fmla="*/ 7021476 w 7228763"/>
+              <a:gd name="connsiteY15" fmla="*/ 1164484 h 6858000"/>
+              <a:gd name="connsiteX16" fmla="*/ 7005576 w 7228763"/>
+              <a:gd name="connsiteY16" fmla="*/ 1213829 h 6858000"/>
+              <a:gd name="connsiteX17" fmla="*/ 6970919 w 7228763"/>
+              <a:gd name="connsiteY17" fmla="*/ 1294823 h 6858000"/>
+              <a:gd name="connsiteX18" fmla="*/ 6965413 w 7228763"/>
+              <a:gd name="connsiteY18" fmla="*/ 1312193 h 6858000"/>
+              <a:gd name="connsiteX19" fmla="*/ 6968106 w 7228763"/>
+              <a:gd name="connsiteY19" fmla="*/ 1327626 h 6858000"/>
+              <a:gd name="connsiteX20" fmla="*/ 6975202 w 7228763"/>
+              <a:gd name="connsiteY20" fmla="*/ 1331644 h 6858000"/>
+              <a:gd name="connsiteX21" fmla="*/ 6973366 w 7228763"/>
+              <a:gd name="connsiteY21" fmla="*/ 1341276 h 6858000"/>
+              <a:gd name="connsiteX22" fmla="*/ 6974428 w 7228763"/>
+              <a:gd name="connsiteY22" fmla="*/ 1343945 h 6858000"/>
+              <a:gd name="connsiteX23" fmla="*/ 6978971 w 7228763"/>
+              <a:gd name="connsiteY23" fmla="*/ 1359134 h 6858000"/>
+              <a:gd name="connsiteX24" fmla="*/ 6946335 w 7228763"/>
+              <a:gd name="connsiteY24" fmla="*/ 1427803 h 6858000"/>
+              <a:gd name="connsiteX25" fmla="*/ 6907208 w 7228763"/>
+              <a:gd name="connsiteY25" fmla="*/ 1540278 h 6858000"/>
+              <a:gd name="connsiteX26" fmla="*/ 6901698 w 7228763"/>
+              <a:gd name="connsiteY26" fmla="*/ 1547262 h 6858000"/>
+              <a:gd name="connsiteX27" fmla="*/ 6902877 w 7228763"/>
+              <a:gd name="connsiteY27" fmla="*/ 1577056 h 6858000"/>
+              <a:gd name="connsiteX28" fmla="*/ 6904067 w 7228763"/>
+              <a:gd name="connsiteY28" fmla="*/ 1595898 h 6858000"/>
+              <a:gd name="connsiteX29" fmla="*/ 6891817 w 7228763"/>
+              <a:gd name="connsiteY29" fmla="*/ 1703726 h 6858000"/>
+              <a:gd name="connsiteX30" fmla="*/ 6898520 w 7228763"/>
+              <a:gd name="connsiteY30" fmla="*/ 1809535 h 6858000"/>
+              <a:gd name="connsiteX31" fmla="*/ 6897783 w 7228763"/>
+              <a:gd name="connsiteY31" fmla="*/ 2018310 h 6858000"/>
+              <a:gd name="connsiteX32" fmla="*/ 6887647 w 7228763"/>
+              <a:gd name="connsiteY32" fmla="*/ 2071355 h 6858000"/>
+              <a:gd name="connsiteX33" fmla="*/ 6888952 w 7228763"/>
+              <a:gd name="connsiteY33" fmla="*/ 2141166 h 6858000"/>
+              <a:gd name="connsiteX34" fmla="*/ 6887101 w 7228763"/>
+              <a:gd name="connsiteY34" fmla="*/ 2154548 h 6858000"/>
+              <a:gd name="connsiteX35" fmla="*/ 6880519 w 7228763"/>
+              <a:gd name="connsiteY35" fmla="*/ 2158153 h 6858000"/>
+              <a:gd name="connsiteX36" fmla="*/ 6873389 w 7228763"/>
+              <a:gd name="connsiteY36" fmla="*/ 2178174 h 6858000"/>
+              <a:gd name="connsiteX37" fmla="*/ 6871679 w 7228763"/>
+              <a:gd name="connsiteY37" fmla="*/ 2202858 h 6858000"/>
+              <a:gd name="connsiteX38" fmla="*/ 6870321 w 7228763"/>
+              <a:gd name="connsiteY38" fmla="*/ 2320214 h 6858000"/>
+              <a:gd name="connsiteX39" fmla="*/ 6857787 w 7228763"/>
+              <a:gd name="connsiteY39" fmla="*/ 2417011 h 6858000"/>
+              <a:gd name="connsiteX40" fmla="*/ 6850905 w 7228763"/>
+              <a:gd name="connsiteY40" fmla="*/ 2454207 h 6858000"/>
+              <a:gd name="connsiteX41" fmla="*/ 6848900 w 7228763"/>
+              <a:gd name="connsiteY41" fmla="*/ 2487203 h 6858000"/>
+              <a:gd name="connsiteX42" fmla="*/ 6837487 w 7228763"/>
+              <a:gd name="connsiteY42" fmla="*/ 2512282 h 6858000"/>
+              <a:gd name="connsiteX43" fmla="*/ 6838494 w 7228763"/>
+              <a:gd name="connsiteY43" fmla="*/ 2514318 h 6858000"/>
+              <a:gd name="connsiteX44" fmla="*/ 6863982 w 7228763"/>
+              <a:gd name="connsiteY44" fmla="*/ 2574334 h 6858000"/>
+              <a:gd name="connsiteX45" fmla="*/ 6862893 w 7228763"/>
+              <a:gd name="connsiteY45" fmla="*/ 2579877 h 6858000"/>
+              <a:gd name="connsiteX46" fmla="*/ 6863047 w 7228763"/>
+              <a:gd name="connsiteY46" fmla="*/ 2608928 h 6858000"/>
+              <a:gd name="connsiteX47" fmla="*/ 6862462 w 7228763"/>
+              <a:gd name="connsiteY47" fmla="*/ 2613111 h 6858000"/>
+              <a:gd name="connsiteX48" fmla="*/ 6854084 w 7228763"/>
+              <a:gd name="connsiteY48" fmla="*/ 2621996 h 6858000"/>
+              <a:gd name="connsiteX49" fmla="*/ 6856559 w 7228763"/>
+              <a:gd name="connsiteY49" fmla="*/ 2634265 h 6858000"/>
+              <a:gd name="connsiteX50" fmla="*/ 6847985 w 7228763"/>
+              <a:gd name="connsiteY50" fmla="*/ 2647237 h 6858000"/>
+              <a:gd name="connsiteX51" fmla="*/ 6854115 w 7228763"/>
+              <a:gd name="connsiteY51" fmla="*/ 2650786 h 6858000"/>
+              <a:gd name="connsiteX52" fmla="*/ 6859942 w 7228763"/>
+              <a:gd name="connsiteY52" fmla="*/ 2661993 h 6858000"/>
+              <a:gd name="connsiteX53" fmla="*/ 6851884 w 7228763"/>
+              <a:gd name="connsiteY53" fmla="*/ 2670949 h 6858000"/>
+              <a:gd name="connsiteX54" fmla="*/ 6846115 w 7228763"/>
+              <a:gd name="connsiteY54" fmla="*/ 2690255 h 6858000"/>
+              <a:gd name="connsiteX55" fmla="*/ 6846964 w 7228763"/>
+              <a:gd name="connsiteY55" fmla="*/ 2695683 h 6858000"/>
+              <a:gd name="connsiteX56" fmla="*/ 6836011 w 7228763"/>
+              <a:gd name="connsiteY56" fmla="*/ 2713964 h 6858000"/>
+              <a:gd name="connsiteX57" fmla="*/ 6830478 w 7228763"/>
+              <a:gd name="connsiteY57" fmla="*/ 2730175 h 6858000"/>
+              <a:gd name="connsiteX58" fmla="*/ 6841091 w 7228763"/>
+              <a:gd name="connsiteY58" fmla="*/ 2763497 h 6858000"/>
+              <a:gd name="connsiteX59" fmla="*/ 6803520 w 7228763"/>
+              <a:gd name="connsiteY59" fmla="*/ 3051539 h 6858000"/>
+              <a:gd name="connsiteX60" fmla="*/ 6733280 w 7228763"/>
+              <a:gd name="connsiteY60" fmla="*/ 3335396 h 6858000"/>
+              <a:gd name="connsiteX61" fmla="*/ 6735884 w 7228763"/>
+              <a:gd name="connsiteY61" fmla="*/ 3456509 h 6858000"/>
+              <a:gd name="connsiteX62" fmla="*/ 6715764 w 7228763"/>
+              <a:gd name="connsiteY62" fmla="*/ 3531827 h 6858000"/>
+              <a:gd name="connsiteX63" fmla="*/ 6730329 w 7228763"/>
+              <a:gd name="connsiteY63" fmla="*/ 3570877 h 6858000"/>
+              <a:gd name="connsiteX64" fmla="*/ 6727426 w 7228763"/>
+              <a:gd name="connsiteY64" fmla="*/ 3583849 h 6858000"/>
+              <a:gd name="connsiteX65" fmla="*/ 6718706 w 7228763"/>
+              <a:gd name="connsiteY65" fmla="*/ 3592763 h 6858000"/>
+              <a:gd name="connsiteX66" fmla="*/ 6693350 w 7228763"/>
+              <a:gd name="connsiteY66" fmla="*/ 3653485 h 6858000"/>
+              <a:gd name="connsiteX67" fmla="*/ 6685983 w 7228763"/>
+              <a:gd name="connsiteY67" fmla="*/ 3670528 h 6858000"/>
+              <a:gd name="connsiteX68" fmla="*/ 6687033 w 7228763"/>
+              <a:gd name="connsiteY68" fmla="*/ 3685990 h 6858000"/>
+              <a:gd name="connsiteX69" fmla="*/ 6693711 w 7228763"/>
+              <a:gd name="connsiteY69" fmla="*/ 3690283 h 6858000"/>
+              <a:gd name="connsiteX70" fmla="*/ 6690843 w 7228763"/>
+              <a:gd name="connsiteY70" fmla="*/ 3699787 h 6858000"/>
+              <a:gd name="connsiteX71" fmla="*/ 6691624 w 7228763"/>
+              <a:gd name="connsiteY71" fmla="*/ 3702486 h 6858000"/>
+              <a:gd name="connsiteX72" fmla="*/ 6694549 w 7228763"/>
+              <a:gd name="connsiteY72" fmla="*/ 3717784 h 6858000"/>
+              <a:gd name="connsiteX73" fmla="*/ 6662489 w 7228763"/>
+              <a:gd name="connsiteY73" fmla="*/ 3746229 h 6858000"/>
+              <a:gd name="connsiteX74" fmla="*/ 6575429 w 7228763"/>
+              <a:gd name="connsiteY74" fmla="*/ 3924910 h 6858000"/>
+              <a:gd name="connsiteX75" fmla="*/ 6538994 w 7228763"/>
+              <a:gd name="connsiteY75" fmla="*/ 3989353 h 6858000"/>
+              <a:gd name="connsiteX76" fmla="*/ 6535698 w 7228763"/>
+              <a:gd name="connsiteY76" fmla="*/ 4033899 h 6858000"/>
+              <a:gd name="connsiteX77" fmla="*/ 6527053 w 7228763"/>
+              <a:gd name="connsiteY77" fmla="*/ 4142250 h 6858000"/>
+              <a:gd name="connsiteX78" fmla="*/ 6501843 w 7228763"/>
+              <a:gd name="connsiteY78" fmla="*/ 4329442 h 6858000"/>
+              <a:gd name="connsiteX79" fmla="*/ 6489841 w 7228763"/>
+              <a:gd name="connsiteY79" fmla="*/ 4456184 h 6858000"/>
+              <a:gd name="connsiteX80" fmla="*/ 6482918 w 7228763"/>
+              <a:gd name="connsiteY80" fmla="*/ 4468478 h 6858000"/>
+              <a:gd name="connsiteX81" fmla="*/ 6484019 w 7228763"/>
+              <a:gd name="connsiteY81" fmla="*/ 4469862 h 6858000"/>
+              <a:gd name="connsiteX82" fmla="*/ 6481759 w 7228763"/>
+              <a:gd name="connsiteY82" fmla="*/ 4483797 h 6858000"/>
+              <a:gd name="connsiteX83" fmla="*/ 6477370 w 7228763"/>
+              <a:gd name="connsiteY83" fmla="*/ 4487091 h 6858000"/>
+              <a:gd name="connsiteX84" fmla="*/ 6474598 w 7228763"/>
+              <a:gd name="connsiteY84" fmla="*/ 4496728 h 6858000"/>
+              <a:gd name="connsiteX85" fmla="*/ 6465848 w 7228763"/>
+              <a:gd name="connsiteY85" fmla="*/ 4515918 h 6858000"/>
+              <a:gd name="connsiteX86" fmla="*/ 6467296 w 7228763"/>
+              <a:gd name="connsiteY86" fmla="*/ 4519316 h 6858000"/>
+              <a:gd name="connsiteX87" fmla="*/ 6458903 w 7228763"/>
+              <a:gd name="connsiteY87" fmla="*/ 4547957 h 6858000"/>
+              <a:gd name="connsiteX88" fmla="*/ 6460248 w 7228763"/>
+              <a:gd name="connsiteY88" fmla="*/ 4548262 h 6858000"/>
+              <a:gd name="connsiteX89" fmla="*/ 6464276 w 7228763"/>
+              <a:gd name="connsiteY89" fmla="*/ 4555939 h 6858000"/>
+              <a:gd name="connsiteX90" fmla="*/ 6468635 w 7228763"/>
+              <a:gd name="connsiteY90" fmla="*/ 4570815 h 6858000"/>
+              <a:gd name="connsiteX91" fmla="*/ 6488206 w 7228763"/>
+              <a:gd name="connsiteY91" fmla="*/ 4633846 h 6858000"/>
+              <a:gd name="connsiteX92" fmla="*/ 6487272 w 7228763"/>
+              <a:gd name="connsiteY92" fmla="*/ 4639816 h 6858000"/>
+              <a:gd name="connsiteX93" fmla="*/ 6487581 w 7228763"/>
+              <a:gd name="connsiteY93" fmla="*/ 4639923 h 6858000"/>
+              <a:gd name="connsiteX94" fmla="*/ 6487249 w 7228763"/>
+              <a:gd name="connsiteY94" fmla="*/ 4646192 h 6858000"/>
+              <a:gd name="connsiteX95" fmla="*/ 6485570 w 7228763"/>
+              <a:gd name="connsiteY95" fmla="*/ 4650706 h 6858000"/>
+              <a:gd name="connsiteX96" fmla="*/ 6483759 w 7228763"/>
+              <a:gd name="connsiteY96" fmla="*/ 4662290 h 6858000"/>
+              <a:gd name="connsiteX97" fmla="*/ 6485315 w 7228763"/>
+              <a:gd name="connsiteY97" fmla="*/ 4666180 h 6858000"/>
+              <a:gd name="connsiteX98" fmla="*/ 6489077 w 7228763"/>
+              <a:gd name="connsiteY98" fmla="*/ 4667585 h 6858000"/>
+              <a:gd name="connsiteX99" fmla="*/ 6488467 w 7228763"/>
+              <a:gd name="connsiteY99" fmla="*/ 4668660 h 6858000"/>
+              <a:gd name="connsiteX100" fmla="*/ 6496179 w 7228763"/>
+              <a:gd name="connsiteY100" fmla="*/ 4689807 h 6858000"/>
+              <a:gd name="connsiteX101" fmla="*/ 6500957 w 7228763"/>
+              <a:gd name="connsiteY101" fmla="*/ 4737890 h 6858000"/>
+              <a:gd name="connsiteX102" fmla="*/ 6498641 w 7228763"/>
+              <a:gd name="connsiteY102" fmla="*/ 4765657 h 6858000"/>
+              <a:gd name="connsiteX103" fmla="*/ 6497829 w 7228763"/>
+              <a:gd name="connsiteY103" fmla="*/ 4841463 h 6858000"/>
+              <a:gd name="connsiteX104" fmla="*/ 6521578 w 7228763"/>
+              <a:gd name="connsiteY104" fmla="*/ 4969863 h 6858000"/>
+              <a:gd name="connsiteX105" fmla="*/ 6518695 w 7228763"/>
+              <a:gd name="connsiteY105" fmla="*/ 4974028 h 6858000"/>
+              <a:gd name="connsiteX106" fmla="*/ 6516513 w 7228763"/>
+              <a:gd name="connsiteY106" fmla="*/ 4980318 h 6858000"/>
+              <a:gd name="connsiteX107" fmla="*/ 6516763 w 7228763"/>
+              <a:gd name="connsiteY107" fmla="*/ 4980501 h 6858000"/>
+              <a:gd name="connsiteX108" fmla="*/ 6514121 w 7228763"/>
+              <a:gd name="connsiteY108" fmla="*/ 4986338 h 6858000"/>
+              <a:gd name="connsiteX109" fmla="*/ 6511173 w 7228763"/>
+              <a:gd name="connsiteY109" fmla="*/ 4991296 h 6858000"/>
+              <a:gd name="connsiteX110" fmla="*/ 6546537 w 7228763"/>
+              <a:gd name="connsiteY110" fmla="*/ 5076895 h 6858000"/>
+              <a:gd name="connsiteX111" fmla="*/ 6544581 w 7228763"/>
+              <a:gd name="connsiteY111" fmla="*/ 5081568 h 6858000"/>
+              <a:gd name="connsiteX112" fmla="*/ 6543750 w 7228763"/>
+              <a:gd name="connsiteY112" fmla="*/ 5088173 h 6858000"/>
+              <a:gd name="connsiteX113" fmla="*/ 6544034 w 7228763"/>
+              <a:gd name="connsiteY113" fmla="*/ 5088300 h 6858000"/>
+              <a:gd name="connsiteX114" fmla="*/ 6542660 w 7228763"/>
+              <a:gd name="connsiteY114" fmla="*/ 5094558 h 6858000"/>
+              <a:gd name="connsiteX115" fmla="*/ 6532096 w 7228763"/>
+              <a:gd name="connsiteY115" fmla="*/ 5125620 h 6858000"/>
+              <a:gd name="connsiteX116" fmla="*/ 6533049 w 7228763"/>
+              <a:gd name="connsiteY116" fmla="*/ 5268004 h 6858000"/>
+              <a:gd name="connsiteX117" fmla="*/ 6533970 w 7228763"/>
+              <a:gd name="connsiteY117" fmla="*/ 5269530 h 6858000"/>
+              <a:gd name="connsiteX118" fmla="*/ 6502603 w 7228763"/>
+              <a:gd name="connsiteY118" fmla="*/ 5390941 h 6858000"/>
+              <a:gd name="connsiteX119" fmla="*/ 6477660 w 7228763"/>
+              <a:gd name="connsiteY119" fmla="*/ 5539927 h 6858000"/>
+              <a:gd name="connsiteX120" fmla="*/ 6456458 w 7228763"/>
+              <a:gd name="connsiteY120" fmla="*/ 5791594 h 6858000"/>
+              <a:gd name="connsiteX121" fmla="*/ 6434556 w 7228763"/>
+              <a:gd name="connsiteY121" fmla="*/ 5855206 h 6858000"/>
+              <a:gd name="connsiteX122" fmla="*/ 6418454 w 7228763"/>
+              <a:gd name="connsiteY122" fmla="*/ 5873582 h 6858000"/>
+              <a:gd name="connsiteX123" fmla="*/ 6419875 w 7228763"/>
+              <a:gd name="connsiteY123" fmla="*/ 5876037 h 6858000"/>
+              <a:gd name="connsiteX124" fmla="*/ 6419775 w 7228763"/>
+              <a:gd name="connsiteY124" fmla="*/ 5886534 h 6858000"/>
+              <a:gd name="connsiteX125" fmla="*/ 6426971 w 7228763"/>
+              <a:gd name="connsiteY125" fmla="*/ 5888644 h 6858000"/>
+              <a:gd name="connsiteX126" fmla="*/ 6431999 w 7228763"/>
+              <a:gd name="connsiteY126" fmla="*/ 5903832 h 6858000"/>
+              <a:gd name="connsiteX127" fmla="*/ 6429798 w 7228763"/>
+              <a:gd name="connsiteY127" fmla="*/ 5923391 h 6858000"/>
+              <a:gd name="connsiteX128" fmla="*/ 6434072 w 7228763"/>
+              <a:gd name="connsiteY128" fmla="*/ 6013205 h 6858000"/>
+              <a:gd name="connsiteX129" fmla="*/ 6439333 w 7228763"/>
+              <a:gd name="connsiteY129" fmla="*/ 6074018 h 6858000"/>
+              <a:gd name="connsiteX130" fmla="*/ 6463083 w 7228763"/>
+              <a:gd name="connsiteY130" fmla="*/ 6130837 h 6858000"/>
+              <a:gd name="connsiteX131" fmla="*/ 6457360 w 7228763"/>
+              <a:gd name="connsiteY131" fmla="*/ 6152982 h 6858000"/>
+              <a:gd name="connsiteX132" fmla="*/ 6495529 w 7228763"/>
+              <a:gd name="connsiteY132" fmla="*/ 6221100 h 6858000"/>
+              <a:gd name="connsiteX133" fmla="*/ 6514948 w 7228763"/>
+              <a:gd name="connsiteY133" fmla="*/ 6287550 h 6858000"/>
+              <a:gd name="connsiteX134" fmla="*/ 6545124 w 7228763"/>
+              <a:gd name="connsiteY134" fmla="*/ 6401595 h 6858000"/>
+              <a:gd name="connsiteX135" fmla="*/ 6525833 w 7228763"/>
+              <a:gd name="connsiteY135" fmla="*/ 6487110 h 6858000"/>
+              <a:gd name="connsiteX136" fmla="*/ 6554825 w 7228763"/>
+              <a:gd name="connsiteY136" fmla="*/ 6588589 h 6858000"/>
+              <a:gd name="connsiteX137" fmla="*/ 6601569 w 7228763"/>
+              <a:gd name="connsiteY137" fmla="*/ 6769963 h 6858000"/>
+              <a:gd name="connsiteX138" fmla="*/ 6620945 w 7228763"/>
+              <a:gd name="connsiteY138" fmla="*/ 6835814 h 6858000"/>
+              <a:gd name="connsiteX139" fmla="*/ 6625906 w 7228763"/>
+              <a:gd name="connsiteY139" fmla="*/ 6858000 h 6858000"/>
+              <a:gd name="connsiteX140" fmla="*/ 723901 w 7228763"/>
+              <a:gd name="connsiteY140" fmla="*/ 6858000 h 6858000"/>
+              <a:gd name="connsiteX141" fmla="*/ 501961 w 7228763"/>
+              <a:gd name="connsiteY141" fmla="*/ 6858000 h 6858000"/>
+              <a:gd name="connsiteX142" fmla="*/ 0 w 7228763"/>
+              <a:gd name="connsiteY142" fmla="*/ 6858000 h 6858000"/>
+            </a:gdLst>
+            <a:ahLst/>
+            <a:cxnLst>
+              <a:cxn ang="0">
+                <a:pos x="connsiteX0" y="connsiteY0"/>
+              </a:cxn>
+              <a:cxn ang="0">
+                <a:pos x="connsiteX1" y="connsiteY1"/>
+              </a:cxn>
+              <a:cxn ang="0">
+                <a:pos x="connsiteX2" y="connsiteY2"/>
+              </a:cxn>
+              <a:cxn ang="0">
+                <a:pos x="connsiteX3" y="connsiteY3"/>
+              </a:cxn>
+              <a:cxn ang="0">
+                <a:pos x="connsiteX4" y="connsiteY4"/>
+              </a:cxn>
+              <a:cxn ang="0">
+                <a:pos x="connsiteX5" y="connsiteY5"/>
+              </a:cxn>
+              <a:cxn ang="0">
+                <a:pos x="connsiteX6" y="connsiteY6"/>
+              </a:cxn>
+              <a:cxn ang="0">
+                <a:pos x="connsiteX7" y="connsiteY7"/>
+              </a:cxn>
+              <a:cxn ang="0">
+                <a:pos x="connsiteX8" y="connsiteY8"/>
+              </a:cxn>
+              <a:cxn ang="0">
+                <a:pos x="connsiteX9" y="connsiteY9"/>
+              </a:cxn>
+              <a:cxn ang="0">
+                <a:pos x="connsiteX10" y="connsiteY10"/>
+              </a:cxn>
+              <a:cxn ang="0">
+                <a:pos x="connsiteX11" y="connsiteY11"/>
+              </a:cxn>
+              <a:cxn ang="0">
+                <a:pos x="connsiteX12" y="connsiteY12"/>
+              </a:cxn>
+              <a:cxn ang="0">
+                <a:pos x="connsiteX13" y="connsiteY13"/>
+              </a:cxn>
+              <a:cxn ang="0">
+                <a:pos x="connsiteX14" y="connsiteY14"/>
+              </a:cxn>
+              <a:cxn ang="0">
+                <a:pos x="connsiteX15" y="connsiteY15"/>
+              </a:cxn>
+              <a:cxn ang="0">
+                <a:pos x="connsiteX16" y="connsiteY16"/>
+              </a:cxn>
+              <a:cxn ang="0">
+                <a:pos x="connsiteX17" y="connsiteY17"/>
+              </a:cxn>
+              <a:cxn ang="0">
+                <a:pos x="connsiteX18" y="connsiteY18"/>
+              </a:cxn>
+              <a:cxn ang="0">
+                <a:pos x="connsiteX19" y="connsiteY19"/>
+              </a:cxn>
+              <a:cxn ang="0">
+                <a:pos x="connsiteX20" y="connsiteY20"/>
+              </a:cxn>
+              <a:cxn ang="0">
+                <a:pos x="connsiteX21" y="connsiteY21"/>
+              </a:cxn>
+              <a:cxn ang="0">
+                <a:pos x="connsiteX22" y="connsiteY22"/>
+              </a:cxn>
+              <a:cxn ang="0">
+                <a:pos x="connsiteX23" y="connsiteY23"/>
+              </a:cxn>
+              <a:cxn ang="0">
+                <a:pos x="connsiteX24" y="connsiteY24"/>
+              </a:cxn>
+              <a:cxn ang="0">
+                <a:pos x="connsiteX25" y="connsiteY25"/>
+              </a:cxn>
+              <a:cxn ang="0">
+                <a:pos x="connsiteX26" y="connsiteY26"/>
+              </a:cxn>
+              <a:cxn ang="0">
+                <a:pos x="connsiteX27" y="connsiteY27"/>
+              </a:cxn>
+              <a:cxn ang="0">
+                <a:pos x="connsiteX28" y="connsiteY28"/>
+              </a:cxn>
+              <a:cxn ang="0">
+                <a:pos x="connsiteX29" y="connsiteY29"/>
+              </a:cxn>
+              <a:cxn ang="0">
+                <a:pos x="connsiteX30" y="connsiteY30"/>
+              </a:cxn>
+              <a:cxn ang="0">
+                <a:pos x="connsiteX31" y="connsiteY31"/>
+              </a:cxn>
+              <a:cxn ang="0">
+                <a:pos x="connsiteX32" y="connsiteY32"/>
+              </a:cxn>
+              <a:cxn ang="0">
+                <a:pos x="connsiteX33" y="connsiteY33"/>
+              </a:cxn>
+              <a:cxn ang="0">
+                <a:pos x="connsiteX34" y="connsiteY34"/>
+              </a:cxn>
+              <a:cxn ang="0">
+                <a:pos x="connsiteX35" y="connsiteY35"/>
+              </a:cxn>
+              <a:cxn ang="0">
+                <a:pos x="connsiteX36" y="connsiteY36"/>
+              </a:cxn>
+              <a:cxn ang="0">
+                <a:pos x="connsiteX37" y="connsiteY37"/>
+              </a:cxn>
+              <a:cxn ang="0">
+                <a:pos x="connsiteX38" y="connsiteY38"/>
+              </a:cxn>
+              <a:cxn ang="0">
+                <a:pos x="connsiteX39" y="connsiteY39"/>
+              </a:cxn>
+              <a:cxn ang="0">
+                <a:pos x="connsiteX40" y="connsiteY40"/>
+              </a:cxn>
+              <a:cxn ang="0">
+                <a:pos x="connsiteX41" y="connsiteY41"/>
+              </a:cxn>
+              <a:cxn ang="0">
+                <a:pos x="connsiteX42" y="connsiteY42"/>
+              </a:cxn>
+              <a:cxn ang="0">
+                <a:pos x="connsiteX43" y="connsiteY43"/>
+              </a:cxn>
+              <a:cxn ang="0">
+                <a:pos x="connsiteX44" y="connsiteY44"/>
+              </a:cxn>
+              <a:cxn ang="0">
+                <a:pos x="connsiteX45" y="connsiteY45"/>
+              </a:cxn>
+              <a:cxn ang="0">
+                <a:pos x="connsiteX46" y="connsiteY46"/>
+              </a:cxn>
+              <a:cxn ang="0">
+                <a:pos x="connsiteX47" y="connsiteY47"/>
+              </a:cxn>
+              <a:cxn ang="0">
+                <a:pos x="connsiteX48" y="connsiteY48"/>
+              </a:cxn>
+              <a:cxn ang="0">
+                <a:pos x="connsiteX49" y="connsiteY49"/>
+              </a:cxn>
+              <a:cxn ang="0">
+                <a:pos x="connsiteX50" y="connsiteY50"/>
+              </a:cxn>
+              <a:cxn ang="0">
+                <a:pos x="connsiteX51" y="connsiteY51"/>
+              </a:cxn>
+              <a:cxn ang="0">
+                <a:pos x="connsiteX52" y="connsiteY52"/>
+              </a:cxn>
+              <a:cxn ang="0">
+                <a:pos x="connsiteX53" y="connsiteY53"/>
+              </a:cxn>
+              <a:cxn ang="0">
+                <a:pos x="connsiteX54" y="connsiteY54"/>
+              </a:cxn>
+              <a:cxn ang="0">
+                <a:pos x="connsiteX55" y="connsiteY55"/>
+              </a:cxn>
+              <a:cxn ang="0">
+                <a:pos x="connsiteX56" y="connsiteY56"/>
+              </a:cxn>
+              <a:cxn ang="0">
+                <a:pos x="connsiteX57" y="connsiteY57"/>
+              </a:cxn>
+              <a:cxn ang="0">
+                <a:pos x="connsiteX58" y="connsiteY58"/>
+              </a:cxn>
+              <a:cxn ang="0">
+                <a:pos x="connsiteX59" y="connsiteY59"/>
+              </a:cxn>
+              <a:cxn ang="0">
+                <a:pos x="connsiteX60" y="connsiteY60"/>
+              </a:cxn>
+              <a:cxn ang="0">
+                <a:pos x="connsiteX61" y="connsiteY61"/>
+              </a:cxn>
+              <a:cxn ang="0">
+                <a:pos x="connsiteX62" y="connsiteY62"/>
+              </a:cxn>
+              <a:cxn ang="0">
+                <a:pos x="connsiteX63" y="connsiteY63"/>
+              </a:cxn>
+              <a:cxn ang="0">
+                <a:pos x="connsiteX64" y="connsiteY64"/>
+              </a:cxn>
+              <a:cxn ang="0">
+                <a:pos x="connsiteX65" y="connsiteY65"/>
+              </a:cxn>
+              <a:cxn ang="0">
+                <a:pos x="connsiteX66" y="connsiteY66"/>
+              </a:cxn>
+              <a:cxn ang="0">
+                <a:pos x="connsiteX67" y="connsiteY67"/>
+              </a:cxn>
+              <a:cxn ang="0">
+                <a:pos x="connsiteX68" y="connsiteY68"/>
+              </a:cxn>
+              <a:cxn ang="0">
+                <a:pos x="connsiteX69" y="connsiteY69"/>
+              </a:cxn>
+              <a:cxn ang="0">
+                <a:pos x="connsiteX70" y="connsiteY70"/>
+              </a:cxn>
+              <a:cxn ang="0">
+                <a:pos x="connsiteX71" y="connsiteY71"/>
+              </a:cxn>
+              <a:cxn ang="0">
+                <a:pos x="connsiteX72" y="connsiteY72"/>
+              </a:cxn>
+              <a:cxn ang="0">
+                <a:pos x="connsiteX73" y="connsiteY73"/>
+              </a:cxn>
+              <a:cxn ang="0">
+                <a:pos x="connsiteX74" y="connsiteY74"/>
+              </a:cxn>
+              <a:cxn ang="0">
+                <a:pos x="connsiteX75" y="connsiteY75"/>
+              </a:cxn>
+              <a:cxn ang="0">
+                <a:pos x="connsiteX76" y="connsiteY76"/>
+              </a:cxn>
+              <a:cxn ang="0">
+                <a:pos x="connsiteX77" y="connsiteY77"/>
+              </a:cxn>
+              <a:cxn ang="0">
+                <a:pos x="connsiteX78" y="connsiteY78"/>
+              </a:cxn>
+              <a:cxn ang="0">
+                <a:pos x="connsiteX79" y="connsiteY79"/>
+              </a:cxn>
+              <a:cxn ang="0">
+                <a:pos x="connsiteX80" y="connsiteY80"/>
+              </a:cxn>
+              <a:cxn ang="0">
+                <a:pos x="connsiteX81" y="connsiteY81"/>
+              </a:cxn>
+              <a:cxn ang="0">
+                <a:pos x="connsiteX82" y="connsiteY82"/>
+              </a:cxn>
+              <a:cxn ang="0">
+                <a:pos x="connsiteX83" y="connsiteY83"/>
+              </a:cxn>
+              <a:cxn ang="0">
+                <a:pos x="connsiteX84" y="connsiteY84"/>
+              </a:cxn>
+              <a:cxn ang="0">
+                <a:pos x="connsiteX85" y="connsiteY85"/>
+              </a:cxn>
+              <a:cxn ang="0">
+                <a:pos x="connsiteX86" y="connsiteY86"/>
+              </a:cxn>
+              <a:cxn ang="0">
+                <a:pos x="connsiteX87" y="connsiteY87"/>
+              </a:cxn>
+              <a:cxn ang="0">
+                <a:pos x="connsiteX88" y="connsiteY88"/>
+              </a:cxn>
+              <a:cxn ang="0">
+                <a:pos x="connsiteX89" y="connsiteY89"/>
+              </a:cxn>
+              <a:cxn ang="0">
+                <a:pos x="connsiteX90" y="connsiteY90"/>
+              </a:cxn>
+              <a:cxn ang="0">
+                <a:pos x="connsiteX91" y="connsiteY91"/>
+              </a:cxn>
+              <a:cxn ang="0">
+                <a:pos x="connsiteX92" y="connsiteY92"/>
+              </a:cxn>
+              <a:cxn ang="0">
+                <a:pos x="connsiteX93" y="connsiteY93"/>
+              </a:cxn>
+              <a:cxn ang="0">
+                <a:pos x="connsiteX94" y="connsiteY94"/>
+              </a:cxn>
+              <a:cxn ang="0">
+                <a:pos x="connsiteX95" y="connsiteY95"/>
+              </a:cxn>
+              <a:cxn ang="0">
+                <a:pos x="connsiteX96" y="connsiteY96"/>
+              </a:cxn>
+              <a:cxn ang="0">
+                <a:pos x="connsiteX97" y="connsiteY97"/>
+              </a:cxn>
+              <a:cxn ang="0">
+                <a:pos x="connsiteX98" y="connsiteY98"/>
+              </a:cxn>
+              <a:cxn ang="0">
+                <a:pos x="connsiteX99" y="connsiteY99"/>
+              </a:cxn>
+              <a:cxn ang="0">
+                <a:pos x="connsiteX100" y="connsiteY100"/>
+              </a:cxn>
+              <a:cxn ang="0">
+                <a:pos x="connsiteX101" y="connsiteY101"/>
+              </a:cxn>
+              <a:cxn ang="0">
+                <a:pos x="connsiteX102" y="connsiteY102"/>
+              </a:cxn>
+              <a:cxn ang="0">
+                <a:pos x="connsiteX103" y="connsiteY103"/>
+              </a:cxn>
+              <a:cxn ang="0">
+                <a:pos x="connsiteX104" y="connsiteY104"/>
+              </a:cxn>
+              <a:cxn ang="0">
+                <a:pos x="connsiteX105" y="connsiteY105"/>
+              </a:cxn>
+              <a:cxn ang="0">
+                <a:pos x="connsiteX106" y="connsiteY106"/>
+              </a:cxn>
+              <a:cxn ang="0">
+                <a:pos x="connsiteX107" y="connsiteY107"/>
+              </a:cxn>
+              <a:cxn ang="0">
+                <a:pos x="connsiteX108" y="connsiteY108"/>
+              </a:cxn>
+              <a:cxn ang="0">
+                <a:pos x="connsiteX109" y="connsiteY109"/>
+              </a:cxn>
+              <a:cxn ang="0">
+                <a:pos x="connsiteX110" y="connsiteY110"/>
+              </a:cxn>
+              <a:cxn ang="0">
+                <a:pos x="connsiteX111" y="connsiteY111"/>
+              </a:cxn>
+              <a:cxn ang="0">
+                <a:pos x="connsiteX112" y="connsiteY112"/>
+              </a:cxn>
+              <a:cxn ang="0">
+                <a:pos x="connsiteX113" y="connsiteY113"/>
+              </a:cxn>
+              <a:cxn ang="0">
+                <a:pos x="connsiteX114" y="connsiteY114"/>
+              </a:cxn>
+              <a:cxn ang="0">
+                <a:pos x="connsiteX115" y="connsiteY115"/>
+              </a:cxn>
+              <a:cxn ang="0">
+                <a:pos x="connsiteX116" y="connsiteY116"/>
+              </a:cxn>
+              <a:cxn ang="0">
+                <a:pos x="connsiteX117" y="connsiteY117"/>
+              </a:cxn>
+              <a:cxn ang="0">
+                <a:pos x="connsiteX118" y="connsiteY118"/>
+              </a:cxn>
+              <a:cxn ang="0">
+                <a:pos x="connsiteX119" y="connsiteY119"/>
+              </a:cxn>
+              <a:cxn ang="0">
+                <a:pos x="connsiteX120" y="connsiteY120"/>
+              </a:cxn>
+              <a:cxn ang="0">
+                <a:pos x="connsiteX121" y="connsiteY121"/>
+              </a:cxn>
+              <a:cxn ang="0">
+                <a:pos x="connsiteX122" y="connsiteY122"/>
+              </a:cxn>
+              <a:cxn ang="0">
+                <a:pos x="connsiteX123" y="connsiteY123"/>
+              </a:cxn>
+              <a:cxn ang="0">
+                <a:pos x="connsiteX124" y="connsiteY124"/>
+              </a:cxn>
+              <a:cxn ang="0">
+                <a:pos x="connsiteX125" y="connsiteY125"/>
+              </a:cxn>
+              <a:cxn ang="0">
+                <a:pos x="connsiteX126" y="connsiteY126"/>
+              </a:cxn>
+              <a:cxn ang="0">
+                <a:pos x="connsiteX127" y="connsiteY127"/>
+              </a:cxn>
+              <a:cxn ang="0">
+                <a:pos x="connsiteX128" y="connsiteY128"/>
+              </a:cxn>
+              <a:cxn ang="0">
+                <a:pos x="connsiteX129" y="connsiteY129"/>
+              </a:cxn>
+              <a:cxn ang="0">
+                <a:pos x="connsiteX130" y="connsiteY130"/>
+              </a:cxn>
+              <a:cxn ang="0">
+                <a:pos x="connsiteX131" y="connsiteY131"/>
+              </a:cxn>
+              <a:cxn ang="0">
+                <a:pos x="connsiteX132" y="connsiteY132"/>
+              </a:cxn>
+              <a:cxn ang="0">
+                <a:pos x="connsiteX133" y="connsiteY133"/>
+              </a:cxn>
+              <a:cxn ang="0">
+                <a:pos x="connsiteX134" y="connsiteY134"/>
+              </a:cxn>
+              <a:cxn ang="0">
+                <a:pos x="connsiteX135" y="connsiteY135"/>
+              </a:cxn>
+              <a:cxn ang="0">
+                <a:pos x="connsiteX136" y="connsiteY136"/>
+              </a:cxn>
+              <a:cxn ang="0">
+                <a:pos x="connsiteX137" y="connsiteY137"/>
+              </a:cxn>
+              <a:cxn ang="0">
+                <a:pos x="connsiteX138" y="connsiteY138"/>
+              </a:cxn>
+              <a:cxn ang="0">
+                <a:pos x="connsiteX139" y="connsiteY139"/>
+              </a:cxn>
+              <a:cxn ang="0">
+                <a:pos x="connsiteX140" y="connsiteY140"/>
+              </a:cxn>
+              <a:cxn ang="0">
+                <a:pos x="connsiteX141" y="connsiteY141"/>
+              </a:cxn>
+              <a:cxn ang="0">
+                <a:pos x="connsiteX142" y="connsiteY142"/>
+              </a:cxn>
+            </a:cxnLst>
+            <a:rect l="l" t="t" r="r" b="b"/>
+            <a:pathLst>
+              <a:path w="7228763" h="6858000">
+                <a:moveTo>
+                  <a:pt x="0" y="0"/>
+                </a:moveTo>
+                <a:lnTo>
+                  <a:pt x="501961" y="0"/>
+                </a:lnTo>
+                <a:lnTo>
+                  <a:pt x="723901" y="0"/>
+                </a:lnTo>
+                <a:lnTo>
+                  <a:pt x="7228583" y="0"/>
+                </a:lnTo>
+                <a:lnTo>
+                  <a:pt x="7228763" y="1"/>
+                </a:lnTo>
+                <a:lnTo>
+                  <a:pt x="7221350" y="30700"/>
+                </a:lnTo>
+                <a:cubicBezTo>
+                  <a:pt x="7216059" y="84364"/>
+                  <a:pt x="7200969" y="241149"/>
+                  <a:pt x="7199900" y="310025"/>
+                </a:cubicBezTo>
+                <a:cubicBezTo>
+                  <a:pt x="7203643" y="367544"/>
+                  <a:pt x="7214102" y="408251"/>
+                  <a:pt x="7214938" y="443960"/>
+                </a:cubicBezTo>
+                <a:cubicBezTo>
+                  <a:pt x="7210660" y="499397"/>
+                  <a:pt x="7182360" y="604434"/>
+                  <a:pt x="7174238" y="642659"/>
+                </a:cubicBezTo>
+                <a:cubicBezTo>
+                  <a:pt x="7182965" y="657287"/>
+                  <a:pt x="7155519" y="658191"/>
+                  <a:pt x="7166213" y="673307"/>
+                </a:cubicBezTo>
+                <a:cubicBezTo>
+                  <a:pt x="7166618" y="693769"/>
+                  <a:pt x="7143764" y="797295"/>
+                  <a:pt x="7128963" y="839641"/>
+                </a:cubicBezTo>
+                <a:cubicBezTo>
+                  <a:pt x="7112293" y="887148"/>
+                  <a:pt x="7075906" y="937731"/>
+                  <a:pt x="7066183" y="958357"/>
+                </a:cubicBezTo>
+                <a:cubicBezTo>
+                  <a:pt x="7056459" y="978983"/>
+                  <a:pt x="7077843" y="936930"/>
+                  <a:pt x="7070620" y="963398"/>
+                </a:cubicBezTo>
+                <a:cubicBezTo>
+                  <a:pt x="7063399" y="989867"/>
+                  <a:pt x="7031301" y="1087010"/>
+                  <a:pt x="7022851" y="1117169"/>
+                </a:cubicBezTo>
+                <a:cubicBezTo>
+                  <a:pt x="7039554" y="1118586"/>
+                  <a:pt x="7009272" y="1135372"/>
+                  <a:pt x="7019920" y="1144352"/>
+                </a:cubicBezTo>
+                <a:cubicBezTo>
+                  <a:pt x="7029274" y="1150681"/>
+                  <a:pt x="7022270" y="1157251"/>
+                  <a:pt x="7021476" y="1164484"/>
+                </a:cubicBezTo>
+                <a:cubicBezTo>
+                  <a:pt x="7028800" y="1173524"/>
+                  <a:pt x="7015215" y="1205209"/>
+                  <a:pt x="7005576" y="1213829"/>
+                </a:cubicBezTo>
+                <a:cubicBezTo>
+                  <a:pt x="6972150" y="1235037"/>
+                  <a:pt x="6996546" y="1277327"/>
+                  <a:pt x="6970919" y="1294823"/>
+                </a:cubicBezTo>
+                <a:cubicBezTo>
+                  <a:pt x="6967139" y="1300845"/>
+                  <a:pt x="6965581" y="1306615"/>
+                  <a:pt x="6965413" y="1312193"/>
+                </a:cubicBezTo>
+                <a:lnTo>
+                  <a:pt x="6968106" y="1327626"/>
+                </a:lnTo>
+                <a:lnTo>
+                  <a:pt x="6975202" y="1331644"/>
+                </a:lnTo>
+                <a:lnTo>
+                  <a:pt x="6973366" y="1341276"/>
+                </a:lnTo>
+                <a:cubicBezTo>
+                  <a:pt x="6973720" y="1342166"/>
+                  <a:pt x="6974074" y="1343055"/>
+                  <a:pt x="6974428" y="1343945"/>
+                </a:cubicBezTo>
+                <a:cubicBezTo>
+                  <a:pt x="6976493" y="1349040"/>
+                  <a:pt x="6978286" y="1354080"/>
+                  <a:pt x="6978971" y="1359134"/>
+                </a:cubicBezTo>
+                <a:cubicBezTo>
+                  <a:pt x="6974288" y="1373109"/>
+                  <a:pt x="6958295" y="1397612"/>
+                  <a:pt x="6946335" y="1427803"/>
+                </a:cubicBezTo>
+                <a:cubicBezTo>
+                  <a:pt x="6924178" y="1460349"/>
+                  <a:pt x="6924483" y="1505076"/>
+                  <a:pt x="6907208" y="1540278"/>
+                </a:cubicBezTo>
+                <a:lnTo>
+                  <a:pt x="6901698" y="1547262"/>
+                </a:lnTo>
+                <a:lnTo>
+                  <a:pt x="6902877" y="1577056"/>
+                </a:lnTo>
+                <a:cubicBezTo>
+                  <a:pt x="6907187" y="1582205"/>
+                  <a:pt x="6908314" y="1589568"/>
+                  <a:pt x="6904067" y="1595898"/>
+                </a:cubicBezTo>
+                <a:lnTo>
+                  <a:pt x="6891817" y="1703726"/>
+                </a:lnTo>
+                <a:cubicBezTo>
+                  <a:pt x="6890892" y="1739332"/>
+                  <a:pt x="6882506" y="1754453"/>
+                  <a:pt x="6898520" y="1809535"/>
+                </a:cubicBezTo>
+                <a:cubicBezTo>
+                  <a:pt x="6919736" y="1868036"/>
+                  <a:pt x="6890400" y="1952670"/>
+                  <a:pt x="6897783" y="2018310"/>
+                </a:cubicBezTo>
+                <a:cubicBezTo>
+                  <a:pt x="6868750" y="2053162"/>
+                  <a:pt x="6894827" y="2034561"/>
+                  <a:pt x="6887647" y="2071355"/>
+                </a:cubicBezTo>
+                <a:lnTo>
+                  <a:pt x="6888952" y="2141166"/>
+                </a:lnTo>
+                <a:lnTo>
+                  <a:pt x="6887101" y="2154548"/>
+                </a:lnTo>
+                <a:lnTo>
+                  <a:pt x="6880519" y="2158153"/>
+                </a:lnTo>
+                <a:lnTo>
+                  <a:pt x="6873389" y="2178174"/>
+                </a:lnTo>
+                <a:cubicBezTo>
+                  <a:pt x="6871658" y="2185696"/>
+                  <a:pt x="6870890" y="2193828"/>
+                  <a:pt x="6871679" y="2202858"/>
+                </a:cubicBezTo>
+                <a:cubicBezTo>
+                  <a:pt x="6884787" y="2232772"/>
+                  <a:pt x="6852680" y="2283357"/>
+                  <a:pt x="6870321" y="2320214"/>
+                </a:cubicBezTo>
+                <a:cubicBezTo>
+                  <a:pt x="6868006" y="2355906"/>
+                  <a:pt x="6861023" y="2394678"/>
+                  <a:pt x="6857787" y="2417011"/>
+                </a:cubicBezTo>
+                <a:cubicBezTo>
+                  <a:pt x="6846931" y="2426377"/>
+                  <a:pt x="6863720" y="2456509"/>
+                  <a:pt x="6850905" y="2454207"/>
+                </a:cubicBezTo>
+                <a:cubicBezTo>
+                  <a:pt x="6856659" y="2464947"/>
+                  <a:pt x="6853850" y="2476105"/>
+                  <a:pt x="6848900" y="2487203"/>
+                </a:cubicBezTo>
+                <a:lnTo>
+                  <a:pt x="6837487" y="2512282"/>
+                </a:lnTo>
+                <a:cubicBezTo>
+                  <a:pt x="6837823" y="2512961"/>
+                  <a:pt x="6838158" y="2513640"/>
+                  <a:pt x="6838494" y="2514318"/>
+                </a:cubicBezTo>
+                <a:cubicBezTo>
+                  <a:pt x="6846991" y="2534324"/>
+                  <a:pt x="6855486" y="2554328"/>
+                  <a:pt x="6863982" y="2574334"/>
+                </a:cubicBezTo>
+                <a:lnTo>
+                  <a:pt x="6862893" y="2579877"/>
+                </a:lnTo>
+                <a:cubicBezTo>
+                  <a:pt x="6862738" y="2585644"/>
+                  <a:pt x="6863120" y="2603388"/>
+                  <a:pt x="6863047" y="2608928"/>
+                </a:cubicBezTo>
+                <a:lnTo>
+                  <a:pt x="6862462" y="2613111"/>
+                </a:lnTo>
+                <a:lnTo>
+                  <a:pt x="6854084" y="2621996"/>
+                </a:lnTo>
+                <a:lnTo>
+                  <a:pt x="6856559" y="2634265"/>
+                </a:lnTo>
+                <a:lnTo>
+                  <a:pt x="6847985" y="2647237"/>
+                </a:lnTo>
+                <a:cubicBezTo>
+                  <a:pt x="6850226" y="2648158"/>
+                  <a:pt x="6852294" y="2649356"/>
+                  <a:pt x="6854115" y="2650786"/>
+                </a:cubicBezTo>
+                <a:lnTo>
+                  <a:pt x="6859942" y="2661993"/>
+                </a:lnTo>
+                <a:lnTo>
+                  <a:pt x="6851884" y="2670949"/>
+                </a:lnTo>
+                <a:cubicBezTo>
+                  <a:pt x="6864376" y="2672007"/>
+                  <a:pt x="6849871" y="2681695"/>
+                  <a:pt x="6846115" y="2690255"/>
+                </a:cubicBezTo>
+                <a:lnTo>
+                  <a:pt x="6846964" y="2695683"/>
+                </a:lnTo>
+                <a:lnTo>
+                  <a:pt x="6836011" y="2713964"/>
+                </a:lnTo>
+                <a:lnTo>
+                  <a:pt x="6830478" y="2730175"/>
+                </a:lnTo>
+                <a:lnTo>
+                  <a:pt x="6841091" y="2763497"/>
+                </a:lnTo>
+                <a:lnTo>
+                  <a:pt x="6803520" y="3051539"/>
+                </a:lnTo>
+                <a:cubicBezTo>
+                  <a:pt x="6790420" y="3165645"/>
+                  <a:pt x="6749912" y="3216611"/>
+                  <a:pt x="6733280" y="3335396"/>
+                </a:cubicBezTo>
+                <a:lnTo>
+                  <a:pt x="6735884" y="3456509"/>
+                </a:lnTo>
+                <a:lnTo>
+                  <a:pt x="6715764" y="3531827"/>
+                </a:lnTo>
+                <a:lnTo>
+                  <a:pt x="6730329" y="3570877"/>
+                </a:lnTo>
+                <a:lnTo>
+                  <a:pt x="6727426" y="3583849"/>
+                </a:lnTo>
+                <a:lnTo>
+                  <a:pt x="6718706" y="3592763"/>
+                </a:lnTo>
+                <a:cubicBezTo>
+                  <a:pt x="6707946" y="3613948"/>
+                  <a:pt x="6713985" y="3641245"/>
+                  <a:pt x="6693350" y="3653485"/>
+                </a:cubicBezTo>
+                <a:cubicBezTo>
+                  <a:pt x="6688922" y="3659316"/>
+                  <a:pt x="6686748" y="3664985"/>
+                  <a:pt x="6685983" y="3670528"/>
+                </a:cubicBezTo>
+                <a:lnTo>
+                  <a:pt x="6687033" y="3685990"/>
+                </a:lnTo>
+                <a:lnTo>
+                  <a:pt x="6693711" y="3690283"/>
+                </a:lnTo>
+                <a:lnTo>
+                  <a:pt x="6690843" y="3699787"/>
+                </a:lnTo>
+                <a:cubicBezTo>
+                  <a:pt x="6691104" y="3700686"/>
+                  <a:pt x="6691364" y="3701586"/>
+                  <a:pt x="6691624" y="3702486"/>
+                </a:cubicBezTo>
+                <a:cubicBezTo>
+                  <a:pt x="6693145" y="3707637"/>
+                  <a:pt x="6694400" y="3712728"/>
+                  <a:pt x="6694549" y="3717784"/>
+                </a:cubicBezTo>
+                <a:cubicBezTo>
+                  <a:pt x="6659304" y="3711701"/>
+                  <a:pt x="6689997" y="3759789"/>
+                  <a:pt x="6662489" y="3746229"/>
+                </a:cubicBezTo>
+                <a:cubicBezTo>
+                  <a:pt x="6642637" y="3780750"/>
+                  <a:pt x="6605132" y="3867558"/>
+                  <a:pt x="6575429" y="3924910"/>
+                </a:cubicBezTo>
+                <a:lnTo>
+                  <a:pt x="6538994" y="3989353"/>
+                </a:lnTo>
+                <a:lnTo>
+                  <a:pt x="6535698" y="4033899"/>
+                </a:lnTo>
+                <a:cubicBezTo>
+                  <a:pt x="6533175" y="4070470"/>
+                  <a:pt x="6530536" y="4110146"/>
+                  <a:pt x="6527053" y="4142250"/>
+                </a:cubicBezTo>
+                <a:cubicBezTo>
+                  <a:pt x="6519001" y="4200007"/>
+                  <a:pt x="6506061" y="4278998"/>
+                  <a:pt x="6501843" y="4329442"/>
+                </a:cubicBezTo>
+                <a:cubicBezTo>
+                  <a:pt x="6495642" y="4381764"/>
+                  <a:pt x="6492993" y="4433012"/>
+                  <a:pt x="6489841" y="4456184"/>
+                </a:cubicBezTo>
+                <a:lnTo>
+                  <a:pt x="6482918" y="4468478"/>
+                </a:lnTo>
+                <a:lnTo>
+                  <a:pt x="6484019" y="4469862"/>
+                </a:lnTo>
+                <a:cubicBezTo>
+                  <a:pt x="6485835" y="4476321"/>
+                  <a:pt x="6484493" y="4480555"/>
+                  <a:pt x="6481759" y="4483797"/>
+                </a:cubicBezTo>
+                <a:lnTo>
+                  <a:pt x="6477370" y="4487091"/>
+                </a:lnTo>
+                <a:lnTo>
+                  <a:pt x="6474598" y="4496728"/>
+                </a:lnTo>
+                <a:lnTo>
+                  <a:pt x="6465848" y="4515918"/>
+                </a:lnTo>
+                <a:cubicBezTo>
+                  <a:pt x="6466332" y="4517049"/>
+                  <a:pt x="6466814" y="4518182"/>
+                  <a:pt x="6467296" y="4519316"/>
+                </a:cubicBezTo>
+                <a:lnTo>
+                  <a:pt x="6458903" y="4547957"/>
+                </a:lnTo>
+                <a:lnTo>
+                  <a:pt x="6460248" y="4548262"/>
+                </a:lnTo>
+                <a:cubicBezTo>
+                  <a:pt x="6463078" y="4549595"/>
+                  <a:pt x="6464808" y="4551811"/>
+                  <a:pt x="6464276" y="4555939"/>
+                </a:cubicBezTo>
+                <a:cubicBezTo>
+                  <a:pt x="6486531" y="4548276"/>
+                  <a:pt x="6472165" y="4557977"/>
+                  <a:pt x="6468635" y="4570815"/>
+                </a:cubicBezTo>
+                <a:cubicBezTo>
+                  <a:pt x="6472622" y="4583801"/>
+                  <a:pt x="6485098" y="4622347"/>
+                  <a:pt x="6488206" y="4633846"/>
+                </a:cubicBezTo>
+                <a:lnTo>
+                  <a:pt x="6487272" y="4639816"/>
+                </a:lnTo>
+                <a:lnTo>
+                  <a:pt x="6487581" y="4639923"/>
+                </a:lnTo>
+                <a:cubicBezTo>
+                  <a:pt x="6488082" y="4641190"/>
+                  <a:pt x="6488037" y="4643141"/>
+                  <a:pt x="6487249" y="4646192"/>
+                </a:cubicBezTo>
+                <a:lnTo>
+                  <a:pt x="6485570" y="4650706"/>
+                </a:lnTo>
+                <a:lnTo>
+                  <a:pt x="6483759" y="4662290"/>
+                </a:lnTo>
+                <a:cubicBezTo>
+                  <a:pt x="6484278" y="4663587"/>
+                  <a:pt x="6484797" y="4664883"/>
+                  <a:pt x="6485315" y="4666180"/>
+                </a:cubicBezTo>
+                <a:lnTo>
+                  <a:pt x="6489077" y="4667585"/>
+                </a:lnTo>
+                <a:lnTo>
+                  <a:pt x="6488467" y="4668660"/>
+                </a:lnTo>
+                <a:cubicBezTo>
+                  <a:pt x="6480300" y="4676831"/>
+                  <a:pt x="6469898" y="4679345"/>
+                  <a:pt x="6496179" y="4689807"/>
+                </a:cubicBezTo>
+                <a:cubicBezTo>
+                  <a:pt x="6482141" y="4708535"/>
+                  <a:pt x="6498545" y="4712235"/>
+                  <a:pt x="6500957" y="4737890"/>
+                </a:cubicBezTo>
+                <a:cubicBezTo>
+                  <a:pt x="6488706" y="4748600"/>
+                  <a:pt x="6491350" y="4757223"/>
+                  <a:pt x="6498641" y="4765657"/>
+                </a:cubicBezTo>
+                <a:cubicBezTo>
+                  <a:pt x="6490164" y="4790618"/>
+                  <a:pt x="6498852" y="4813399"/>
+                  <a:pt x="6497829" y="4841463"/>
+                </a:cubicBezTo>
+                <a:lnTo>
+                  <a:pt x="6521578" y="4969863"/>
+                </a:lnTo>
+                <a:lnTo>
+                  <a:pt x="6518695" y="4974028"/>
+                </a:lnTo>
+                <a:cubicBezTo>
+                  <a:pt x="6517064" y="4976933"/>
+                  <a:pt x="6516439" y="4978909"/>
+                  <a:pt x="6516513" y="4980318"/>
+                </a:cubicBezTo>
+                <a:lnTo>
+                  <a:pt x="6516763" y="4980501"/>
+                </a:lnTo>
+                <a:lnTo>
+                  <a:pt x="6514121" y="4986338"/>
+                </a:lnTo>
+                <a:lnTo>
+                  <a:pt x="6511173" y="4991296"/>
+                </a:lnTo>
+                <a:cubicBezTo>
+                  <a:pt x="6522961" y="5019829"/>
+                  <a:pt x="6534748" y="5048361"/>
+                  <a:pt x="6546537" y="5076895"/>
+                </a:cubicBezTo>
+                <a:lnTo>
+                  <a:pt x="6544581" y="5081568"/>
+                </a:lnTo>
+                <a:cubicBezTo>
+                  <a:pt x="6543589" y="5084748"/>
+                  <a:pt x="6543387" y="5086810"/>
+                  <a:pt x="6543750" y="5088173"/>
+                </a:cubicBezTo>
+                <a:lnTo>
+                  <a:pt x="6544034" y="5088300"/>
+                </a:lnTo>
+                <a:lnTo>
+                  <a:pt x="6542660" y="5094558"/>
+                </a:lnTo>
+                <a:cubicBezTo>
+                  <a:pt x="6539647" y="5105196"/>
+                  <a:pt x="6536055" y="5115626"/>
+                  <a:pt x="6532096" y="5125620"/>
+                </a:cubicBezTo>
+                <a:cubicBezTo>
+                  <a:pt x="6530494" y="5154527"/>
+                  <a:pt x="6532737" y="5244020"/>
+                  <a:pt x="6533049" y="5268004"/>
+                </a:cubicBezTo>
+                <a:cubicBezTo>
+                  <a:pt x="6533356" y="5268513"/>
+                  <a:pt x="6533664" y="5269021"/>
+                  <a:pt x="6533970" y="5269530"/>
+                </a:cubicBezTo>
+                <a:lnTo>
+                  <a:pt x="6502603" y="5390941"/>
+                </a:lnTo>
+                <a:cubicBezTo>
+                  <a:pt x="6487576" y="5438194"/>
+                  <a:pt x="6471524" y="5465286"/>
+                  <a:pt x="6477660" y="5539927"/>
+                </a:cubicBezTo>
+                <a:cubicBezTo>
+                  <a:pt x="6469926" y="5610775"/>
+                  <a:pt x="6461800" y="5740573"/>
+                  <a:pt x="6456458" y="5791594"/>
+                </a:cubicBezTo>
+                <a:cubicBezTo>
+                  <a:pt x="6427890" y="5787060"/>
+                  <a:pt x="6468179" y="5849672"/>
+                  <a:pt x="6434556" y="5855206"/>
+                </a:cubicBezTo>
+                <a:cubicBezTo>
+                  <a:pt x="6436026" y="5860240"/>
+                  <a:pt x="6415712" y="5868910"/>
+                  <a:pt x="6418454" y="5873582"/>
+                </a:cubicBezTo>
+                <a:cubicBezTo>
+                  <a:pt x="6418927" y="5874401"/>
+                  <a:pt x="6419401" y="5875218"/>
+                  <a:pt x="6419875" y="5876037"/>
+                </a:cubicBezTo>
+                <a:lnTo>
+                  <a:pt x="6419775" y="5886534"/>
+                </a:lnTo>
+                <a:lnTo>
+                  <a:pt x="6426971" y="5888644"/>
+                </a:lnTo>
+                <a:cubicBezTo>
+                  <a:pt x="6428647" y="5893707"/>
+                  <a:pt x="6430322" y="5898769"/>
+                  <a:pt x="6431999" y="5903832"/>
+                </a:cubicBezTo>
+                <a:cubicBezTo>
+                  <a:pt x="6432764" y="5909651"/>
+                  <a:pt x="6432285" y="5916068"/>
+                  <a:pt x="6429798" y="5923391"/>
+                </a:cubicBezTo>
+                <a:cubicBezTo>
+                  <a:pt x="6409104" y="5948880"/>
+                  <a:pt x="6461339" y="5981626"/>
+                  <a:pt x="6434072" y="6013205"/>
+                </a:cubicBezTo>
+                <a:cubicBezTo>
+                  <a:pt x="6426624" y="6024901"/>
+                  <a:pt x="6431095" y="6066777"/>
+                  <a:pt x="6439333" y="6074018"/>
+                </a:cubicBezTo>
+                <a:cubicBezTo>
+                  <a:pt x="6439795" y="6081731"/>
+                  <a:pt x="6453428" y="6126985"/>
+                  <a:pt x="6463083" y="6130837"/>
+                </a:cubicBezTo>
+                <a:cubicBezTo>
+                  <a:pt x="6474368" y="6137057"/>
+                  <a:pt x="6441750" y="6156330"/>
+                  <a:pt x="6457360" y="6152982"/>
+                </a:cubicBezTo>
+                <a:cubicBezTo>
+                  <a:pt x="6454563" y="6186619"/>
+                  <a:pt x="6497804" y="6191636"/>
+                  <a:pt x="6495529" y="6221100"/>
+                </a:cubicBezTo>
+                <a:cubicBezTo>
+                  <a:pt x="6497396" y="6222126"/>
+                  <a:pt x="6506682" y="6257468"/>
+                  <a:pt x="6514948" y="6287550"/>
+                </a:cubicBezTo>
+                <a:cubicBezTo>
+                  <a:pt x="6523215" y="6317632"/>
+                  <a:pt x="6556102" y="6391312"/>
+                  <a:pt x="6545124" y="6401595"/>
+                </a:cubicBezTo>
+                <a:cubicBezTo>
+                  <a:pt x="6546214" y="6423902"/>
+                  <a:pt x="6525024" y="6432919"/>
+                  <a:pt x="6525833" y="6487110"/>
+                </a:cubicBezTo>
+                <a:cubicBezTo>
+                  <a:pt x="6547115" y="6574474"/>
+                  <a:pt x="6547900" y="6553611"/>
+                  <a:pt x="6554825" y="6588589"/>
+                </a:cubicBezTo>
+                <a:cubicBezTo>
+                  <a:pt x="6583783" y="6637976"/>
+                  <a:pt x="6536155" y="6687723"/>
+                  <a:pt x="6601569" y="6769963"/>
+                </a:cubicBezTo>
+                <a:cubicBezTo>
+                  <a:pt x="6623036" y="6819284"/>
+                  <a:pt x="6607516" y="6817955"/>
+                  <a:pt x="6620945" y="6835814"/>
+                </a:cubicBezTo>
+                <a:lnTo>
+                  <a:pt x="6625906" y="6858000"/>
+                </a:lnTo>
+                <a:lnTo>
+                  <a:pt x="723901" y="6858000"/>
+                </a:lnTo>
+                <a:lnTo>
+                  <a:pt x="501961" y="6858000"/>
+                </a:lnTo>
+                <a:lnTo>
+                  <a:pt x="0" y="6858000"/>
+                </a:lnTo>
+                <a:close/>
+              </a:path>
+            </a:pathLst>
+          </a:custGeom>
+          <a:solidFill>
+            <a:srgbClr val="82766A">
+              <a:alpha val="15000"/>
+            </a:srgbClr>
+          </a:solidFill>
+          <a:ln>
+            <a:noFill/>
+          </a:ln>
+        </p:spPr>
+        <p:style>
+          <a:lnRef idx="2">
+            <a:schemeClr val="accent1">
+              <a:shade val="50000"/>
+            </a:schemeClr>
+          </a:lnRef>
+          <a:fillRef idx="1">
+            <a:schemeClr val="accent1"/>
+          </a:fillRef>
+          <a:effectRef idx="0">
+            <a:schemeClr val="accent1"/>
+          </a:effectRef>
+          <a:fontRef idx="minor">
+            <a:schemeClr val="lt1"/>
+          </a:fontRef>
+        </p:style>
+        <p:txBody>
+          <a:bodyPr wrap="square" rtlCol="0" anchor="ctr">
+            <a:noAutofit/>
+          </a:bodyPr>
+          <a:lstStyle/>
+          <a:p>
+            <a:pPr algn="ctr"/>
+            <a:endParaRPr lang="en-US"/>
+          </a:p>
+        </p:txBody>
+      </p:sp>
+      <p:sp>
+        <p:nvSpPr>
+          <p:cNvPr id="2" name="Titel 1">
+            <a:extLst>
+              <a:ext uri="{FF2B5EF4-FFF2-40B4-BE49-F238E27FC236}">
+                <a16:creationId xmlns:a16="http://schemas.microsoft.com/office/drawing/2014/main" id="{642134CC-BDE5-47A8-31E3-E48FAA0AB63C}"/>
+              </a:ext>
+            </a:extLst>
+          </p:cNvPr>
+          <p:cNvSpPr>
+            <a:spLocks noGrp="1"/>
+          </p:cNvSpPr>
+          <p:nvPr>
+            <p:ph type="title"/>
+          </p:nvPr>
+        </p:nvSpPr>
+        <p:spPr>
+          <a:xfrm>
+            <a:off x="1050879" y="609600"/>
+            <a:ext cx="5562706" cy="1426234"/>
+          </a:xfrm>
+        </p:spPr>
+        <p:txBody>
+          <a:bodyPr>
+            <a:normAutofit/>
+          </a:bodyPr>
+          <a:lstStyle/>
+          <a:p>
             <a:r>
               <a:rPr lang="de-AT" dirty="0" err="1"/>
               <a:t>Github-history</a:t>
@@ -6934,10 +9309,10 @@
       </p:sp>
       <p:sp>
         <p:nvSpPr>
-          <p:cNvPr id="3" name="Inhaltsplatzhalter 2">
+          <p:cNvPr id="9" name="Content Placeholder 8">
             <a:extLst>
               <a:ext uri="{FF2B5EF4-FFF2-40B4-BE49-F238E27FC236}">
-                <a16:creationId xmlns:a16="http://schemas.microsoft.com/office/drawing/2014/main" id="{66120AAD-94A9-BF66-26B7-3722F7099C63}"/>
+                <a16:creationId xmlns:a16="http://schemas.microsoft.com/office/drawing/2014/main" id="{38B50D3F-90E4-E4B2-F381-344E282C52CE}"/>
               </a:ext>
             </a:extLst>
           </p:cNvPr>
@@ -6948,11 +9323,1746 @@
             <p:ph idx="1"/>
           </p:nvPr>
         </p:nvSpPr>
-        <p:spPr/>
+        <p:spPr>
+          <a:xfrm>
+            <a:off x="1050879" y="2357567"/>
+            <a:ext cx="5216426" cy="3896810"/>
+          </a:xfrm>
+        </p:spPr>
         <p:txBody>
-          <a:bodyPr/>
+          <a:bodyPr>
+            <a:normAutofit/>
+          </a:bodyPr>
           <a:lstStyle/>
           <a:p>
+            <a:pPr>
+              <a:buFont typeface="Arial" panose="020B0604020202020204" pitchFamily="34" charset="0"/>
+              <a:buChar char="•"/>
+            </a:pPr>
+            <a:r>
+              <a:rPr lang="de-DE" b="1" dirty="0"/>
+              <a:t>Beispielhafte </a:t>
+            </a:r>
+            <a:r>
+              <a:rPr lang="de-DE" b="1" dirty="0" err="1"/>
+              <a:t>Commits</a:t>
+            </a:r>
+            <a:r>
+              <a:rPr lang="de-DE" b="1" dirty="0"/>
+              <a:t>:</a:t>
+            </a:r>
+          </a:p>
+          <a:p>
+            <a:pPr>
+              <a:buFont typeface="Symbol" panose="05050102010706020507" pitchFamily="18" charset="2"/>
+              <a:buChar char="-"/>
+            </a:pPr>
+            <a:r>
+              <a:rPr lang="de-DE" dirty="0"/>
+              <a:t>Neues </a:t>
+            </a:r>
+            <a:r>
+              <a:rPr lang="de-DE" dirty="0" err="1"/>
+              <a:t>Github</a:t>
+            </a:r>
+            <a:r>
+              <a:rPr lang="de-DE" dirty="0"/>
+              <a:t> erstellt</a:t>
+            </a:r>
+          </a:p>
+          <a:p>
+            <a:pPr>
+              <a:buFont typeface="Symbol" panose="05050102010706020507" pitchFamily="18" charset="2"/>
+              <a:buChar char="-"/>
+            </a:pPr>
+            <a:r>
+              <a:rPr lang="de-DE" dirty="0"/>
+              <a:t>Frontend-Integration begonnen</a:t>
+            </a:r>
+          </a:p>
+          <a:p>
+            <a:pPr>
+              <a:buFont typeface="Symbol" panose="05050102010706020507" pitchFamily="18" charset="2"/>
+              <a:buChar char="-"/>
+            </a:pPr>
+            <a:r>
+              <a:rPr lang="de-DE" dirty="0"/>
+              <a:t>Erste Tests erfolgreich durchgeführt</a:t>
+            </a:r>
+          </a:p>
+          <a:p>
+            <a:endParaRPr lang="en-US" dirty="0"/>
+          </a:p>
+        </p:txBody>
+      </p:sp>
+      <p:pic>
+        <p:nvPicPr>
+          <p:cNvPr id="5" name="Inhaltsplatzhalter 4" descr="Ein Bild, das Text, Screenshot, Software enthält.&#10;&#10;Automatisch generierte Beschreibung">
+            <a:extLst>
+              <a:ext uri="{FF2B5EF4-FFF2-40B4-BE49-F238E27FC236}">
+                <a16:creationId xmlns:a16="http://schemas.microsoft.com/office/drawing/2014/main" id="{99A58386-DA6C-1BEA-9EDC-9159DB69B739}"/>
+              </a:ext>
+            </a:extLst>
+          </p:cNvPr>
+          <p:cNvPicPr>
+            <a:picLocks noChangeAspect="1"/>
+          </p:cNvPicPr>
+          <p:nvPr/>
+        </p:nvPicPr>
+        <p:blipFill>
+          <a:blip r:embed="rId2"/>
+          <a:stretch>
+            <a:fillRect/>
+          </a:stretch>
+        </p:blipFill>
+        <p:spPr>
+          <a:xfrm>
+            <a:off x="7253784" y="945857"/>
+            <a:ext cx="3951737" cy="4981710"/>
+          </a:xfrm>
+          <a:prstGeom prst="rect">
+            <a:avLst/>
+          </a:prstGeom>
+        </p:spPr>
+      </p:pic>
+    </p:spTree>
+    <p:extLst>
+      <p:ext uri="{BB962C8B-B14F-4D97-AF65-F5344CB8AC3E}">
+        <p14:creationId xmlns:p14="http://schemas.microsoft.com/office/powerpoint/2010/main" val="3120912799"/>
+      </p:ext>
+    </p:extLst>
+  </p:cSld>
+  <p:clrMapOvr>
+    <a:masterClrMapping/>
+  </p:clrMapOvr>
+</p:sld>
+</file>
+
+<file path=ppt/slides/slide6.xml><?xml version="1.0" encoding="utf-8"?>
+<p:sld xmlns:a="http://schemas.openxmlformats.org/drawingml/2006/main" xmlns:r="http://schemas.openxmlformats.org/officeDocument/2006/relationships" xmlns:p="http://schemas.openxmlformats.org/presentationml/2006/main">
+  <p:cSld>
+    <p:bg>
+      <p:bgPr>
+        <a:solidFill>
+          <a:schemeClr val="bg1"/>
+        </a:solidFill>
+        <a:effectLst/>
+      </p:bgPr>
+    </p:bg>
+    <p:spTree>
+      <p:nvGrpSpPr>
+        <p:cNvPr id="1" name=""/>
+        <p:cNvGrpSpPr/>
+        <p:nvPr/>
+      </p:nvGrpSpPr>
+      <p:grpSpPr>
+        <a:xfrm>
+          <a:off x="0" y="0"/>
+          <a:ext cx="0" cy="0"/>
+          <a:chOff x="0" y="0"/>
+          <a:chExt cx="0" cy="0"/>
+        </a:xfrm>
+      </p:grpSpPr>
+      <p:sp useBgFill="1">
+        <p:nvSpPr>
+          <p:cNvPr id="17" name="Rectangle 7">
+            <a:extLst>
+              <a:ext uri="{FF2B5EF4-FFF2-40B4-BE49-F238E27FC236}">
+                <a16:creationId xmlns:a16="http://schemas.microsoft.com/office/drawing/2014/main" id="{00A0D747-F38B-4A99-9985-62CE8C24765F}"/>
+              </a:ext>
+              <a:ext uri="{C183D7F6-B498-43B3-948B-1728B52AA6E4}">
+                <adec:decorative xmlns:adec="http://schemas.microsoft.com/office/drawing/2017/decorative" val="1"/>
+              </a:ext>
+            </a:extLst>
+          </p:cNvPr>
+          <p:cNvSpPr>
+            <a:spLocks noGrp="1" noRot="1" noChangeAspect="1" noMove="1" noResize="1" noEditPoints="1" noAdjustHandles="1" noChangeArrowheads="1" noChangeShapeType="1" noTextEdit="1"/>
+          </p:cNvSpPr>
+          <p:nvPr>
+            <p:extLst>
+              <p:ext uri="{386F3935-93C4-4BCD-93E2-E3B085C9AB24}">
+                <p16:designElem xmlns:p16="http://schemas.microsoft.com/office/powerpoint/2015/main" val="1"/>
+              </p:ext>
+            </p:extLst>
+          </p:nvPr>
+        </p:nvSpPr>
+        <p:spPr>
+          <a:xfrm>
+            <a:off x="0" y="0"/>
+            <a:ext cx="12192000" cy="6858000"/>
+          </a:xfrm>
+          <a:prstGeom prst="rect">
+            <a:avLst/>
+          </a:prstGeom>
+          <a:ln w="12700" cap="flat" cmpd="sng" algn="ctr">
+            <a:noFill/>
+            <a:prstDash val="solid"/>
+            <a:miter lim="800000"/>
+          </a:ln>
+          <a:effectLst/>
+          <a:extLst>
+            <a:ext uri="{91240B29-F687-4F45-9708-019B960494DF}">
+              <a14:hiddenLine xmlns:a14="http://schemas.microsoft.com/office/drawing/2010/main" w="12700" cap="flat" cmpd="sng" algn="ctr">
+                <a:solidFill>
+                  <a:schemeClr val="accent1">
+                    <a:shade val="50000"/>
+                  </a:schemeClr>
+                </a:solidFill>
+                <a:prstDash val="solid"/>
+                <a:miter lim="800000"/>
+              </a14:hiddenLine>
+            </a:ext>
+          </a:extLst>
+        </p:spPr>
+        <p:style>
+          <a:lnRef idx="2">
+            <a:schemeClr val="accent1">
+              <a:shade val="50000"/>
+            </a:schemeClr>
+          </a:lnRef>
+          <a:fillRef idx="1">
+            <a:schemeClr val="accent1"/>
+          </a:fillRef>
+          <a:effectRef idx="0">
+            <a:schemeClr val="accent1"/>
+          </a:effectRef>
+          <a:fontRef idx="minor">
+            <a:schemeClr val="lt1"/>
+          </a:fontRef>
+        </p:style>
+        <p:txBody>
+          <a:bodyPr rtlCol="0" anchor="ctr"/>
+          <a:lstStyle/>
+          <a:p>
+            <a:pPr algn="ctr"/>
+            <a:endParaRPr lang="en-US"/>
+          </a:p>
+        </p:txBody>
+      </p:sp>
+      <p:sp>
+        <p:nvSpPr>
+          <p:cNvPr id="18" name="Freeform: Shape 9">
+            <a:extLst>
+              <a:ext uri="{FF2B5EF4-FFF2-40B4-BE49-F238E27FC236}">
+                <a16:creationId xmlns:a16="http://schemas.microsoft.com/office/drawing/2014/main" id="{3D1BF32B-6CA3-4695-8A0C-1AC789B58D94}"/>
+              </a:ext>
+              <a:ext uri="{C183D7F6-B498-43B3-948B-1728B52AA6E4}">
+                <adec:decorative xmlns:adec="http://schemas.microsoft.com/office/drawing/2017/decorative" val="1"/>
+              </a:ext>
+            </a:extLst>
+          </p:cNvPr>
+          <p:cNvSpPr>
+            <a:spLocks noGrp="1" noRot="1" noChangeAspect="1" noMove="1" noResize="1" noEditPoints="1" noAdjustHandles="1" noChangeArrowheads="1" noChangeShapeType="1" noTextEdit="1"/>
+          </p:cNvSpPr>
+          <p:nvPr>
+            <p:extLst>
+              <p:ext uri="{386F3935-93C4-4BCD-93E2-E3B085C9AB24}">
+                <p16:designElem xmlns:p16="http://schemas.microsoft.com/office/powerpoint/2015/main" val="1"/>
+              </p:ext>
+            </p:extLst>
+          </p:nvPr>
+        </p:nvSpPr>
+        <p:spPr>
+          <a:xfrm rot="10800000">
+            <a:off x="0" y="0"/>
+            <a:ext cx="5277870" cy="6858000"/>
+          </a:xfrm>
+          <a:custGeom>
+            <a:avLst/>
+            <a:gdLst>
+              <a:gd name="connsiteX0" fmla="*/ 643741 w 5434004"/>
+              <a:gd name="connsiteY0" fmla="*/ 0 h 6858000"/>
+              <a:gd name="connsiteX1" fmla="*/ 5434004 w 5434004"/>
+              <a:gd name="connsiteY1" fmla="*/ 0 h 6858000"/>
+              <a:gd name="connsiteX2" fmla="*/ 5434004 w 5434004"/>
+              <a:gd name="connsiteY2" fmla="*/ 6858000 h 6858000"/>
+              <a:gd name="connsiteX3" fmla="*/ 0 w 5434004"/>
+              <a:gd name="connsiteY3" fmla="*/ 6858000 h 6858000"/>
+              <a:gd name="connsiteX4" fmla="*/ 0 w 5434004"/>
+              <a:gd name="connsiteY4" fmla="*/ 6857998 h 6858000"/>
+              <a:gd name="connsiteX5" fmla="*/ 1049407 w 5434004"/>
+              <a:gd name="connsiteY5" fmla="*/ 6857998 h 6858000"/>
+              <a:gd name="connsiteX6" fmla="*/ 1033092 w 5434004"/>
+              <a:gd name="connsiteY6" fmla="*/ 6843615 h 6858000"/>
+              <a:gd name="connsiteX7" fmla="*/ 1004585 w 5434004"/>
+              <a:gd name="connsiteY7" fmla="*/ 6800899 h 6858000"/>
+              <a:gd name="connsiteX8" fmla="*/ 984086 w 5434004"/>
+              <a:gd name="connsiteY8" fmla="*/ 6765441 h 6858000"/>
+              <a:gd name="connsiteX9" fmla="*/ 955964 w 5434004"/>
+              <a:gd name="connsiteY9" fmla="*/ 6739541 h 6858000"/>
+              <a:gd name="connsiteX10" fmla="*/ 945820 w 5434004"/>
+              <a:gd name="connsiteY10" fmla="*/ 6673829 h 6858000"/>
+              <a:gd name="connsiteX11" fmla="*/ 921540 w 5434004"/>
+              <a:gd name="connsiteY11" fmla="*/ 6620155 h 6858000"/>
+              <a:gd name="connsiteX12" fmla="*/ 876436 w 5434004"/>
+              <a:gd name="connsiteY12" fmla="*/ 6610437 h 6858000"/>
+              <a:gd name="connsiteX13" fmla="*/ 876973 w 5434004"/>
+              <a:gd name="connsiteY13" fmla="*/ 6596307 h 6858000"/>
+              <a:gd name="connsiteX14" fmla="*/ 893782 w 5434004"/>
+              <a:gd name="connsiteY14" fmla="*/ 6536039 h 6858000"/>
+              <a:gd name="connsiteX15" fmla="*/ 830281 w 5434004"/>
+              <a:gd name="connsiteY15" fmla="*/ 6239239 h 6858000"/>
+              <a:gd name="connsiteX16" fmla="*/ 816373 w 5434004"/>
+              <a:gd name="connsiteY16" fmla="*/ 6116986 h 6858000"/>
+              <a:gd name="connsiteX17" fmla="*/ 788606 w 5434004"/>
+              <a:gd name="connsiteY17" fmla="*/ 5895434 h 6858000"/>
+              <a:gd name="connsiteX18" fmla="*/ 762315 w 5434004"/>
+              <a:gd name="connsiteY18" fmla="*/ 5848019 h 6858000"/>
+              <a:gd name="connsiteX19" fmla="*/ 714842 w 5434004"/>
+              <a:gd name="connsiteY19" fmla="*/ 5722306 h 6858000"/>
+              <a:gd name="connsiteX20" fmla="*/ 679500 w 5434004"/>
+              <a:gd name="connsiteY20" fmla="*/ 5528085 h 6858000"/>
+              <a:gd name="connsiteX21" fmla="*/ 660956 w 5434004"/>
+              <a:gd name="connsiteY21" fmla="*/ 5506768 h 6858000"/>
+              <a:gd name="connsiteX22" fmla="*/ 642957 w 5434004"/>
+              <a:gd name="connsiteY22" fmla="*/ 5473318 h 6858000"/>
+              <a:gd name="connsiteX23" fmla="*/ 602099 w 5434004"/>
+              <a:gd name="connsiteY23" fmla="*/ 5418521 h 6858000"/>
+              <a:gd name="connsiteX24" fmla="*/ 563009 w 5434004"/>
+              <a:gd name="connsiteY24" fmla="*/ 5337536 h 6858000"/>
+              <a:gd name="connsiteX25" fmla="*/ 584675 w 5434004"/>
+              <a:gd name="connsiteY25" fmla="*/ 5255190 h 6858000"/>
+              <a:gd name="connsiteX26" fmla="*/ 564878 w 5434004"/>
+              <a:gd name="connsiteY26" fmla="*/ 5208171 h 6858000"/>
+              <a:gd name="connsiteX27" fmla="*/ 540145 w 5434004"/>
+              <a:gd name="connsiteY27" fmla="*/ 4993731 h 6858000"/>
+              <a:gd name="connsiteX28" fmla="*/ 512099 w 5434004"/>
+              <a:gd name="connsiteY28" fmla="*/ 4896399 h 6858000"/>
+              <a:gd name="connsiteX29" fmla="*/ 482378 w 5434004"/>
+              <a:gd name="connsiteY29" fmla="*/ 4838613 h 6858000"/>
+              <a:gd name="connsiteX30" fmla="*/ 468676 w 5434004"/>
+              <a:gd name="connsiteY30" fmla="*/ 4796522 h 6858000"/>
+              <a:gd name="connsiteX31" fmla="*/ 430881 w 5434004"/>
+              <a:gd name="connsiteY31" fmla="*/ 4672370 h 6858000"/>
+              <a:gd name="connsiteX32" fmla="*/ 415292 w 5434004"/>
+              <a:gd name="connsiteY32" fmla="*/ 4634253 h 6858000"/>
+              <a:gd name="connsiteX33" fmla="*/ 348919 w 5434004"/>
+              <a:gd name="connsiteY33" fmla="*/ 4549232 h 6858000"/>
+              <a:gd name="connsiteX34" fmla="*/ 292438 w 5434004"/>
+              <a:gd name="connsiteY34" fmla="*/ 4479912 h 6858000"/>
+              <a:gd name="connsiteX35" fmla="*/ 283567 w 5434004"/>
+              <a:gd name="connsiteY35" fmla="*/ 4376609 h 6858000"/>
+              <a:gd name="connsiteX36" fmla="*/ 247018 w 5434004"/>
+              <a:gd name="connsiteY36" fmla="*/ 4280257 h 6858000"/>
+              <a:gd name="connsiteX37" fmla="*/ 243154 w 5434004"/>
+              <a:gd name="connsiteY37" fmla="*/ 4208492 h 6858000"/>
+              <a:gd name="connsiteX38" fmla="*/ 267243 w 5434004"/>
+              <a:gd name="connsiteY38" fmla="*/ 4120636 h 6858000"/>
+              <a:gd name="connsiteX39" fmla="*/ 274676 w 5434004"/>
+              <a:gd name="connsiteY39" fmla="*/ 4116556 h 6858000"/>
+              <a:gd name="connsiteX40" fmla="*/ 274016 w 5434004"/>
+              <a:gd name="connsiteY40" fmla="*/ 4109625 h 6858000"/>
+              <a:gd name="connsiteX41" fmla="*/ 266711 w 5434004"/>
+              <a:gd name="connsiteY41" fmla="*/ 4105624 h 6858000"/>
+              <a:gd name="connsiteX42" fmla="*/ 267360 w 5434004"/>
+              <a:gd name="connsiteY42" fmla="*/ 4051441 h 6858000"/>
+              <a:gd name="connsiteX43" fmla="*/ 280863 w 5434004"/>
+              <a:gd name="connsiteY43" fmla="*/ 3988494 h 6858000"/>
+              <a:gd name="connsiteX44" fmla="*/ 254473 w 5434004"/>
+              <a:gd name="connsiteY44" fmla="*/ 3926485 h 6858000"/>
+              <a:gd name="connsiteX45" fmla="*/ 238942 w 5434004"/>
+              <a:gd name="connsiteY45" fmla="*/ 3857057 h 6858000"/>
+              <a:gd name="connsiteX46" fmla="*/ 229388 w 5434004"/>
+              <a:gd name="connsiteY46" fmla="*/ 3815650 h 6858000"/>
+              <a:gd name="connsiteX47" fmla="*/ 224025 w 5434004"/>
+              <a:gd name="connsiteY47" fmla="*/ 3696745 h 6858000"/>
+              <a:gd name="connsiteX48" fmla="*/ 242028 w 5434004"/>
+              <a:gd name="connsiteY48" fmla="*/ 3477814 h 6858000"/>
+              <a:gd name="connsiteX49" fmla="*/ 239663 w 5434004"/>
+              <a:gd name="connsiteY49" fmla="*/ 3375354 h 6858000"/>
+              <a:gd name="connsiteX50" fmla="*/ 242939 w 5434004"/>
+              <a:gd name="connsiteY50" fmla="*/ 3235494 h 6858000"/>
+              <a:gd name="connsiteX51" fmla="*/ 235466 w 5434004"/>
+              <a:gd name="connsiteY51" fmla="*/ 3111896 h 6858000"/>
+              <a:gd name="connsiteX52" fmla="*/ 225859 w 5434004"/>
+              <a:gd name="connsiteY52" fmla="*/ 3061665 h 6858000"/>
+              <a:gd name="connsiteX53" fmla="*/ 214543 w 5434004"/>
+              <a:gd name="connsiteY53" fmla="*/ 3026187 h 6858000"/>
+              <a:gd name="connsiteX54" fmla="*/ 209002 w 5434004"/>
+              <a:gd name="connsiteY54" fmla="*/ 2930097 h 6858000"/>
+              <a:gd name="connsiteX55" fmla="*/ 209539 w 5434004"/>
+              <a:gd name="connsiteY55" fmla="*/ 2768399 h 6858000"/>
+              <a:gd name="connsiteX56" fmla="*/ 207490 w 5434004"/>
+              <a:gd name="connsiteY56" fmla="*/ 2734615 h 6858000"/>
+              <a:gd name="connsiteX57" fmla="*/ 197130 w 5434004"/>
+              <a:gd name="connsiteY57" fmla="*/ 2708116 h 6858000"/>
+              <a:gd name="connsiteX58" fmla="*/ 187231 w 5434004"/>
+              <a:gd name="connsiteY58" fmla="*/ 2704185 h 6858000"/>
+              <a:gd name="connsiteX59" fmla="*/ 184723 w 5434004"/>
+              <a:gd name="connsiteY59" fmla="*/ 2686011 h 6858000"/>
+              <a:gd name="connsiteX60" fmla="*/ 169929 w 5434004"/>
+              <a:gd name="connsiteY60" fmla="*/ 2656504 h 6858000"/>
+              <a:gd name="connsiteX61" fmla="*/ 188242 w 5434004"/>
+              <a:gd name="connsiteY61" fmla="*/ 2589493 h 6858000"/>
+              <a:gd name="connsiteX62" fmla="*/ 189125 w 5434004"/>
+              <a:gd name="connsiteY62" fmla="*/ 2457617 h 6858000"/>
+              <a:gd name="connsiteX63" fmla="*/ 195205 w 5434004"/>
+              <a:gd name="connsiteY63" fmla="*/ 2210817 h 6858000"/>
+              <a:gd name="connsiteX64" fmla="*/ 175797 w 5434004"/>
+              <a:gd name="connsiteY64" fmla="*/ 1901521 h 6858000"/>
+              <a:gd name="connsiteX65" fmla="*/ 156134 w 5434004"/>
+              <a:gd name="connsiteY65" fmla="*/ 1700722 h 6858000"/>
+              <a:gd name="connsiteX66" fmla="*/ 174157 w 5434004"/>
+              <a:gd name="connsiteY66" fmla="*/ 1661610 h 6858000"/>
+              <a:gd name="connsiteX67" fmla="*/ 180802 w 5434004"/>
+              <a:gd name="connsiteY67" fmla="*/ 1640073 h 6858000"/>
+              <a:gd name="connsiteX68" fmla="*/ 179221 w 5434004"/>
+              <a:gd name="connsiteY68" fmla="*/ 1637398 h 6858000"/>
+              <a:gd name="connsiteX69" fmla="*/ 179826 w 5434004"/>
+              <a:gd name="connsiteY69" fmla="*/ 1612248 h 6858000"/>
+              <a:gd name="connsiteX70" fmla="*/ 198048 w 5434004"/>
+              <a:gd name="connsiteY70" fmla="*/ 1498097 h 6858000"/>
+              <a:gd name="connsiteX71" fmla="*/ 196329 w 5434004"/>
+              <a:gd name="connsiteY71" fmla="*/ 1497364 h 6858000"/>
+              <a:gd name="connsiteX72" fmla="*/ 193204 w 5434004"/>
+              <a:gd name="connsiteY72" fmla="*/ 1490042 h 6858000"/>
+              <a:gd name="connsiteX73" fmla="*/ 211154 w 5434004"/>
+              <a:gd name="connsiteY73" fmla="*/ 1451416 h 6858000"/>
+              <a:gd name="connsiteX74" fmla="*/ 247750 w 5434004"/>
+              <a:gd name="connsiteY74" fmla="*/ 1281781 h 6858000"/>
+              <a:gd name="connsiteX75" fmla="*/ 323114 w 5434004"/>
+              <a:gd name="connsiteY75" fmla="*/ 1074754 h 6858000"/>
+              <a:gd name="connsiteX76" fmla="*/ 357209 w 5434004"/>
+              <a:gd name="connsiteY76" fmla="*/ 1019094 h 6858000"/>
+              <a:gd name="connsiteX77" fmla="*/ 393176 w 5434004"/>
+              <a:gd name="connsiteY77" fmla="*/ 938921 h 6858000"/>
+              <a:gd name="connsiteX78" fmla="*/ 451503 w 5434004"/>
+              <a:gd name="connsiteY78" fmla="*/ 815814 h 6858000"/>
+              <a:gd name="connsiteX79" fmla="*/ 567587 w 5434004"/>
+              <a:gd name="connsiteY79" fmla="*/ 584070 h 6858000"/>
+              <a:gd name="connsiteX80" fmla="*/ 592609 w 5434004"/>
+              <a:gd name="connsiteY80" fmla="*/ 461805 h 6858000"/>
+              <a:gd name="connsiteX81" fmla="*/ 624563 w 5434004"/>
+              <a:gd name="connsiteY81" fmla="*/ 360945 h 6858000"/>
+              <a:gd name="connsiteX82" fmla="*/ 627056 w 5434004"/>
+              <a:gd name="connsiteY82" fmla="*/ 226335 h 6858000"/>
+              <a:gd name="connsiteX83" fmla="*/ 655851 w 5434004"/>
+              <a:gd name="connsiteY83" fmla="*/ 51690 h 6858000"/>
+              <a:gd name="connsiteX84" fmla="*/ 653984 w 5434004"/>
+              <a:gd name="connsiteY84" fmla="*/ 22133 h 6858000"/>
+              <a:gd name="connsiteX85" fmla="*/ 643279 w 5434004"/>
+              <a:gd name="connsiteY85" fmla="*/ 1037 h 6858000"/>
+              <a:gd name="connsiteX0" fmla="*/ 643741 w 5434004"/>
+              <a:gd name="connsiteY0" fmla="*/ 0 h 6858000"/>
+              <a:gd name="connsiteX1" fmla="*/ 5434004 w 5434004"/>
+              <a:gd name="connsiteY1" fmla="*/ 0 h 6858000"/>
+              <a:gd name="connsiteX2" fmla="*/ 5434004 w 5434004"/>
+              <a:gd name="connsiteY2" fmla="*/ 6858000 h 6858000"/>
+              <a:gd name="connsiteX3" fmla="*/ 0 w 5434004"/>
+              <a:gd name="connsiteY3" fmla="*/ 6858000 h 6858000"/>
+              <a:gd name="connsiteX4" fmla="*/ 1049407 w 5434004"/>
+              <a:gd name="connsiteY4" fmla="*/ 6857998 h 6858000"/>
+              <a:gd name="connsiteX5" fmla="*/ 1033092 w 5434004"/>
+              <a:gd name="connsiteY5" fmla="*/ 6843615 h 6858000"/>
+              <a:gd name="connsiteX6" fmla="*/ 1004585 w 5434004"/>
+              <a:gd name="connsiteY6" fmla="*/ 6800899 h 6858000"/>
+              <a:gd name="connsiteX7" fmla="*/ 984086 w 5434004"/>
+              <a:gd name="connsiteY7" fmla="*/ 6765441 h 6858000"/>
+              <a:gd name="connsiteX8" fmla="*/ 955964 w 5434004"/>
+              <a:gd name="connsiteY8" fmla="*/ 6739541 h 6858000"/>
+              <a:gd name="connsiteX9" fmla="*/ 945820 w 5434004"/>
+              <a:gd name="connsiteY9" fmla="*/ 6673829 h 6858000"/>
+              <a:gd name="connsiteX10" fmla="*/ 921540 w 5434004"/>
+              <a:gd name="connsiteY10" fmla="*/ 6620155 h 6858000"/>
+              <a:gd name="connsiteX11" fmla="*/ 876436 w 5434004"/>
+              <a:gd name="connsiteY11" fmla="*/ 6610437 h 6858000"/>
+              <a:gd name="connsiteX12" fmla="*/ 876973 w 5434004"/>
+              <a:gd name="connsiteY12" fmla="*/ 6596307 h 6858000"/>
+              <a:gd name="connsiteX13" fmla="*/ 893782 w 5434004"/>
+              <a:gd name="connsiteY13" fmla="*/ 6536039 h 6858000"/>
+              <a:gd name="connsiteX14" fmla="*/ 830281 w 5434004"/>
+              <a:gd name="connsiteY14" fmla="*/ 6239239 h 6858000"/>
+              <a:gd name="connsiteX15" fmla="*/ 816373 w 5434004"/>
+              <a:gd name="connsiteY15" fmla="*/ 6116986 h 6858000"/>
+              <a:gd name="connsiteX16" fmla="*/ 788606 w 5434004"/>
+              <a:gd name="connsiteY16" fmla="*/ 5895434 h 6858000"/>
+              <a:gd name="connsiteX17" fmla="*/ 762315 w 5434004"/>
+              <a:gd name="connsiteY17" fmla="*/ 5848019 h 6858000"/>
+              <a:gd name="connsiteX18" fmla="*/ 714842 w 5434004"/>
+              <a:gd name="connsiteY18" fmla="*/ 5722306 h 6858000"/>
+              <a:gd name="connsiteX19" fmla="*/ 679500 w 5434004"/>
+              <a:gd name="connsiteY19" fmla="*/ 5528085 h 6858000"/>
+              <a:gd name="connsiteX20" fmla="*/ 660956 w 5434004"/>
+              <a:gd name="connsiteY20" fmla="*/ 5506768 h 6858000"/>
+              <a:gd name="connsiteX21" fmla="*/ 642957 w 5434004"/>
+              <a:gd name="connsiteY21" fmla="*/ 5473318 h 6858000"/>
+              <a:gd name="connsiteX22" fmla="*/ 602099 w 5434004"/>
+              <a:gd name="connsiteY22" fmla="*/ 5418521 h 6858000"/>
+              <a:gd name="connsiteX23" fmla="*/ 563009 w 5434004"/>
+              <a:gd name="connsiteY23" fmla="*/ 5337536 h 6858000"/>
+              <a:gd name="connsiteX24" fmla="*/ 584675 w 5434004"/>
+              <a:gd name="connsiteY24" fmla="*/ 5255190 h 6858000"/>
+              <a:gd name="connsiteX25" fmla="*/ 564878 w 5434004"/>
+              <a:gd name="connsiteY25" fmla="*/ 5208171 h 6858000"/>
+              <a:gd name="connsiteX26" fmla="*/ 540145 w 5434004"/>
+              <a:gd name="connsiteY26" fmla="*/ 4993731 h 6858000"/>
+              <a:gd name="connsiteX27" fmla="*/ 512099 w 5434004"/>
+              <a:gd name="connsiteY27" fmla="*/ 4896399 h 6858000"/>
+              <a:gd name="connsiteX28" fmla="*/ 482378 w 5434004"/>
+              <a:gd name="connsiteY28" fmla="*/ 4838613 h 6858000"/>
+              <a:gd name="connsiteX29" fmla="*/ 468676 w 5434004"/>
+              <a:gd name="connsiteY29" fmla="*/ 4796522 h 6858000"/>
+              <a:gd name="connsiteX30" fmla="*/ 430881 w 5434004"/>
+              <a:gd name="connsiteY30" fmla="*/ 4672370 h 6858000"/>
+              <a:gd name="connsiteX31" fmla="*/ 415292 w 5434004"/>
+              <a:gd name="connsiteY31" fmla="*/ 4634253 h 6858000"/>
+              <a:gd name="connsiteX32" fmla="*/ 348919 w 5434004"/>
+              <a:gd name="connsiteY32" fmla="*/ 4549232 h 6858000"/>
+              <a:gd name="connsiteX33" fmla="*/ 292438 w 5434004"/>
+              <a:gd name="connsiteY33" fmla="*/ 4479912 h 6858000"/>
+              <a:gd name="connsiteX34" fmla="*/ 283567 w 5434004"/>
+              <a:gd name="connsiteY34" fmla="*/ 4376609 h 6858000"/>
+              <a:gd name="connsiteX35" fmla="*/ 247018 w 5434004"/>
+              <a:gd name="connsiteY35" fmla="*/ 4280257 h 6858000"/>
+              <a:gd name="connsiteX36" fmla="*/ 243154 w 5434004"/>
+              <a:gd name="connsiteY36" fmla="*/ 4208492 h 6858000"/>
+              <a:gd name="connsiteX37" fmla="*/ 267243 w 5434004"/>
+              <a:gd name="connsiteY37" fmla="*/ 4120636 h 6858000"/>
+              <a:gd name="connsiteX38" fmla="*/ 274676 w 5434004"/>
+              <a:gd name="connsiteY38" fmla="*/ 4116556 h 6858000"/>
+              <a:gd name="connsiteX39" fmla="*/ 274016 w 5434004"/>
+              <a:gd name="connsiteY39" fmla="*/ 4109625 h 6858000"/>
+              <a:gd name="connsiteX40" fmla="*/ 266711 w 5434004"/>
+              <a:gd name="connsiteY40" fmla="*/ 4105624 h 6858000"/>
+              <a:gd name="connsiteX41" fmla="*/ 267360 w 5434004"/>
+              <a:gd name="connsiteY41" fmla="*/ 4051441 h 6858000"/>
+              <a:gd name="connsiteX42" fmla="*/ 280863 w 5434004"/>
+              <a:gd name="connsiteY42" fmla="*/ 3988494 h 6858000"/>
+              <a:gd name="connsiteX43" fmla="*/ 254473 w 5434004"/>
+              <a:gd name="connsiteY43" fmla="*/ 3926485 h 6858000"/>
+              <a:gd name="connsiteX44" fmla="*/ 238942 w 5434004"/>
+              <a:gd name="connsiteY44" fmla="*/ 3857057 h 6858000"/>
+              <a:gd name="connsiteX45" fmla="*/ 229388 w 5434004"/>
+              <a:gd name="connsiteY45" fmla="*/ 3815650 h 6858000"/>
+              <a:gd name="connsiteX46" fmla="*/ 224025 w 5434004"/>
+              <a:gd name="connsiteY46" fmla="*/ 3696745 h 6858000"/>
+              <a:gd name="connsiteX47" fmla="*/ 242028 w 5434004"/>
+              <a:gd name="connsiteY47" fmla="*/ 3477814 h 6858000"/>
+              <a:gd name="connsiteX48" fmla="*/ 239663 w 5434004"/>
+              <a:gd name="connsiteY48" fmla="*/ 3375354 h 6858000"/>
+              <a:gd name="connsiteX49" fmla="*/ 242939 w 5434004"/>
+              <a:gd name="connsiteY49" fmla="*/ 3235494 h 6858000"/>
+              <a:gd name="connsiteX50" fmla="*/ 235466 w 5434004"/>
+              <a:gd name="connsiteY50" fmla="*/ 3111896 h 6858000"/>
+              <a:gd name="connsiteX51" fmla="*/ 225859 w 5434004"/>
+              <a:gd name="connsiteY51" fmla="*/ 3061665 h 6858000"/>
+              <a:gd name="connsiteX52" fmla="*/ 214543 w 5434004"/>
+              <a:gd name="connsiteY52" fmla="*/ 3026187 h 6858000"/>
+              <a:gd name="connsiteX53" fmla="*/ 209002 w 5434004"/>
+              <a:gd name="connsiteY53" fmla="*/ 2930097 h 6858000"/>
+              <a:gd name="connsiteX54" fmla="*/ 209539 w 5434004"/>
+              <a:gd name="connsiteY54" fmla="*/ 2768399 h 6858000"/>
+              <a:gd name="connsiteX55" fmla="*/ 207490 w 5434004"/>
+              <a:gd name="connsiteY55" fmla="*/ 2734615 h 6858000"/>
+              <a:gd name="connsiteX56" fmla="*/ 197130 w 5434004"/>
+              <a:gd name="connsiteY56" fmla="*/ 2708116 h 6858000"/>
+              <a:gd name="connsiteX57" fmla="*/ 187231 w 5434004"/>
+              <a:gd name="connsiteY57" fmla="*/ 2704185 h 6858000"/>
+              <a:gd name="connsiteX58" fmla="*/ 184723 w 5434004"/>
+              <a:gd name="connsiteY58" fmla="*/ 2686011 h 6858000"/>
+              <a:gd name="connsiteX59" fmla="*/ 169929 w 5434004"/>
+              <a:gd name="connsiteY59" fmla="*/ 2656504 h 6858000"/>
+              <a:gd name="connsiteX60" fmla="*/ 188242 w 5434004"/>
+              <a:gd name="connsiteY60" fmla="*/ 2589493 h 6858000"/>
+              <a:gd name="connsiteX61" fmla="*/ 189125 w 5434004"/>
+              <a:gd name="connsiteY61" fmla="*/ 2457617 h 6858000"/>
+              <a:gd name="connsiteX62" fmla="*/ 195205 w 5434004"/>
+              <a:gd name="connsiteY62" fmla="*/ 2210817 h 6858000"/>
+              <a:gd name="connsiteX63" fmla="*/ 175797 w 5434004"/>
+              <a:gd name="connsiteY63" fmla="*/ 1901521 h 6858000"/>
+              <a:gd name="connsiteX64" fmla="*/ 156134 w 5434004"/>
+              <a:gd name="connsiteY64" fmla="*/ 1700722 h 6858000"/>
+              <a:gd name="connsiteX65" fmla="*/ 174157 w 5434004"/>
+              <a:gd name="connsiteY65" fmla="*/ 1661610 h 6858000"/>
+              <a:gd name="connsiteX66" fmla="*/ 180802 w 5434004"/>
+              <a:gd name="connsiteY66" fmla="*/ 1640073 h 6858000"/>
+              <a:gd name="connsiteX67" fmla="*/ 179221 w 5434004"/>
+              <a:gd name="connsiteY67" fmla="*/ 1637398 h 6858000"/>
+              <a:gd name="connsiteX68" fmla="*/ 179826 w 5434004"/>
+              <a:gd name="connsiteY68" fmla="*/ 1612248 h 6858000"/>
+              <a:gd name="connsiteX69" fmla="*/ 198048 w 5434004"/>
+              <a:gd name="connsiteY69" fmla="*/ 1498097 h 6858000"/>
+              <a:gd name="connsiteX70" fmla="*/ 196329 w 5434004"/>
+              <a:gd name="connsiteY70" fmla="*/ 1497364 h 6858000"/>
+              <a:gd name="connsiteX71" fmla="*/ 193204 w 5434004"/>
+              <a:gd name="connsiteY71" fmla="*/ 1490042 h 6858000"/>
+              <a:gd name="connsiteX72" fmla="*/ 211154 w 5434004"/>
+              <a:gd name="connsiteY72" fmla="*/ 1451416 h 6858000"/>
+              <a:gd name="connsiteX73" fmla="*/ 247750 w 5434004"/>
+              <a:gd name="connsiteY73" fmla="*/ 1281781 h 6858000"/>
+              <a:gd name="connsiteX74" fmla="*/ 323114 w 5434004"/>
+              <a:gd name="connsiteY74" fmla="*/ 1074754 h 6858000"/>
+              <a:gd name="connsiteX75" fmla="*/ 357209 w 5434004"/>
+              <a:gd name="connsiteY75" fmla="*/ 1019094 h 6858000"/>
+              <a:gd name="connsiteX76" fmla="*/ 393176 w 5434004"/>
+              <a:gd name="connsiteY76" fmla="*/ 938921 h 6858000"/>
+              <a:gd name="connsiteX77" fmla="*/ 451503 w 5434004"/>
+              <a:gd name="connsiteY77" fmla="*/ 815814 h 6858000"/>
+              <a:gd name="connsiteX78" fmla="*/ 567587 w 5434004"/>
+              <a:gd name="connsiteY78" fmla="*/ 584070 h 6858000"/>
+              <a:gd name="connsiteX79" fmla="*/ 592609 w 5434004"/>
+              <a:gd name="connsiteY79" fmla="*/ 461805 h 6858000"/>
+              <a:gd name="connsiteX80" fmla="*/ 624563 w 5434004"/>
+              <a:gd name="connsiteY80" fmla="*/ 360945 h 6858000"/>
+              <a:gd name="connsiteX81" fmla="*/ 627056 w 5434004"/>
+              <a:gd name="connsiteY81" fmla="*/ 226335 h 6858000"/>
+              <a:gd name="connsiteX82" fmla="*/ 655851 w 5434004"/>
+              <a:gd name="connsiteY82" fmla="*/ 51690 h 6858000"/>
+              <a:gd name="connsiteX83" fmla="*/ 653984 w 5434004"/>
+              <a:gd name="connsiteY83" fmla="*/ 22133 h 6858000"/>
+              <a:gd name="connsiteX84" fmla="*/ 643279 w 5434004"/>
+              <a:gd name="connsiteY84" fmla="*/ 1037 h 6858000"/>
+              <a:gd name="connsiteX85" fmla="*/ 643741 w 5434004"/>
+              <a:gd name="connsiteY85" fmla="*/ 0 h 6858000"/>
+              <a:gd name="connsiteX0" fmla="*/ 487607 w 5277870"/>
+              <a:gd name="connsiteY0" fmla="*/ 0 h 6858000"/>
+              <a:gd name="connsiteX1" fmla="*/ 5277870 w 5277870"/>
+              <a:gd name="connsiteY1" fmla="*/ 0 h 6858000"/>
+              <a:gd name="connsiteX2" fmla="*/ 5277870 w 5277870"/>
+              <a:gd name="connsiteY2" fmla="*/ 6858000 h 6858000"/>
+              <a:gd name="connsiteX3" fmla="*/ 893273 w 5277870"/>
+              <a:gd name="connsiteY3" fmla="*/ 6857998 h 6858000"/>
+              <a:gd name="connsiteX4" fmla="*/ 876958 w 5277870"/>
+              <a:gd name="connsiteY4" fmla="*/ 6843615 h 6858000"/>
+              <a:gd name="connsiteX5" fmla="*/ 848451 w 5277870"/>
+              <a:gd name="connsiteY5" fmla="*/ 6800899 h 6858000"/>
+              <a:gd name="connsiteX6" fmla="*/ 827952 w 5277870"/>
+              <a:gd name="connsiteY6" fmla="*/ 6765441 h 6858000"/>
+              <a:gd name="connsiteX7" fmla="*/ 799830 w 5277870"/>
+              <a:gd name="connsiteY7" fmla="*/ 6739541 h 6858000"/>
+              <a:gd name="connsiteX8" fmla="*/ 789686 w 5277870"/>
+              <a:gd name="connsiteY8" fmla="*/ 6673829 h 6858000"/>
+              <a:gd name="connsiteX9" fmla="*/ 765406 w 5277870"/>
+              <a:gd name="connsiteY9" fmla="*/ 6620155 h 6858000"/>
+              <a:gd name="connsiteX10" fmla="*/ 720302 w 5277870"/>
+              <a:gd name="connsiteY10" fmla="*/ 6610437 h 6858000"/>
+              <a:gd name="connsiteX11" fmla="*/ 720839 w 5277870"/>
+              <a:gd name="connsiteY11" fmla="*/ 6596307 h 6858000"/>
+              <a:gd name="connsiteX12" fmla="*/ 737648 w 5277870"/>
+              <a:gd name="connsiteY12" fmla="*/ 6536039 h 6858000"/>
+              <a:gd name="connsiteX13" fmla="*/ 674147 w 5277870"/>
+              <a:gd name="connsiteY13" fmla="*/ 6239239 h 6858000"/>
+              <a:gd name="connsiteX14" fmla="*/ 660239 w 5277870"/>
+              <a:gd name="connsiteY14" fmla="*/ 6116986 h 6858000"/>
+              <a:gd name="connsiteX15" fmla="*/ 632472 w 5277870"/>
+              <a:gd name="connsiteY15" fmla="*/ 5895434 h 6858000"/>
+              <a:gd name="connsiteX16" fmla="*/ 606181 w 5277870"/>
+              <a:gd name="connsiteY16" fmla="*/ 5848019 h 6858000"/>
+              <a:gd name="connsiteX17" fmla="*/ 558708 w 5277870"/>
+              <a:gd name="connsiteY17" fmla="*/ 5722306 h 6858000"/>
+              <a:gd name="connsiteX18" fmla="*/ 523366 w 5277870"/>
+              <a:gd name="connsiteY18" fmla="*/ 5528085 h 6858000"/>
+              <a:gd name="connsiteX19" fmla="*/ 504822 w 5277870"/>
+              <a:gd name="connsiteY19" fmla="*/ 5506768 h 6858000"/>
+              <a:gd name="connsiteX20" fmla="*/ 486823 w 5277870"/>
+              <a:gd name="connsiteY20" fmla="*/ 5473318 h 6858000"/>
+              <a:gd name="connsiteX21" fmla="*/ 445965 w 5277870"/>
+              <a:gd name="connsiteY21" fmla="*/ 5418521 h 6858000"/>
+              <a:gd name="connsiteX22" fmla="*/ 406875 w 5277870"/>
+              <a:gd name="connsiteY22" fmla="*/ 5337536 h 6858000"/>
+              <a:gd name="connsiteX23" fmla="*/ 428541 w 5277870"/>
+              <a:gd name="connsiteY23" fmla="*/ 5255190 h 6858000"/>
+              <a:gd name="connsiteX24" fmla="*/ 408744 w 5277870"/>
+              <a:gd name="connsiteY24" fmla="*/ 5208171 h 6858000"/>
+              <a:gd name="connsiteX25" fmla="*/ 384011 w 5277870"/>
+              <a:gd name="connsiteY25" fmla="*/ 4993731 h 6858000"/>
+              <a:gd name="connsiteX26" fmla="*/ 355965 w 5277870"/>
+              <a:gd name="connsiteY26" fmla="*/ 4896399 h 6858000"/>
+              <a:gd name="connsiteX27" fmla="*/ 326244 w 5277870"/>
+              <a:gd name="connsiteY27" fmla="*/ 4838613 h 6858000"/>
+              <a:gd name="connsiteX28" fmla="*/ 312542 w 5277870"/>
+              <a:gd name="connsiteY28" fmla="*/ 4796522 h 6858000"/>
+              <a:gd name="connsiteX29" fmla="*/ 274747 w 5277870"/>
+              <a:gd name="connsiteY29" fmla="*/ 4672370 h 6858000"/>
+              <a:gd name="connsiteX30" fmla="*/ 259158 w 5277870"/>
+              <a:gd name="connsiteY30" fmla="*/ 4634253 h 6858000"/>
+              <a:gd name="connsiteX31" fmla="*/ 192785 w 5277870"/>
+              <a:gd name="connsiteY31" fmla="*/ 4549232 h 6858000"/>
+              <a:gd name="connsiteX32" fmla="*/ 136304 w 5277870"/>
+              <a:gd name="connsiteY32" fmla="*/ 4479912 h 6858000"/>
+              <a:gd name="connsiteX33" fmla="*/ 127433 w 5277870"/>
+              <a:gd name="connsiteY33" fmla="*/ 4376609 h 6858000"/>
+              <a:gd name="connsiteX34" fmla="*/ 90884 w 5277870"/>
+              <a:gd name="connsiteY34" fmla="*/ 4280257 h 6858000"/>
+              <a:gd name="connsiteX35" fmla="*/ 87020 w 5277870"/>
+              <a:gd name="connsiteY35" fmla="*/ 4208492 h 6858000"/>
+              <a:gd name="connsiteX36" fmla="*/ 111109 w 5277870"/>
+              <a:gd name="connsiteY36" fmla="*/ 4120636 h 6858000"/>
+              <a:gd name="connsiteX37" fmla="*/ 118542 w 5277870"/>
+              <a:gd name="connsiteY37" fmla="*/ 4116556 h 6858000"/>
+              <a:gd name="connsiteX38" fmla="*/ 117882 w 5277870"/>
+              <a:gd name="connsiteY38" fmla="*/ 4109625 h 6858000"/>
+              <a:gd name="connsiteX39" fmla="*/ 110577 w 5277870"/>
+              <a:gd name="connsiteY39" fmla="*/ 4105624 h 6858000"/>
+              <a:gd name="connsiteX40" fmla="*/ 111226 w 5277870"/>
+              <a:gd name="connsiteY40" fmla="*/ 4051441 h 6858000"/>
+              <a:gd name="connsiteX41" fmla="*/ 124729 w 5277870"/>
+              <a:gd name="connsiteY41" fmla="*/ 3988494 h 6858000"/>
+              <a:gd name="connsiteX42" fmla="*/ 98339 w 5277870"/>
+              <a:gd name="connsiteY42" fmla="*/ 3926485 h 6858000"/>
+              <a:gd name="connsiteX43" fmla="*/ 82808 w 5277870"/>
+              <a:gd name="connsiteY43" fmla="*/ 3857057 h 6858000"/>
+              <a:gd name="connsiteX44" fmla="*/ 73254 w 5277870"/>
+              <a:gd name="connsiteY44" fmla="*/ 3815650 h 6858000"/>
+              <a:gd name="connsiteX45" fmla="*/ 67891 w 5277870"/>
+              <a:gd name="connsiteY45" fmla="*/ 3696745 h 6858000"/>
+              <a:gd name="connsiteX46" fmla="*/ 85894 w 5277870"/>
+              <a:gd name="connsiteY46" fmla="*/ 3477814 h 6858000"/>
+              <a:gd name="connsiteX47" fmla="*/ 83529 w 5277870"/>
+              <a:gd name="connsiteY47" fmla="*/ 3375354 h 6858000"/>
+              <a:gd name="connsiteX48" fmla="*/ 86805 w 5277870"/>
+              <a:gd name="connsiteY48" fmla="*/ 3235494 h 6858000"/>
+              <a:gd name="connsiteX49" fmla="*/ 79332 w 5277870"/>
+              <a:gd name="connsiteY49" fmla="*/ 3111896 h 6858000"/>
+              <a:gd name="connsiteX50" fmla="*/ 69725 w 5277870"/>
+              <a:gd name="connsiteY50" fmla="*/ 3061665 h 6858000"/>
+              <a:gd name="connsiteX51" fmla="*/ 58409 w 5277870"/>
+              <a:gd name="connsiteY51" fmla="*/ 3026187 h 6858000"/>
+              <a:gd name="connsiteX52" fmla="*/ 52868 w 5277870"/>
+              <a:gd name="connsiteY52" fmla="*/ 2930097 h 6858000"/>
+              <a:gd name="connsiteX53" fmla="*/ 53405 w 5277870"/>
+              <a:gd name="connsiteY53" fmla="*/ 2768399 h 6858000"/>
+              <a:gd name="connsiteX54" fmla="*/ 51356 w 5277870"/>
+              <a:gd name="connsiteY54" fmla="*/ 2734615 h 6858000"/>
+              <a:gd name="connsiteX55" fmla="*/ 40996 w 5277870"/>
+              <a:gd name="connsiteY55" fmla="*/ 2708116 h 6858000"/>
+              <a:gd name="connsiteX56" fmla="*/ 31097 w 5277870"/>
+              <a:gd name="connsiteY56" fmla="*/ 2704185 h 6858000"/>
+              <a:gd name="connsiteX57" fmla="*/ 28589 w 5277870"/>
+              <a:gd name="connsiteY57" fmla="*/ 2686011 h 6858000"/>
+              <a:gd name="connsiteX58" fmla="*/ 13795 w 5277870"/>
+              <a:gd name="connsiteY58" fmla="*/ 2656504 h 6858000"/>
+              <a:gd name="connsiteX59" fmla="*/ 32108 w 5277870"/>
+              <a:gd name="connsiteY59" fmla="*/ 2589493 h 6858000"/>
+              <a:gd name="connsiteX60" fmla="*/ 32991 w 5277870"/>
+              <a:gd name="connsiteY60" fmla="*/ 2457617 h 6858000"/>
+              <a:gd name="connsiteX61" fmla="*/ 39071 w 5277870"/>
+              <a:gd name="connsiteY61" fmla="*/ 2210817 h 6858000"/>
+              <a:gd name="connsiteX62" fmla="*/ 19663 w 5277870"/>
+              <a:gd name="connsiteY62" fmla="*/ 1901521 h 6858000"/>
+              <a:gd name="connsiteX63" fmla="*/ 0 w 5277870"/>
+              <a:gd name="connsiteY63" fmla="*/ 1700722 h 6858000"/>
+              <a:gd name="connsiteX64" fmla="*/ 18023 w 5277870"/>
+              <a:gd name="connsiteY64" fmla="*/ 1661610 h 6858000"/>
+              <a:gd name="connsiteX65" fmla="*/ 24668 w 5277870"/>
+              <a:gd name="connsiteY65" fmla="*/ 1640073 h 6858000"/>
+              <a:gd name="connsiteX66" fmla="*/ 23087 w 5277870"/>
+              <a:gd name="connsiteY66" fmla="*/ 1637398 h 6858000"/>
+              <a:gd name="connsiteX67" fmla="*/ 23692 w 5277870"/>
+              <a:gd name="connsiteY67" fmla="*/ 1612248 h 6858000"/>
+              <a:gd name="connsiteX68" fmla="*/ 41914 w 5277870"/>
+              <a:gd name="connsiteY68" fmla="*/ 1498097 h 6858000"/>
+              <a:gd name="connsiteX69" fmla="*/ 40195 w 5277870"/>
+              <a:gd name="connsiteY69" fmla="*/ 1497364 h 6858000"/>
+              <a:gd name="connsiteX70" fmla="*/ 37070 w 5277870"/>
+              <a:gd name="connsiteY70" fmla="*/ 1490042 h 6858000"/>
+              <a:gd name="connsiteX71" fmla="*/ 55020 w 5277870"/>
+              <a:gd name="connsiteY71" fmla="*/ 1451416 h 6858000"/>
+              <a:gd name="connsiteX72" fmla="*/ 91616 w 5277870"/>
+              <a:gd name="connsiteY72" fmla="*/ 1281781 h 6858000"/>
+              <a:gd name="connsiteX73" fmla="*/ 166980 w 5277870"/>
+              <a:gd name="connsiteY73" fmla="*/ 1074754 h 6858000"/>
+              <a:gd name="connsiteX74" fmla="*/ 201075 w 5277870"/>
+              <a:gd name="connsiteY74" fmla="*/ 1019094 h 6858000"/>
+              <a:gd name="connsiteX75" fmla="*/ 237042 w 5277870"/>
+              <a:gd name="connsiteY75" fmla="*/ 938921 h 6858000"/>
+              <a:gd name="connsiteX76" fmla="*/ 295369 w 5277870"/>
+              <a:gd name="connsiteY76" fmla="*/ 815814 h 6858000"/>
+              <a:gd name="connsiteX77" fmla="*/ 411453 w 5277870"/>
+              <a:gd name="connsiteY77" fmla="*/ 584070 h 6858000"/>
+              <a:gd name="connsiteX78" fmla="*/ 436475 w 5277870"/>
+              <a:gd name="connsiteY78" fmla="*/ 461805 h 6858000"/>
+              <a:gd name="connsiteX79" fmla="*/ 468429 w 5277870"/>
+              <a:gd name="connsiteY79" fmla="*/ 360945 h 6858000"/>
+              <a:gd name="connsiteX80" fmla="*/ 470922 w 5277870"/>
+              <a:gd name="connsiteY80" fmla="*/ 226335 h 6858000"/>
+              <a:gd name="connsiteX81" fmla="*/ 499717 w 5277870"/>
+              <a:gd name="connsiteY81" fmla="*/ 51690 h 6858000"/>
+              <a:gd name="connsiteX82" fmla="*/ 497850 w 5277870"/>
+              <a:gd name="connsiteY82" fmla="*/ 22133 h 6858000"/>
+              <a:gd name="connsiteX83" fmla="*/ 487145 w 5277870"/>
+              <a:gd name="connsiteY83" fmla="*/ 1037 h 6858000"/>
+              <a:gd name="connsiteX84" fmla="*/ 487607 w 5277870"/>
+              <a:gd name="connsiteY84" fmla="*/ 0 h 6858000"/>
+            </a:gdLst>
+            <a:ahLst/>
+            <a:cxnLst>
+              <a:cxn ang="0">
+                <a:pos x="connsiteX0" y="connsiteY0"/>
+              </a:cxn>
+              <a:cxn ang="0">
+                <a:pos x="connsiteX1" y="connsiteY1"/>
+              </a:cxn>
+              <a:cxn ang="0">
+                <a:pos x="connsiteX2" y="connsiteY2"/>
+              </a:cxn>
+              <a:cxn ang="0">
+                <a:pos x="connsiteX3" y="connsiteY3"/>
+              </a:cxn>
+              <a:cxn ang="0">
+                <a:pos x="connsiteX4" y="connsiteY4"/>
+              </a:cxn>
+              <a:cxn ang="0">
+                <a:pos x="connsiteX5" y="connsiteY5"/>
+              </a:cxn>
+              <a:cxn ang="0">
+                <a:pos x="connsiteX6" y="connsiteY6"/>
+              </a:cxn>
+              <a:cxn ang="0">
+                <a:pos x="connsiteX7" y="connsiteY7"/>
+              </a:cxn>
+              <a:cxn ang="0">
+                <a:pos x="connsiteX8" y="connsiteY8"/>
+              </a:cxn>
+              <a:cxn ang="0">
+                <a:pos x="connsiteX9" y="connsiteY9"/>
+              </a:cxn>
+              <a:cxn ang="0">
+                <a:pos x="connsiteX10" y="connsiteY10"/>
+              </a:cxn>
+              <a:cxn ang="0">
+                <a:pos x="connsiteX11" y="connsiteY11"/>
+              </a:cxn>
+              <a:cxn ang="0">
+                <a:pos x="connsiteX12" y="connsiteY12"/>
+              </a:cxn>
+              <a:cxn ang="0">
+                <a:pos x="connsiteX13" y="connsiteY13"/>
+              </a:cxn>
+              <a:cxn ang="0">
+                <a:pos x="connsiteX14" y="connsiteY14"/>
+              </a:cxn>
+              <a:cxn ang="0">
+                <a:pos x="connsiteX15" y="connsiteY15"/>
+              </a:cxn>
+              <a:cxn ang="0">
+                <a:pos x="connsiteX16" y="connsiteY16"/>
+              </a:cxn>
+              <a:cxn ang="0">
+                <a:pos x="connsiteX17" y="connsiteY17"/>
+              </a:cxn>
+              <a:cxn ang="0">
+                <a:pos x="connsiteX18" y="connsiteY18"/>
+              </a:cxn>
+              <a:cxn ang="0">
+                <a:pos x="connsiteX19" y="connsiteY19"/>
+              </a:cxn>
+              <a:cxn ang="0">
+                <a:pos x="connsiteX20" y="connsiteY20"/>
+              </a:cxn>
+              <a:cxn ang="0">
+                <a:pos x="connsiteX21" y="connsiteY21"/>
+              </a:cxn>
+              <a:cxn ang="0">
+                <a:pos x="connsiteX22" y="connsiteY22"/>
+              </a:cxn>
+              <a:cxn ang="0">
+                <a:pos x="connsiteX23" y="connsiteY23"/>
+              </a:cxn>
+              <a:cxn ang="0">
+                <a:pos x="connsiteX24" y="connsiteY24"/>
+              </a:cxn>
+              <a:cxn ang="0">
+                <a:pos x="connsiteX25" y="connsiteY25"/>
+              </a:cxn>
+              <a:cxn ang="0">
+                <a:pos x="connsiteX26" y="connsiteY26"/>
+              </a:cxn>
+              <a:cxn ang="0">
+                <a:pos x="connsiteX27" y="connsiteY27"/>
+              </a:cxn>
+              <a:cxn ang="0">
+                <a:pos x="connsiteX28" y="connsiteY28"/>
+              </a:cxn>
+              <a:cxn ang="0">
+                <a:pos x="connsiteX29" y="connsiteY29"/>
+              </a:cxn>
+              <a:cxn ang="0">
+                <a:pos x="connsiteX30" y="connsiteY30"/>
+              </a:cxn>
+              <a:cxn ang="0">
+                <a:pos x="connsiteX31" y="connsiteY31"/>
+              </a:cxn>
+              <a:cxn ang="0">
+                <a:pos x="connsiteX32" y="connsiteY32"/>
+              </a:cxn>
+              <a:cxn ang="0">
+                <a:pos x="connsiteX33" y="connsiteY33"/>
+              </a:cxn>
+              <a:cxn ang="0">
+                <a:pos x="connsiteX34" y="connsiteY34"/>
+              </a:cxn>
+              <a:cxn ang="0">
+                <a:pos x="connsiteX35" y="connsiteY35"/>
+              </a:cxn>
+              <a:cxn ang="0">
+                <a:pos x="connsiteX36" y="connsiteY36"/>
+              </a:cxn>
+              <a:cxn ang="0">
+                <a:pos x="connsiteX37" y="connsiteY37"/>
+              </a:cxn>
+              <a:cxn ang="0">
+                <a:pos x="connsiteX38" y="connsiteY38"/>
+              </a:cxn>
+              <a:cxn ang="0">
+                <a:pos x="connsiteX39" y="connsiteY39"/>
+              </a:cxn>
+              <a:cxn ang="0">
+                <a:pos x="connsiteX40" y="connsiteY40"/>
+              </a:cxn>
+              <a:cxn ang="0">
+                <a:pos x="connsiteX41" y="connsiteY41"/>
+              </a:cxn>
+              <a:cxn ang="0">
+                <a:pos x="connsiteX42" y="connsiteY42"/>
+              </a:cxn>
+              <a:cxn ang="0">
+                <a:pos x="connsiteX43" y="connsiteY43"/>
+              </a:cxn>
+              <a:cxn ang="0">
+                <a:pos x="connsiteX44" y="connsiteY44"/>
+              </a:cxn>
+              <a:cxn ang="0">
+                <a:pos x="connsiteX45" y="connsiteY45"/>
+              </a:cxn>
+              <a:cxn ang="0">
+                <a:pos x="connsiteX46" y="connsiteY46"/>
+              </a:cxn>
+              <a:cxn ang="0">
+                <a:pos x="connsiteX47" y="connsiteY47"/>
+              </a:cxn>
+              <a:cxn ang="0">
+                <a:pos x="connsiteX48" y="connsiteY48"/>
+              </a:cxn>
+              <a:cxn ang="0">
+                <a:pos x="connsiteX49" y="connsiteY49"/>
+              </a:cxn>
+              <a:cxn ang="0">
+                <a:pos x="connsiteX50" y="connsiteY50"/>
+              </a:cxn>
+              <a:cxn ang="0">
+                <a:pos x="connsiteX51" y="connsiteY51"/>
+              </a:cxn>
+              <a:cxn ang="0">
+                <a:pos x="connsiteX52" y="connsiteY52"/>
+              </a:cxn>
+              <a:cxn ang="0">
+                <a:pos x="connsiteX53" y="connsiteY53"/>
+              </a:cxn>
+              <a:cxn ang="0">
+                <a:pos x="connsiteX54" y="connsiteY54"/>
+              </a:cxn>
+              <a:cxn ang="0">
+                <a:pos x="connsiteX55" y="connsiteY55"/>
+              </a:cxn>
+              <a:cxn ang="0">
+                <a:pos x="connsiteX56" y="connsiteY56"/>
+              </a:cxn>
+              <a:cxn ang="0">
+                <a:pos x="connsiteX57" y="connsiteY57"/>
+              </a:cxn>
+              <a:cxn ang="0">
+                <a:pos x="connsiteX58" y="connsiteY58"/>
+              </a:cxn>
+              <a:cxn ang="0">
+                <a:pos x="connsiteX59" y="connsiteY59"/>
+              </a:cxn>
+              <a:cxn ang="0">
+                <a:pos x="connsiteX60" y="connsiteY60"/>
+              </a:cxn>
+              <a:cxn ang="0">
+                <a:pos x="connsiteX61" y="connsiteY61"/>
+              </a:cxn>
+              <a:cxn ang="0">
+                <a:pos x="connsiteX62" y="connsiteY62"/>
+              </a:cxn>
+              <a:cxn ang="0">
+                <a:pos x="connsiteX63" y="connsiteY63"/>
+              </a:cxn>
+              <a:cxn ang="0">
+                <a:pos x="connsiteX64" y="connsiteY64"/>
+              </a:cxn>
+              <a:cxn ang="0">
+                <a:pos x="connsiteX65" y="connsiteY65"/>
+              </a:cxn>
+              <a:cxn ang="0">
+                <a:pos x="connsiteX66" y="connsiteY66"/>
+              </a:cxn>
+              <a:cxn ang="0">
+                <a:pos x="connsiteX67" y="connsiteY67"/>
+              </a:cxn>
+              <a:cxn ang="0">
+                <a:pos x="connsiteX68" y="connsiteY68"/>
+              </a:cxn>
+              <a:cxn ang="0">
+                <a:pos x="connsiteX69" y="connsiteY69"/>
+              </a:cxn>
+              <a:cxn ang="0">
+                <a:pos x="connsiteX70" y="connsiteY70"/>
+              </a:cxn>
+              <a:cxn ang="0">
+                <a:pos x="connsiteX71" y="connsiteY71"/>
+              </a:cxn>
+              <a:cxn ang="0">
+                <a:pos x="connsiteX72" y="connsiteY72"/>
+              </a:cxn>
+              <a:cxn ang="0">
+                <a:pos x="connsiteX73" y="connsiteY73"/>
+              </a:cxn>
+              <a:cxn ang="0">
+                <a:pos x="connsiteX74" y="connsiteY74"/>
+              </a:cxn>
+              <a:cxn ang="0">
+                <a:pos x="connsiteX75" y="connsiteY75"/>
+              </a:cxn>
+              <a:cxn ang="0">
+                <a:pos x="connsiteX76" y="connsiteY76"/>
+              </a:cxn>
+              <a:cxn ang="0">
+                <a:pos x="connsiteX77" y="connsiteY77"/>
+              </a:cxn>
+              <a:cxn ang="0">
+                <a:pos x="connsiteX78" y="connsiteY78"/>
+              </a:cxn>
+              <a:cxn ang="0">
+                <a:pos x="connsiteX79" y="connsiteY79"/>
+              </a:cxn>
+              <a:cxn ang="0">
+                <a:pos x="connsiteX80" y="connsiteY80"/>
+              </a:cxn>
+              <a:cxn ang="0">
+                <a:pos x="connsiteX81" y="connsiteY81"/>
+              </a:cxn>
+              <a:cxn ang="0">
+                <a:pos x="connsiteX82" y="connsiteY82"/>
+              </a:cxn>
+              <a:cxn ang="0">
+                <a:pos x="connsiteX83" y="connsiteY83"/>
+              </a:cxn>
+              <a:cxn ang="0">
+                <a:pos x="connsiteX84" y="connsiteY84"/>
+              </a:cxn>
+            </a:cxnLst>
+            <a:rect l="l" t="t" r="r" b="b"/>
+            <a:pathLst>
+              <a:path w="5277870" h="6858000">
+                <a:moveTo>
+                  <a:pt x="487607" y="0"/>
+                </a:moveTo>
+                <a:lnTo>
+                  <a:pt x="5277870" y="0"/>
+                </a:lnTo>
+                <a:lnTo>
+                  <a:pt x="5277870" y="6858000"/>
+                </a:lnTo>
+                <a:lnTo>
+                  <a:pt x="893273" y="6857998"/>
+                </a:lnTo>
+                <a:lnTo>
+                  <a:pt x="876958" y="6843615"/>
+                </a:lnTo>
+                <a:lnTo>
+                  <a:pt x="848451" y="6800899"/>
+                </a:lnTo>
+                <a:lnTo>
+                  <a:pt x="827952" y="6765441"/>
+                </a:lnTo>
+                <a:cubicBezTo>
+                  <a:pt x="827507" y="6750832"/>
+                  <a:pt x="798355" y="6753978"/>
+                  <a:pt x="799830" y="6739541"/>
+                </a:cubicBezTo>
+                <a:cubicBezTo>
+                  <a:pt x="786503" y="6723280"/>
+                  <a:pt x="803673" y="6682742"/>
+                  <a:pt x="789686" y="6673829"/>
+                </a:cubicBezTo>
+                <a:cubicBezTo>
+                  <a:pt x="776006" y="6657903"/>
+                  <a:pt x="778015" y="6625745"/>
+                  <a:pt x="765406" y="6620155"/>
+                </a:cubicBezTo>
+                <a:lnTo>
+                  <a:pt x="720302" y="6610437"/>
+                </a:lnTo>
+                <a:lnTo>
+                  <a:pt x="720839" y="6596307"/>
+                </a:lnTo>
+                <a:lnTo>
+                  <a:pt x="737648" y="6536039"/>
+                </a:lnTo>
+                <a:cubicBezTo>
+                  <a:pt x="731713" y="6378236"/>
+                  <a:pt x="664893" y="6350780"/>
+                  <a:pt x="674147" y="6239239"/>
+                </a:cubicBezTo>
+                <a:cubicBezTo>
+                  <a:pt x="668193" y="6196030"/>
+                  <a:pt x="677776" y="6168747"/>
+                  <a:pt x="660239" y="6116986"/>
+                </a:cubicBezTo>
+                <a:cubicBezTo>
+                  <a:pt x="693882" y="6035788"/>
+                  <a:pt x="626477" y="5971885"/>
+                  <a:pt x="632472" y="5895434"/>
+                </a:cubicBezTo>
+                <a:cubicBezTo>
+                  <a:pt x="571936" y="5884249"/>
+                  <a:pt x="624704" y="5880776"/>
+                  <a:pt x="606181" y="5848019"/>
+                </a:cubicBezTo>
+                <a:cubicBezTo>
+                  <a:pt x="593885" y="5819164"/>
+                  <a:pt x="572509" y="5775628"/>
+                  <a:pt x="558708" y="5722306"/>
+                </a:cubicBezTo>
+                <a:cubicBezTo>
+                  <a:pt x="551746" y="5685812"/>
+                  <a:pt x="532346" y="5564008"/>
+                  <a:pt x="523366" y="5528085"/>
+                </a:cubicBezTo>
+                <a:cubicBezTo>
+                  <a:pt x="518594" y="5519172"/>
+                  <a:pt x="523045" y="5505250"/>
+                  <a:pt x="504822" y="5506768"/>
+                </a:cubicBezTo>
+                <a:cubicBezTo>
+                  <a:pt x="482648" y="5506487"/>
+                  <a:pt x="511311" y="5459433"/>
+                  <a:pt x="486823" y="5473318"/>
+                </a:cubicBezTo>
+                <a:cubicBezTo>
+                  <a:pt x="506358" y="5440194"/>
+                  <a:pt x="459463" y="5435836"/>
+                  <a:pt x="445965" y="5418521"/>
+                </a:cubicBezTo>
+                <a:cubicBezTo>
+                  <a:pt x="465954" y="5390815"/>
+                  <a:pt x="417921" y="5381811"/>
+                  <a:pt x="406875" y="5337536"/>
+                </a:cubicBezTo>
+                <a:cubicBezTo>
+                  <a:pt x="430123" y="5306619"/>
+                  <a:pt x="399081" y="5307846"/>
+                  <a:pt x="428541" y="5255190"/>
+                </a:cubicBezTo>
+                <a:cubicBezTo>
+                  <a:pt x="428852" y="5233629"/>
+                  <a:pt x="407502" y="5247189"/>
+                  <a:pt x="408744" y="5208171"/>
+                </a:cubicBezTo>
+                <a:cubicBezTo>
+                  <a:pt x="406613" y="5154483"/>
+                  <a:pt x="390295" y="5051554"/>
+                  <a:pt x="384011" y="4993731"/>
+                </a:cubicBezTo>
+                <a:cubicBezTo>
+                  <a:pt x="373186" y="4967089"/>
+                  <a:pt x="370884" y="4912140"/>
+                  <a:pt x="355965" y="4896399"/>
+                </a:cubicBezTo>
+                <a:cubicBezTo>
+                  <a:pt x="355837" y="4852829"/>
+                  <a:pt x="351078" y="4813709"/>
+                  <a:pt x="326244" y="4838613"/>
+                </a:cubicBezTo>
+                <a:cubicBezTo>
+                  <a:pt x="299018" y="4831439"/>
+                  <a:pt x="336627" y="4804968"/>
+                  <a:pt x="312542" y="4796522"/>
+                </a:cubicBezTo>
+                <a:lnTo>
+                  <a:pt x="274747" y="4672370"/>
+                </a:lnTo>
+                <a:cubicBezTo>
+                  <a:pt x="286762" y="4649487"/>
+                  <a:pt x="276585" y="4640072"/>
+                  <a:pt x="259158" y="4634253"/>
+                </a:cubicBezTo>
+                <a:cubicBezTo>
+                  <a:pt x="255297" y="4595381"/>
+                  <a:pt x="210632" y="4586807"/>
+                  <a:pt x="192785" y="4549232"/>
+                </a:cubicBezTo>
+                <a:cubicBezTo>
+                  <a:pt x="175514" y="4501329"/>
+                  <a:pt x="155204" y="4520147"/>
+                  <a:pt x="136304" y="4479912"/>
+                </a:cubicBezTo>
+                <a:lnTo>
+                  <a:pt x="127433" y="4376609"/>
+                </a:lnTo>
+                <a:cubicBezTo>
+                  <a:pt x="119863" y="4343333"/>
+                  <a:pt x="97619" y="4308276"/>
+                  <a:pt x="90884" y="4280257"/>
+                </a:cubicBezTo>
+                <a:cubicBezTo>
+                  <a:pt x="94219" y="4220025"/>
+                  <a:pt x="104684" y="4233011"/>
+                  <a:pt x="87020" y="4208492"/>
+                </a:cubicBezTo>
+                <a:cubicBezTo>
+                  <a:pt x="95065" y="4180444"/>
+                  <a:pt x="129022" y="4152083"/>
+                  <a:pt x="111109" y="4120636"/>
+                </a:cubicBezTo>
+                <a:cubicBezTo>
+                  <a:pt x="115978" y="4121934"/>
+                  <a:pt x="117998" y="4120145"/>
+                  <a:pt x="118542" y="4116556"/>
+                </a:cubicBezTo>
+                <a:cubicBezTo>
+                  <a:pt x="118321" y="4114246"/>
+                  <a:pt x="118101" y="4111935"/>
+                  <a:pt x="117882" y="4109625"/>
+                </a:cubicBezTo>
+                <a:lnTo>
+                  <a:pt x="110577" y="4105624"/>
+                </a:lnTo>
+                <a:cubicBezTo>
+                  <a:pt x="85114" y="4088878"/>
+                  <a:pt x="113587" y="4082596"/>
+                  <a:pt x="111226" y="4051441"/>
+                </a:cubicBezTo>
+                <a:cubicBezTo>
+                  <a:pt x="111638" y="4036628"/>
+                  <a:pt x="118512" y="3985548"/>
+                  <a:pt x="124729" y="3988494"/>
+                </a:cubicBezTo>
+                <a:lnTo>
+                  <a:pt x="98339" y="3926485"/>
+                </a:lnTo>
+                <a:cubicBezTo>
+                  <a:pt x="120456" y="3887663"/>
+                  <a:pt x="82381" y="3893685"/>
+                  <a:pt x="82808" y="3857057"/>
+                </a:cubicBezTo>
+                <a:cubicBezTo>
+                  <a:pt x="89625" y="3836374"/>
+                  <a:pt x="88641" y="3824518"/>
+                  <a:pt x="73254" y="3815650"/>
+                </a:cubicBezTo>
+                <a:cubicBezTo>
+                  <a:pt x="107452" y="3718923"/>
+                  <a:pt x="64680" y="3772318"/>
+                  <a:pt x="67891" y="3696745"/>
+                </a:cubicBezTo>
+                <a:cubicBezTo>
+                  <a:pt x="73347" y="3630391"/>
+                  <a:pt x="83288" y="3531379"/>
+                  <a:pt x="85894" y="3477814"/>
+                </a:cubicBezTo>
+                <a:cubicBezTo>
+                  <a:pt x="88500" y="3424249"/>
+                  <a:pt x="86217" y="3377198"/>
+                  <a:pt x="83529" y="3375354"/>
+                </a:cubicBezTo>
+                <a:cubicBezTo>
+                  <a:pt x="83101" y="3339059"/>
+                  <a:pt x="90016" y="3285266"/>
+                  <a:pt x="86805" y="3235494"/>
+                </a:cubicBezTo>
+                <a:cubicBezTo>
+                  <a:pt x="78762" y="3207446"/>
+                  <a:pt x="61419" y="3143345"/>
+                  <a:pt x="79332" y="3111896"/>
+                </a:cubicBezTo>
+                <a:cubicBezTo>
+                  <a:pt x="59856" y="3117096"/>
+                  <a:pt x="85974" y="3072872"/>
+                  <a:pt x="69725" y="3061665"/>
+                </a:cubicBezTo>
+                <a:cubicBezTo>
+                  <a:pt x="56184" y="3054621"/>
+                  <a:pt x="60953" y="3039562"/>
+                  <a:pt x="58409" y="3026187"/>
+                </a:cubicBezTo>
+                <a:cubicBezTo>
+                  <a:pt x="45869" y="3013333"/>
+                  <a:pt x="46112" y="2950064"/>
+                  <a:pt x="52868" y="2930097"/>
+                </a:cubicBezTo>
+                <a:cubicBezTo>
+                  <a:pt x="80421" y="2876459"/>
+                  <a:pt x="32874" y="2811741"/>
+                  <a:pt x="53405" y="2768399"/>
+                </a:cubicBezTo>
+                <a:cubicBezTo>
+                  <a:pt x="54801" y="2755814"/>
+                  <a:pt x="53816" y="2744722"/>
+                  <a:pt x="51356" y="2734615"/>
+                </a:cubicBezTo>
+                <a:lnTo>
+                  <a:pt x="40996" y="2708116"/>
+                </a:lnTo>
+                <a:lnTo>
+                  <a:pt x="31097" y="2704185"/>
+                </a:lnTo>
+                <a:lnTo>
+                  <a:pt x="28589" y="2686011"/>
+                </a:lnTo>
+                <a:lnTo>
+                  <a:pt x="13795" y="2656504"/>
+                </a:lnTo>
+                <a:cubicBezTo>
+                  <a:pt x="56166" y="2648211"/>
+                  <a:pt x="-6214" y="2580540"/>
+                  <a:pt x="32108" y="2589493"/>
+                </a:cubicBezTo>
+                <a:cubicBezTo>
+                  <a:pt x="22039" y="2539863"/>
+                  <a:pt x="41060" y="2531259"/>
+                  <a:pt x="32991" y="2457617"/>
+                </a:cubicBezTo>
+                <a:cubicBezTo>
+                  <a:pt x="45635" y="2365891"/>
+                  <a:pt x="40786" y="2284833"/>
+                  <a:pt x="39071" y="2210817"/>
+                </a:cubicBezTo>
+                <a:cubicBezTo>
+                  <a:pt x="39941" y="2106412"/>
+                  <a:pt x="22396" y="1993081"/>
+                  <a:pt x="19663" y="1901521"/>
+                </a:cubicBezTo>
+                <a:cubicBezTo>
+                  <a:pt x="10670" y="1826286"/>
+                  <a:pt x="4249" y="1796783"/>
+                  <a:pt x="0" y="1700722"/>
+                </a:cubicBezTo>
+                <a:cubicBezTo>
+                  <a:pt x="5587" y="1695223"/>
+                  <a:pt x="14814" y="1668682"/>
+                  <a:pt x="18023" y="1661610"/>
+                </a:cubicBezTo>
+                <a:lnTo>
+                  <a:pt x="24668" y="1640073"/>
+                </a:lnTo>
+                <a:lnTo>
+                  <a:pt x="23087" y="1637398"/>
+                </a:lnTo>
+                <a:cubicBezTo>
+                  <a:pt x="19812" y="1625364"/>
+                  <a:pt x="20811" y="1617807"/>
+                  <a:pt x="23692" y="1612248"/>
+                </a:cubicBezTo>
+                <a:lnTo>
+                  <a:pt x="41914" y="1498097"/>
+                </a:lnTo>
+                <a:lnTo>
+                  <a:pt x="40195" y="1497364"/>
+                </a:lnTo>
+                <a:lnTo>
+                  <a:pt x="37070" y="1490042"/>
+                </a:lnTo>
+                <a:lnTo>
+                  <a:pt x="55020" y="1451416"/>
+                </a:lnTo>
+                <a:cubicBezTo>
+                  <a:pt x="73102" y="1417430"/>
+                  <a:pt x="80421" y="1313985"/>
+                  <a:pt x="91616" y="1281781"/>
+                </a:cubicBezTo>
+                <a:cubicBezTo>
+                  <a:pt x="137974" y="1171345"/>
+                  <a:pt x="146547" y="1130634"/>
+                  <a:pt x="166980" y="1074754"/>
+                </a:cubicBezTo>
+                <a:cubicBezTo>
+                  <a:pt x="181651" y="1040817"/>
+                  <a:pt x="190408" y="1034723"/>
+                  <a:pt x="201075" y="1019094"/>
+                </a:cubicBezTo>
+                <a:cubicBezTo>
+                  <a:pt x="207201" y="1005265"/>
+                  <a:pt x="260932" y="958184"/>
+                  <a:pt x="237042" y="938921"/>
+                </a:cubicBezTo>
+                <a:cubicBezTo>
+                  <a:pt x="287348" y="869297"/>
+                  <a:pt x="265291" y="876942"/>
+                  <a:pt x="295369" y="815814"/>
+                </a:cubicBezTo>
+                <a:cubicBezTo>
+                  <a:pt x="329951" y="751141"/>
+                  <a:pt x="383834" y="609442"/>
+                  <a:pt x="411453" y="584070"/>
+                </a:cubicBezTo>
+                <a:cubicBezTo>
+                  <a:pt x="438653" y="530431"/>
+                  <a:pt x="423178" y="516020"/>
+                  <a:pt x="436475" y="461805"/>
+                </a:cubicBezTo>
+                <a:cubicBezTo>
+                  <a:pt x="454281" y="438996"/>
+                  <a:pt x="448264" y="386523"/>
+                  <a:pt x="468429" y="360945"/>
+                </a:cubicBezTo>
+                <a:cubicBezTo>
+                  <a:pt x="474686" y="267247"/>
+                  <a:pt x="468220" y="285413"/>
+                  <a:pt x="470922" y="226335"/>
+                </a:cubicBezTo>
+                <a:cubicBezTo>
+                  <a:pt x="481883" y="180653"/>
+                  <a:pt x="495229" y="85724"/>
+                  <a:pt x="499717" y="51690"/>
+                </a:cubicBezTo>
+                <a:cubicBezTo>
+                  <a:pt x="482601" y="39734"/>
+                  <a:pt x="492651" y="34426"/>
+                  <a:pt x="497850" y="22133"/>
+                </a:cubicBezTo>
+                <a:cubicBezTo>
+                  <a:pt x="482148" y="14444"/>
+                  <a:pt x="483752" y="7720"/>
+                  <a:pt x="487145" y="1037"/>
+                </a:cubicBezTo>
+                <a:lnTo>
+                  <a:pt x="487607" y="0"/>
+                </a:lnTo>
+                <a:close/>
+              </a:path>
+            </a:pathLst>
+          </a:custGeom>
+          <a:solidFill>
+            <a:srgbClr val="82766A">
+              <a:alpha val="15000"/>
+            </a:srgbClr>
+          </a:solidFill>
+          <a:ln>
+            <a:noFill/>
+          </a:ln>
+        </p:spPr>
+        <p:style>
+          <a:lnRef idx="2">
+            <a:schemeClr val="accent1">
+              <a:shade val="50000"/>
+            </a:schemeClr>
+          </a:lnRef>
+          <a:fillRef idx="1">
+            <a:schemeClr val="accent1"/>
+          </a:fillRef>
+          <a:effectRef idx="0">
+            <a:schemeClr val="accent1"/>
+          </a:effectRef>
+          <a:fontRef idx="minor">
+            <a:schemeClr val="lt1"/>
+          </a:fontRef>
+        </p:style>
+        <p:txBody>
+          <a:bodyPr wrap="square" rtlCol="0" anchor="ctr">
+            <a:noAutofit/>
+          </a:bodyPr>
+          <a:lstStyle/>
+          <a:p>
+            <a:pPr algn="ctr"/>
+            <a:endParaRPr lang="en-US"/>
+          </a:p>
+        </p:txBody>
+      </p:sp>
+      <p:sp>
+        <p:nvSpPr>
+          <p:cNvPr id="2" name="Titel 1">
+            <a:extLst>
+              <a:ext uri="{FF2B5EF4-FFF2-40B4-BE49-F238E27FC236}">
+                <a16:creationId xmlns:a16="http://schemas.microsoft.com/office/drawing/2014/main" id="{5EBB44C9-DADD-C92D-5543-9FC66993A8A0}"/>
+              </a:ext>
+            </a:extLst>
+          </p:cNvPr>
+          <p:cNvSpPr>
+            <a:spLocks noGrp="1"/>
+          </p:cNvSpPr>
+          <p:nvPr>
+            <p:ph type="title"/>
+          </p:nvPr>
+        </p:nvSpPr>
+        <p:spPr>
+          <a:xfrm>
+            <a:off x="709684" y="1562100"/>
+            <a:ext cx="3795642" cy="3733800"/>
+          </a:xfrm>
+        </p:spPr>
+        <p:txBody>
+          <a:bodyPr>
+            <a:normAutofit/>
+          </a:bodyPr>
+          <a:lstStyle/>
+          <a:p>
+            <a:pPr algn="ctr"/>
+            <a:r>
+              <a:rPr lang="de-AT" dirty="0"/>
+              <a:t>Weiteres Vorgehen</a:t>
+            </a:r>
+            <a:endParaRPr lang="de-AT"/>
+          </a:p>
+        </p:txBody>
+      </p:sp>
+      <p:sp>
+        <p:nvSpPr>
+          <p:cNvPr id="3" name="Inhaltsplatzhalter 2">
+            <a:extLst>
+              <a:ext uri="{FF2B5EF4-FFF2-40B4-BE49-F238E27FC236}">
+                <a16:creationId xmlns:a16="http://schemas.microsoft.com/office/drawing/2014/main" id="{B85D11DE-E5B7-9C2D-2685-ABD13DF4EB77}"/>
+              </a:ext>
+            </a:extLst>
+          </p:cNvPr>
+          <p:cNvSpPr>
+            <a:spLocks noGrp="1"/>
+          </p:cNvSpPr>
+          <p:nvPr>
+            <p:ph idx="1"/>
+          </p:nvPr>
+        </p:nvSpPr>
+        <p:spPr>
+          <a:xfrm>
+            <a:off x="6149995" y="733425"/>
+            <a:ext cx="4889480" cy="5391150"/>
+          </a:xfrm>
+        </p:spPr>
+        <p:txBody>
+          <a:bodyPr anchor="ctr">
+            <a:normAutofit/>
+          </a:bodyPr>
+          <a:lstStyle/>
+          <a:p>
+            <a:pPr marR="0" lvl="0" fontAlgn="base">
+              <a:lnSpc>
+                <a:spcPct val="90000"/>
+              </a:lnSpc>
+              <a:spcAft>
+                <a:spcPct val="0"/>
+              </a:spcAft>
+              <a:buClrTx/>
+              <a:tabLst/>
+            </a:pPr>
+            <a:r>
+              <a:rPr lang="de-DE" altLang="de-DE" b="1" i="1" dirty="0"/>
+              <a:t>Backend:</a:t>
+            </a:r>
+            <a:endParaRPr lang="de-DE" altLang="de-DE" b="1" i="1"/>
+          </a:p>
+          <a:p>
+            <a:pPr marR="0" lvl="0" fontAlgn="base">
+              <a:lnSpc>
+                <a:spcPct val="90000"/>
+              </a:lnSpc>
+              <a:spcAft>
+                <a:spcPct val="0"/>
+              </a:spcAft>
+              <a:buClrTx/>
+              <a:buFont typeface="Symbol" panose="05050102010706020507" pitchFamily="18" charset="2"/>
+              <a:buChar char="-"/>
+              <a:tabLst/>
+            </a:pPr>
+            <a:r>
+              <a:rPr lang="de-DE" altLang="de-DE" dirty="0"/>
+              <a:t>Erweiterung der Rezeptdatenbank.</a:t>
+            </a:r>
+            <a:endParaRPr lang="de-DE" altLang="de-DE"/>
+          </a:p>
+          <a:p>
+            <a:pPr marR="0" lvl="0" fontAlgn="base">
+              <a:lnSpc>
+                <a:spcPct val="90000"/>
+              </a:lnSpc>
+              <a:spcAft>
+                <a:spcPct val="0"/>
+              </a:spcAft>
+              <a:buClrTx/>
+              <a:buFont typeface="Symbol" panose="05050102010706020507" pitchFamily="18" charset="2"/>
+              <a:buChar char="-"/>
+              <a:tabLst/>
+            </a:pPr>
+            <a:r>
+              <a:rPr lang="de-DE" altLang="de-DE" dirty="0"/>
+              <a:t>Optimierung der API-Performance.</a:t>
+            </a:r>
+            <a:endParaRPr lang="de-DE" altLang="de-DE"/>
+          </a:p>
+          <a:p>
+            <a:pPr marR="0" lvl="0" fontAlgn="base">
+              <a:lnSpc>
+                <a:spcPct val="90000"/>
+              </a:lnSpc>
+              <a:spcAft>
+                <a:spcPct val="0"/>
+              </a:spcAft>
+              <a:buClrTx/>
+              <a:tabLst/>
+            </a:pPr>
+            <a:r>
+              <a:rPr lang="de-DE" altLang="de-DE" b="1" i="1" dirty="0"/>
+              <a:t>Frontend:</a:t>
+            </a:r>
+            <a:endParaRPr lang="de-DE" altLang="de-DE" b="1" i="1"/>
+          </a:p>
+          <a:p>
+            <a:pPr marR="0" lvl="0" fontAlgn="base">
+              <a:lnSpc>
+                <a:spcPct val="90000"/>
+              </a:lnSpc>
+              <a:spcAft>
+                <a:spcPct val="0"/>
+              </a:spcAft>
+              <a:buClrTx/>
+              <a:buFont typeface="Symbol" panose="05050102010706020507" pitchFamily="18" charset="2"/>
+              <a:buChar char="-"/>
+              <a:tabLst/>
+            </a:pPr>
+            <a:r>
+              <a:rPr lang="de-DE" altLang="de-DE" dirty="0"/>
+              <a:t>Verbesserung des Designs basierend auf Feedback.</a:t>
+            </a:r>
+            <a:endParaRPr lang="de-DE" altLang="de-DE"/>
+          </a:p>
+          <a:p>
+            <a:pPr marR="0" lvl="0" fontAlgn="base">
+              <a:lnSpc>
+                <a:spcPct val="90000"/>
+              </a:lnSpc>
+              <a:spcAft>
+                <a:spcPct val="0"/>
+              </a:spcAft>
+              <a:buClrTx/>
+              <a:buFont typeface="Symbol" panose="05050102010706020507" pitchFamily="18" charset="2"/>
+              <a:buChar char="-"/>
+              <a:tabLst/>
+            </a:pPr>
+            <a:r>
+              <a:rPr lang="de-DE" altLang="de-DE" dirty="0"/>
+              <a:t>Integration von API und Frontend.</a:t>
+            </a:r>
+            <a:endParaRPr lang="de-DE" altLang="de-DE"/>
+          </a:p>
+          <a:p>
+            <a:pPr marR="0" lvl="0" fontAlgn="base">
+              <a:lnSpc>
+                <a:spcPct val="90000"/>
+              </a:lnSpc>
+              <a:spcAft>
+                <a:spcPct val="0"/>
+              </a:spcAft>
+              <a:buClrTx/>
+              <a:tabLst/>
+            </a:pPr>
+            <a:r>
+              <a:rPr lang="de-DE" altLang="de-DE" b="1" i="1" dirty="0" err="1"/>
+              <a:t>Testing</a:t>
+            </a:r>
+            <a:r>
+              <a:rPr lang="de-DE" altLang="de-DE" b="1" i="1" dirty="0"/>
+              <a:t>:</a:t>
+            </a:r>
+            <a:endParaRPr lang="de-DE" altLang="de-DE" b="1" i="1"/>
+          </a:p>
+          <a:p>
+            <a:pPr marR="0" lvl="0" fontAlgn="base">
+              <a:lnSpc>
+                <a:spcPct val="90000"/>
+              </a:lnSpc>
+              <a:spcAft>
+                <a:spcPct val="0"/>
+              </a:spcAft>
+              <a:buClrTx/>
+              <a:buFont typeface="Symbol" panose="05050102010706020507" pitchFamily="18" charset="2"/>
+              <a:buChar char="-"/>
+              <a:tabLst/>
+            </a:pPr>
+            <a:r>
+              <a:rPr lang="de-DE" altLang="de-DE" dirty="0"/>
+              <a:t>Durchführung von End-</a:t>
+            </a:r>
+            <a:r>
+              <a:rPr lang="de-DE" altLang="de-DE" dirty="0" err="1"/>
+              <a:t>to</a:t>
+            </a:r>
+            <a:r>
+              <a:rPr lang="de-DE" altLang="de-DE" dirty="0"/>
+              <a:t>-End-Tests.</a:t>
+            </a:r>
+            <a:endParaRPr lang="de-DE" altLang="de-DE"/>
+          </a:p>
+          <a:p>
+            <a:pPr marR="0" lvl="0" fontAlgn="base">
+              <a:lnSpc>
+                <a:spcPct val="90000"/>
+              </a:lnSpc>
+              <a:spcAft>
+                <a:spcPct val="0"/>
+              </a:spcAft>
+              <a:buClrTx/>
+              <a:buFont typeface="Symbol" panose="05050102010706020507" pitchFamily="18" charset="2"/>
+              <a:buChar char="-"/>
+              <a:tabLst/>
+            </a:pPr>
+            <a:r>
+              <a:rPr lang="de-DE" altLang="de-DE" dirty="0"/>
+              <a:t>Feedback von Testnutzern einholen.</a:t>
+            </a:r>
+            <a:endParaRPr lang="de-DE" altLang="de-DE"/>
+          </a:p>
+          <a:p>
+            <a:pPr marR="0" lvl="0" fontAlgn="base">
+              <a:lnSpc>
+                <a:spcPct val="90000"/>
+              </a:lnSpc>
+              <a:spcAft>
+                <a:spcPct val="0"/>
+              </a:spcAft>
+              <a:buClrTx/>
+              <a:tabLst/>
+            </a:pPr>
+            <a:r>
+              <a:rPr lang="de-DE" altLang="de-DE" b="1" i="1" dirty="0"/>
+              <a:t>Dokumentation:</a:t>
+            </a:r>
+            <a:endParaRPr lang="de-DE" altLang="de-DE" b="1" i="1"/>
+          </a:p>
+          <a:p>
+            <a:pPr marR="0" lvl="0" fontAlgn="base">
+              <a:lnSpc>
+                <a:spcPct val="90000"/>
+              </a:lnSpc>
+              <a:spcAft>
+                <a:spcPct val="0"/>
+              </a:spcAft>
+              <a:buClrTx/>
+              <a:buFont typeface="Symbol" panose="05050102010706020507" pitchFamily="18" charset="2"/>
+              <a:buChar char="-"/>
+              <a:tabLst/>
+            </a:pPr>
+            <a:r>
+              <a:rPr lang="de-DE" altLang="de-DE" dirty="0"/>
+              <a:t>Projektabschlussdokumentation erstellen.</a:t>
+            </a:r>
+            <a:endParaRPr lang="de-DE" altLang="de-DE"/>
+          </a:p>
+          <a:p>
+            <a:pPr marR="0" lvl="0" fontAlgn="base">
+              <a:lnSpc>
+                <a:spcPct val="90000"/>
+              </a:lnSpc>
+              <a:spcAft>
+                <a:spcPct val="0"/>
+              </a:spcAft>
+              <a:buClrTx/>
+              <a:buFont typeface="Symbol" panose="05050102010706020507" pitchFamily="18" charset="2"/>
+              <a:buChar char="-"/>
+              <a:tabLst/>
+            </a:pPr>
+            <a:r>
+              <a:rPr lang="de-DE" altLang="de-DE" dirty="0"/>
+              <a:t>Fertigstellung bis Semesterende (xx.xx.2024).</a:t>
+            </a:r>
+            <a:endParaRPr lang="de-DE" altLang="de-DE"/>
+          </a:p>
+          <a:p>
+            <a:pPr>
+              <a:lnSpc>
+                <a:spcPct val="90000"/>
+              </a:lnSpc>
+            </a:pPr>
             <a:endParaRPr lang="de-AT"/>
           </a:p>
         </p:txBody>
@@ -6960,7 +11070,661 @@
     </p:spTree>
     <p:extLst>
       <p:ext uri="{BB962C8B-B14F-4D97-AF65-F5344CB8AC3E}">
-        <p14:creationId xmlns:p14="http://schemas.microsoft.com/office/powerpoint/2010/main" val="3120912799"/>
+        <p14:creationId xmlns:p14="http://schemas.microsoft.com/office/powerpoint/2010/main" val="691884223"/>
+      </p:ext>
+    </p:extLst>
+  </p:cSld>
+  <p:clrMapOvr>
+    <a:masterClrMapping/>
+  </p:clrMapOvr>
+</p:sld>
+</file>
+
+<file path=ppt/slides/slide7.xml><?xml version="1.0" encoding="utf-8"?>
+<p:sld xmlns:a="http://schemas.openxmlformats.org/drawingml/2006/main" xmlns:r="http://schemas.openxmlformats.org/officeDocument/2006/relationships" xmlns:p="http://schemas.openxmlformats.org/presentationml/2006/main">
+  <p:cSld>
+    <p:bg>
+      <p:bgPr>
+        <a:solidFill>
+          <a:schemeClr val="bg1"/>
+        </a:solidFill>
+        <a:effectLst/>
+      </p:bgPr>
+    </p:bg>
+    <p:spTree>
+      <p:nvGrpSpPr>
+        <p:cNvPr id="1" name=""/>
+        <p:cNvGrpSpPr/>
+        <p:nvPr/>
+      </p:nvGrpSpPr>
+      <p:grpSpPr>
+        <a:xfrm>
+          <a:off x="0" y="0"/>
+          <a:ext cx="0" cy="0"/>
+          <a:chOff x="0" y="0"/>
+          <a:chExt cx="0" cy="0"/>
+        </a:xfrm>
+      </p:grpSpPr>
+      <p:sp useBgFill="1">
+        <p:nvSpPr>
+          <p:cNvPr id="9" name="Rectangle 8">
+            <a:extLst>
+              <a:ext uri="{FF2B5EF4-FFF2-40B4-BE49-F238E27FC236}">
+                <a16:creationId xmlns:a16="http://schemas.microsoft.com/office/drawing/2014/main" id="{5D13CC36-B950-4F02-9BAF-9A7EB267398C}"/>
+              </a:ext>
+              <a:ext uri="{C183D7F6-B498-43B3-948B-1728B52AA6E4}">
+                <adec:decorative xmlns:adec="http://schemas.microsoft.com/office/drawing/2017/decorative" val="1"/>
+              </a:ext>
+            </a:extLst>
+          </p:cNvPr>
+          <p:cNvSpPr>
+            <a:spLocks noGrp="1" noRot="1" noChangeAspect="1" noMove="1" noResize="1" noEditPoints="1" noAdjustHandles="1" noChangeArrowheads="1" noChangeShapeType="1" noTextEdit="1"/>
+          </p:cNvSpPr>
+          <p:nvPr>
+            <p:extLst>
+              <p:ext uri="{386F3935-93C4-4BCD-93E2-E3B085C9AB24}">
+                <p16:designElem xmlns:p16="http://schemas.microsoft.com/office/powerpoint/2015/main" val="1"/>
+              </p:ext>
+            </p:extLst>
+          </p:nvPr>
+        </p:nvSpPr>
+        <p:spPr>
+          <a:xfrm>
+            <a:off x="0" y="0"/>
+            <a:ext cx="12192000" cy="6858000"/>
+          </a:xfrm>
+          <a:prstGeom prst="rect">
+            <a:avLst/>
+          </a:prstGeom>
+          <a:ln w="12700" cap="flat" cmpd="sng" algn="ctr">
+            <a:noFill/>
+            <a:prstDash val="solid"/>
+            <a:miter lim="800000"/>
+          </a:ln>
+          <a:effectLst/>
+          <a:extLst>
+            <a:ext uri="{91240B29-F687-4F45-9708-019B960494DF}">
+              <a14:hiddenLine xmlns:a14="http://schemas.microsoft.com/office/drawing/2010/main" w="12700" cap="flat" cmpd="sng" algn="ctr">
+                <a:solidFill>
+                  <a:schemeClr val="accent1">
+                    <a:shade val="50000"/>
+                  </a:schemeClr>
+                </a:solidFill>
+                <a:prstDash val="solid"/>
+                <a:miter lim="800000"/>
+              </a14:hiddenLine>
+            </a:ext>
+          </a:extLst>
+        </p:spPr>
+        <p:style>
+          <a:lnRef idx="2">
+            <a:schemeClr val="accent1">
+              <a:shade val="50000"/>
+            </a:schemeClr>
+          </a:lnRef>
+          <a:fillRef idx="1">
+            <a:schemeClr val="accent1"/>
+          </a:fillRef>
+          <a:effectRef idx="0">
+            <a:schemeClr val="accent1"/>
+          </a:effectRef>
+          <a:fontRef idx="minor">
+            <a:schemeClr val="lt1"/>
+          </a:fontRef>
+        </p:style>
+        <p:txBody>
+          <a:bodyPr rtlCol="0" anchor="ctr"/>
+          <a:lstStyle/>
+          <a:p>
+            <a:pPr algn="ctr"/>
+            <a:endParaRPr lang="en-US"/>
+          </a:p>
+        </p:txBody>
+      </p:sp>
+      <p:sp>
+        <p:nvSpPr>
+          <p:cNvPr id="11" name="Rectangle 10">
+            <a:extLst>
+              <a:ext uri="{FF2B5EF4-FFF2-40B4-BE49-F238E27FC236}">
+                <a16:creationId xmlns:a16="http://schemas.microsoft.com/office/drawing/2014/main" id="{D1BDED99-B35B-4FEE-A274-8E8DB6FEEECF}"/>
+              </a:ext>
+              <a:ext uri="{C183D7F6-B498-43B3-948B-1728B52AA6E4}">
+                <adec:decorative xmlns:adec="http://schemas.microsoft.com/office/drawing/2017/decorative" val="1"/>
+              </a:ext>
+            </a:extLst>
+          </p:cNvPr>
+          <p:cNvSpPr>
+            <a:spLocks noGrp="1" noRot="1" noChangeAspect="1" noMove="1" noResize="1" noEditPoints="1" noAdjustHandles="1" noChangeArrowheads="1" noChangeShapeType="1" noTextEdit="1"/>
+          </p:cNvSpPr>
+          <p:nvPr>
+            <p:extLst>
+              <p:ext uri="{386F3935-93C4-4BCD-93E2-E3B085C9AB24}">
+                <p16:designElem xmlns:p16="http://schemas.microsoft.com/office/powerpoint/2015/main" val="1"/>
+              </p:ext>
+            </p:extLst>
+          </p:nvPr>
+        </p:nvSpPr>
+        <p:spPr>
+          <a:xfrm>
+            <a:off x="0" y="0"/>
+            <a:ext cx="9024730" cy="6857999"/>
+          </a:xfrm>
+          <a:prstGeom prst="rect">
+            <a:avLst/>
+          </a:prstGeom>
+          <a:solidFill>
+            <a:srgbClr val="82766A">
+              <a:alpha val="15000"/>
+            </a:srgbClr>
+          </a:solidFill>
+          <a:ln>
+            <a:noFill/>
+          </a:ln>
+        </p:spPr>
+        <p:style>
+          <a:lnRef idx="2">
+            <a:schemeClr val="accent1">
+              <a:shade val="50000"/>
+            </a:schemeClr>
+          </a:lnRef>
+          <a:fillRef idx="1">
+            <a:schemeClr val="accent1"/>
+          </a:fillRef>
+          <a:effectRef idx="0">
+            <a:schemeClr val="accent1"/>
+          </a:effectRef>
+          <a:fontRef idx="minor">
+            <a:schemeClr val="lt1"/>
+          </a:fontRef>
+        </p:style>
+        <p:txBody>
+          <a:bodyPr rtlCol="0" anchor="ctr"/>
+          <a:lstStyle/>
+          <a:p>
+            <a:pPr algn="ctr"/>
+            <a:endParaRPr lang="en-US"/>
+          </a:p>
+        </p:txBody>
+      </p:sp>
+      <p:sp>
+        <p:nvSpPr>
+          <p:cNvPr id="2" name="Titel 1">
+            <a:extLst>
+              <a:ext uri="{FF2B5EF4-FFF2-40B4-BE49-F238E27FC236}">
+                <a16:creationId xmlns:a16="http://schemas.microsoft.com/office/drawing/2014/main" id="{1965495C-DB64-2C5B-387C-AB72A15C2FE6}"/>
+              </a:ext>
+            </a:extLst>
+          </p:cNvPr>
+          <p:cNvSpPr>
+            <a:spLocks noGrp="1"/>
+          </p:cNvSpPr>
+          <p:nvPr>
+            <p:ph type="title"/>
+          </p:nvPr>
+        </p:nvSpPr>
+        <p:spPr>
+          <a:xfrm>
+            <a:off x="1050879" y="609601"/>
+            <a:ext cx="6967181" cy="1216024"/>
+          </a:xfrm>
+        </p:spPr>
+        <p:txBody>
+          <a:bodyPr>
+            <a:normAutofit/>
+          </a:bodyPr>
+          <a:lstStyle/>
+          <a:p>
+            <a:r>
+              <a:rPr lang="de-AT" dirty="0"/>
+              <a:t>Abschluss</a:t>
+            </a:r>
+          </a:p>
+        </p:txBody>
+      </p:sp>
+      <p:sp>
+        <p:nvSpPr>
+          <p:cNvPr id="3" name="Inhaltsplatzhalter 2">
+            <a:extLst>
+              <a:ext uri="{FF2B5EF4-FFF2-40B4-BE49-F238E27FC236}">
+                <a16:creationId xmlns:a16="http://schemas.microsoft.com/office/drawing/2014/main" id="{781671A5-BF48-42B2-26E2-10043C0F1C06}"/>
+              </a:ext>
+            </a:extLst>
+          </p:cNvPr>
+          <p:cNvSpPr>
+            <a:spLocks noGrp="1"/>
+          </p:cNvSpPr>
+          <p:nvPr>
+            <p:ph idx="1"/>
+          </p:nvPr>
+        </p:nvSpPr>
+        <p:spPr>
+          <a:xfrm>
+            <a:off x="1050879" y="2147356"/>
+            <a:ext cx="6967181" cy="4107021"/>
+          </a:xfrm>
+        </p:spPr>
+        <p:txBody>
+          <a:bodyPr>
+            <a:normAutofit/>
+          </a:bodyPr>
+          <a:lstStyle/>
+          <a:p>
+            <a:pPr marR="0" lvl="0" fontAlgn="base">
+              <a:spcAft>
+                <a:spcPct val="0"/>
+              </a:spcAft>
+              <a:buClrTx/>
+              <a:tabLst/>
+            </a:pPr>
+            <a:r>
+              <a:rPr lang="de-DE" altLang="de-DE" dirty="0"/>
+              <a:t>Offene Fragen?</a:t>
+            </a:r>
+          </a:p>
+          <a:p>
+            <a:pPr marR="0" lvl="0" fontAlgn="base">
+              <a:spcAft>
+                <a:spcPct val="0"/>
+              </a:spcAft>
+              <a:buClrTx/>
+              <a:tabLst/>
+            </a:pPr>
+            <a:r>
+              <a:rPr lang="de-DE" altLang="de-DE" dirty="0"/>
+              <a:t>Feedback zu Mockups, Funktionalität oder Design.</a:t>
+            </a:r>
+          </a:p>
+          <a:p>
+            <a:pPr marR="0" lvl="0" fontAlgn="base">
+              <a:spcAft>
+                <a:spcPct val="0"/>
+              </a:spcAft>
+              <a:buClrTx/>
+              <a:tabLst/>
+            </a:pPr>
+            <a:r>
+              <a:rPr lang="de-DE" altLang="de-DE" dirty="0"/>
+              <a:t>Vorschläge für Verbesserungen oder neue Features. </a:t>
+            </a:r>
+          </a:p>
+          <a:p>
+            <a:endParaRPr lang="de-AT" dirty="0"/>
+          </a:p>
+        </p:txBody>
+      </p:sp>
+      <p:pic>
+        <p:nvPicPr>
+          <p:cNvPr id="6" name="Picture 4" descr="Verschiedenfarbige Fragezeichen">
+            <a:extLst>
+              <a:ext uri="{FF2B5EF4-FFF2-40B4-BE49-F238E27FC236}">
+                <a16:creationId xmlns:a16="http://schemas.microsoft.com/office/drawing/2014/main" id="{1E9AF271-822B-88F1-EFBB-8BCF43943CF5}"/>
+              </a:ext>
+            </a:extLst>
+          </p:cNvPr>
+          <p:cNvPicPr>
+            <a:picLocks noChangeAspect="1"/>
+          </p:cNvPicPr>
+          <p:nvPr/>
+        </p:nvPicPr>
+        <p:blipFill>
+          <a:blip r:embed="rId2"/>
+          <a:srcRect l="30743" r="34653" b="-1"/>
+          <a:stretch/>
+        </p:blipFill>
+        <p:spPr>
+          <a:xfrm>
+            <a:off x="7968222" y="2"/>
+            <a:ext cx="4223778" cy="6865951"/>
+          </a:xfrm>
+          <a:custGeom>
+            <a:avLst/>
+            <a:gdLst/>
+            <a:ahLst/>
+            <a:cxnLst/>
+            <a:rect l="l" t="t" r="r" b="b"/>
+            <a:pathLst>
+              <a:path w="4223778" h="6865951">
+                <a:moveTo>
+                  <a:pt x="478794" y="0"/>
+                </a:moveTo>
+                <a:lnTo>
+                  <a:pt x="4223778" y="0"/>
+                </a:lnTo>
+                <a:lnTo>
+                  <a:pt x="4223778" y="6865951"/>
+                </a:lnTo>
+                <a:lnTo>
+                  <a:pt x="52221" y="6865951"/>
+                </a:lnTo>
+                <a:lnTo>
+                  <a:pt x="49989" y="6844695"/>
+                </a:lnTo>
+                <a:cubicBezTo>
+                  <a:pt x="46440" y="6810509"/>
+                  <a:pt x="42891" y="6776323"/>
+                  <a:pt x="41304" y="6765443"/>
+                </a:cubicBezTo>
+                <a:cubicBezTo>
+                  <a:pt x="35681" y="6732842"/>
+                  <a:pt x="13533" y="6716945"/>
+                  <a:pt x="11182" y="6694817"/>
+                </a:cubicBezTo>
+                <a:cubicBezTo>
+                  <a:pt x="16764" y="6697663"/>
+                  <a:pt x="14835" y="6635151"/>
+                  <a:pt x="10913" y="6627127"/>
+                </a:cubicBezTo>
+                <a:cubicBezTo>
+                  <a:pt x="19564" y="6579282"/>
+                  <a:pt x="-12861" y="6585665"/>
+                  <a:pt x="5999" y="6527525"/>
+                </a:cubicBezTo>
+                <a:cubicBezTo>
+                  <a:pt x="12287" y="6468687"/>
+                  <a:pt x="19003" y="6409739"/>
+                  <a:pt x="7685" y="6346547"/>
+                </a:cubicBezTo>
+                <a:cubicBezTo>
+                  <a:pt x="31149" y="6240430"/>
+                  <a:pt x="5895" y="6134229"/>
+                  <a:pt x="12535" y="6084924"/>
+                </a:cubicBezTo>
+                <a:cubicBezTo>
+                  <a:pt x="14696" y="6024961"/>
+                  <a:pt x="53867" y="6020785"/>
+                  <a:pt x="45320" y="5989742"/>
+                </a:cubicBezTo>
+                <a:cubicBezTo>
+                  <a:pt x="41264" y="5940899"/>
+                  <a:pt x="43258" y="5932095"/>
+                  <a:pt x="40418" y="5889597"/>
+                </a:cubicBezTo>
+                <a:cubicBezTo>
+                  <a:pt x="20860" y="5848611"/>
+                  <a:pt x="51187" y="5792775"/>
+                  <a:pt x="49796" y="5755774"/>
+                </a:cubicBezTo>
+                <a:cubicBezTo>
+                  <a:pt x="43522" y="5734342"/>
+                  <a:pt x="37368" y="5692606"/>
+                  <a:pt x="49956" y="5684909"/>
+                </a:cubicBezTo>
+                <a:cubicBezTo>
+                  <a:pt x="52825" y="5660429"/>
+                  <a:pt x="62553" y="5623499"/>
+                  <a:pt x="67011" y="5608897"/>
+                </a:cubicBezTo>
+                <a:lnTo>
+                  <a:pt x="76701" y="5597290"/>
+                </a:lnTo>
+                <a:cubicBezTo>
+                  <a:pt x="87717" y="5587442"/>
+                  <a:pt x="82431" y="5550877"/>
+                  <a:pt x="89120" y="5529641"/>
+                </a:cubicBezTo>
+                <a:cubicBezTo>
+                  <a:pt x="69291" y="5496375"/>
+                  <a:pt x="118554" y="5526326"/>
+                  <a:pt x="94330" y="5470852"/>
+                </a:cubicBezTo>
+                <a:cubicBezTo>
+                  <a:pt x="95483" y="5449506"/>
+                  <a:pt x="114690" y="5429653"/>
+                  <a:pt x="116139" y="5390946"/>
+                </a:cubicBezTo>
+                <a:cubicBezTo>
+                  <a:pt x="127589" y="5337323"/>
+                  <a:pt x="132794" y="5338384"/>
+                  <a:pt x="135560" y="5284344"/>
+                </a:cubicBezTo>
+                <a:cubicBezTo>
+                  <a:pt x="143629" y="5226223"/>
+                  <a:pt x="148113" y="5192743"/>
+                  <a:pt x="158141" y="5143920"/>
+                </a:cubicBezTo>
+                <a:cubicBezTo>
+                  <a:pt x="170128" y="5118849"/>
+                  <a:pt x="159838" y="5102006"/>
+                  <a:pt x="174950" y="5088188"/>
+                </a:cubicBezTo>
+                <a:cubicBezTo>
+                  <a:pt x="197620" y="5107654"/>
+                  <a:pt x="181875" y="4983257"/>
+                  <a:pt x="203603" y="5010764"/>
+                </a:cubicBezTo>
+                <a:lnTo>
+                  <a:pt x="258582" y="4919969"/>
+                </a:lnTo>
+                <a:cubicBezTo>
+                  <a:pt x="238838" y="4883087"/>
+                  <a:pt x="271098" y="4853332"/>
+                  <a:pt x="287910" y="4849612"/>
+                </a:cubicBezTo>
+                <a:cubicBezTo>
+                  <a:pt x="294156" y="4811643"/>
+                  <a:pt x="286101" y="4834074"/>
+                  <a:pt x="305439" y="4799017"/>
+                </a:cubicBezTo>
+                <a:cubicBezTo>
+                  <a:pt x="322572" y="4758926"/>
+                  <a:pt x="352642" y="4705848"/>
+                  <a:pt x="373456" y="4667754"/>
+                </a:cubicBezTo>
+                <a:cubicBezTo>
+                  <a:pt x="384080" y="4649919"/>
+                  <a:pt x="401158" y="4670663"/>
+                  <a:pt x="407944" y="4574050"/>
+                </a:cubicBezTo>
+                <a:cubicBezTo>
+                  <a:pt x="408098" y="4548109"/>
+                  <a:pt x="427782" y="4503327"/>
+                  <a:pt x="425133" y="4462469"/>
+                </a:cubicBezTo>
+                <a:lnTo>
+                  <a:pt x="433890" y="4364681"/>
+                </a:lnTo>
+                <a:cubicBezTo>
+                  <a:pt x="430018" y="4339230"/>
+                  <a:pt x="435361" y="4287915"/>
+                  <a:pt x="440691" y="4222147"/>
+                </a:cubicBezTo>
+                <a:cubicBezTo>
+                  <a:pt x="451463" y="4164562"/>
+                  <a:pt x="497377" y="4067298"/>
+                  <a:pt x="503057" y="3977136"/>
+                </a:cubicBezTo>
+                <a:cubicBezTo>
+                  <a:pt x="519229" y="3939837"/>
+                  <a:pt x="472839" y="3875689"/>
+                  <a:pt x="507582" y="3776020"/>
+                </a:cubicBezTo>
+                <a:cubicBezTo>
+                  <a:pt x="497716" y="3757477"/>
+                  <a:pt x="518006" y="3707185"/>
+                  <a:pt x="521577" y="3692206"/>
+                </a:cubicBezTo>
+                <a:cubicBezTo>
+                  <a:pt x="525148" y="3677227"/>
+                  <a:pt x="526352" y="3687655"/>
+                  <a:pt x="529009" y="3686147"/>
+                </a:cubicBezTo>
+                <a:cubicBezTo>
+                  <a:pt x="531848" y="3650325"/>
+                  <a:pt x="545504" y="3563351"/>
+                  <a:pt x="551870" y="3514534"/>
+                </a:cubicBezTo>
+                <a:cubicBezTo>
+                  <a:pt x="561331" y="3487751"/>
+                  <a:pt x="581973" y="3426419"/>
+                  <a:pt x="567205" y="3393248"/>
+                </a:cubicBezTo>
+                <a:cubicBezTo>
+                  <a:pt x="585208" y="3400657"/>
+                  <a:pt x="563566" y="3353906"/>
+                  <a:pt x="579630" y="3344723"/>
+                </a:cubicBezTo>
+                <a:cubicBezTo>
+                  <a:pt x="592861" y="3339338"/>
+                  <a:pt x="589379" y="3323900"/>
+                  <a:pt x="592672" y="3310978"/>
+                </a:cubicBezTo>
+                <a:cubicBezTo>
+                  <a:pt x="605351" y="3299735"/>
+                  <a:pt x="594296" y="3237176"/>
+                  <a:pt x="589270" y="3216655"/>
+                </a:cubicBezTo>
+                <a:cubicBezTo>
+                  <a:pt x="566909" y="3160431"/>
+                  <a:pt x="626099" y="3142203"/>
+                  <a:pt x="609663" y="3096973"/>
+                </a:cubicBezTo>
+                <a:cubicBezTo>
+                  <a:pt x="609191" y="3084373"/>
+                  <a:pt x="615889" y="3033331"/>
+                  <a:pt x="618886" y="3023628"/>
+                </a:cubicBezTo>
+                <a:lnTo>
+                  <a:pt x="630425" y="2998646"/>
+                </a:lnTo>
+                <a:lnTo>
+                  <a:pt x="640017" y="2995914"/>
+                </a:lnTo>
+                <a:lnTo>
+                  <a:pt x="643600" y="2978244"/>
+                </a:lnTo>
+                <a:lnTo>
+                  <a:pt x="659520" y="2950805"/>
+                </a:lnTo>
+                <a:cubicBezTo>
+                  <a:pt x="620152" y="2937671"/>
+                  <a:pt x="687598" y="2860550"/>
+                  <a:pt x="650890" y="2864933"/>
+                </a:cubicBezTo>
+                <a:cubicBezTo>
+                  <a:pt x="663707" y="2817056"/>
+                  <a:pt x="662078" y="2779813"/>
+                  <a:pt x="640210" y="2741864"/>
+                </a:cubicBezTo>
+                <a:cubicBezTo>
+                  <a:pt x="634452" y="2649732"/>
+                  <a:pt x="665268" y="2597914"/>
+                  <a:pt x="639387" y="2510931"/>
+                </a:cubicBezTo>
+                <a:cubicBezTo>
+                  <a:pt x="645574" y="2407642"/>
+                  <a:pt x="671719" y="2317589"/>
+                  <a:pt x="680438" y="2227415"/>
+                </a:cubicBezTo>
+                <a:cubicBezTo>
+                  <a:pt x="664175" y="2189847"/>
+                  <a:pt x="704423" y="2141655"/>
+                  <a:pt x="688135" y="2054289"/>
+                </a:cubicBezTo>
+                <a:cubicBezTo>
+                  <a:pt x="683239" y="2048201"/>
+                  <a:pt x="684029" y="1979567"/>
+                  <a:pt x="681480" y="1972202"/>
+                </a:cubicBezTo>
+                <a:lnTo>
+                  <a:pt x="686247" y="1917474"/>
+                </a:lnTo>
+                <a:lnTo>
+                  <a:pt x="679783" y="1862721"/>
+                </a:lnTo>
+                <a:cubicBezTo>
+                  <a:pt x="683677" y="1851209"/>
+                  <a:pt x="688980" y="1824057"/>
+                  <a:pt x="686639" y="1818227"/>
+                </a:cubicBezTo>
+                <a:lnTo>
+                  <a:pt x="658235" y="1742488"/>
+                </a:lnTo>
+                <a:cubicBezTo>
+                  <a:pt x="645662" y="1715201"/>
+                  <a:pt x="661423" y="1719638"/>
+                  <a:pt x="636990" y="1638389"/>
+                </a:cubicBezTo>
+                <a:cubicBezTo>
+                  <a:pt x="626351" y="1601441"/>
+                  <a:pt x="629414" y="1617134"/>
+                  <a:pt x="602059" y="1570807"/>
+                </a:cubicBezTo>
+                <a:lnTo>
+                  <a:pt x="570903" y="1513173"/>
+                </a:lnTo>
+                <a:cubicBezTo>
+                  <a:pt x="570781" y="1503175"/>
+                  <a:pt x="550561" y="1468055"/>
+                  <a:pt x="550438" y="1458058"/>
+                </a:cubicBezTo>
+                <a:cubicBezTo>
+                  <a:pt x="556848" y="1428101"/>
+                  <a:pt x="546263" y="1422712"/>
+                  <a:pt x="531416" y="1385478"/>
+                </a:cubicBezTo>
+                <a:cubicBezTo>
+                  <a:pt x="527790" y="1370753"/>
+                  <a:pt x="490725" y="1304050"/>
+                  <a:pt x="501981" y="1265452"/>
+                </a:cubicBezTo>
+                <a:cubicBezTo>
+                  <a:pt x="501825" y="1234781"/>
+                  <a:pt x="490462" y="1187660"/>
+                  <a:pt x="487370" y="1141743"/>
+                </a:cubicBezTo>
+                <a:cubicBezTo>
+                  <a:pt x="484278" y="1095826"/>
+                  <a:pt x="483852" y="1028118"/>
+                  <a:pt x="483427" y="989948"/>
+                </a:cubicBezTo>
+                <a:cubicBezTo>
+                  <a:pt x="483001" y="951779"/>
+                  <a:pt x="494678" y="945984"/>
+                  <a:pt x="484820" y="912725"/>
+                </a:cubicBezTo>
+                <a:cubicBezTo>
+                  <a:pt x="467566" y="854951"/>
+                  <a:pt x="510777" y="860797"/>
+                  <a:pt x="475093" y="812798"/>
+                </a:cubicBezTo>
+                <a:cubicBezTo>
+                  <a:pt x="461960" y="787034"/>
+                  <a:pt x="498505" y="551948"/>
+                  <a:pt x="461972" y="450605"/>
+                </a:cubicBezTo>
+                <a:cubicBezTo>
+                  <a:pt x="470167" y="357604"/>
+                  <a:pt x="458694" y="431306"/>
+                  <a:pt x="465015" y="372906"/>
+                </a:cubicBezTo>
+                <a:cubicBezTo>
+                  <a:pt x="503427" y="364177"/>
+                  <a:pt x="489736" y="290341"/>
+                  <a:pt x="490377" y="246134"/>
+                </a:cubicBezTo>
+                <a:cubicBezTo>
+                  <a:pt x="491019" y="201927"/>
+                  <a:pt x="449725" y="138160"/>
+                  <a:pt x="468864" y="107666"/>
+                </a:cubicBezTo>
+                <a:cubicBezTo>
+                  <a:pt x="468282" y="89794"/>
+                  <a:pt x="477749" y="76947"/>
+                  <a:pt x="477167" y="59075"/>
+                </a:cubicBezTo>
+                <a:lnTo>
+                  <a:pt x="472992" y="14560"/>
+                </a:lnTo>
+                <a:close/>
+              </a:path>
+            </a:pathLst>
+          </a:custGeom>
+        </p:spPr>
+      </p:pic>
+    </p:spTree>
+    <p:extLst>
+      <p:ext uri="{BB962C8B-B14F-4D97-AF65-F5344CB8AC3E}">
+        <p14:creationId xmlns:p14="http://schemas.microsoft.com/office/powerpoint/2010/main" val="4282427279"/>
       </p:ext>
     </p:extLst>
   </p:cSld>
